--- a/PPT/TypeScriptv3.pptx
+++ b/PPT/TypeScriptv3.pptx
@@ -5,7 +5,7 @@
     <p:sldMasterId id="2147483660" r:id="rId1"/>
   </p:sldMasterIdLst>
   <p:notesMasterIdLst>
-    <p:notesMasterId r:id="rId27"/>
+    <p:notesMasterId r:id="rId43"/>
   </p:notesMasterIdLst>
   <p:sldIdLst>
     <p:sldId id="256" r:id="rId2"/>
@@ -32,7 +32,23 @@
     <p:sldId id="379" r:id="rId23"/>
     <p:sldId id="380" r:id="rId24"/>
     <p:sldId id="381" r:id="rId25"/>
-    <p:sldId id="268" r:id="rId26"/>
+    <p:sldId id="382" r:id="rId26"/>
+    <p:sldId id="383" r:id="rId27"/>
+    <p:sldId id="384" r:id="rId28"/>
+    <p:sldId id="385" r:id="rId29"/>
+    <p:sldId id="386" r:id="rId30"/>
+    <p:sldId id="387" r:id="rId31"/>
+    <p:sldId id="388" r:id="rId32"/>
+    <p:sldId id="389" r:id="rId33"/>
+    <p:sldId id="390" r:id="rId34"/>
+    <p:sldId id="392" r:id="rId35"/>
+    <p:sldId id="393" r:id="rId36"/>
+    <p:sldId id="394" r:id="rId37"/>
+    <p:sldId id="395" r:id="rId38"/>
+    <p:sldId id="396" r:id="rId39"/>
+    <p:sldId id="397" r:id="rId40"/>
+    <p:sldId id="398" r:id="rId41"/>
+    <p:sldId id="268" r:id="rId42"/>
   </p:sldIdLst>
   <p:sldSz cx="12192000" cy="6858000"/>
   <p:notesSz cx="6858000" cy="9144000"/>
@@ -221,7 +237,7 @@
           <a:p>
             <a:fld id="{39CD3BCA-8732-46CA-ADDD-C24F968DBEAF}" type="datetimeFigureOut">
               <a:rPr lang="en-GB" smtClean="0"/>
-              <a:t>04/06/2020</a:t>
+              <a:t>05/06/2020</a:t>
             </a:fld>
             <a:endParaRPr lang="en-GB"/>
           </a:p>
@@ -1185,6 +1201,1263 @@
 </p:notes>
 </file>
 
+<file path=ppt/notesSlides/notesSlide13.xml><?xml version="1.0" encoding="utf-8"?>
+<p:notes xmlns:a="http://schemas.openxmlformats.org/drawingml/2006/main" xmlns:r="http://schemas.openxmlformats.org/officeDocument/2006/relationships" xmlns:p="http://schemas.openxmlformats.org/presentationml/2006/main">
+  <p:cSld>
+    <p:spTree>
+      <p:nvGrpSpPr>
+        <p:cNvPr id="1" name=""/>
+        <p:cNvGrpSpPr/>
+        <p:nvPr/>
+      </p:nvGrpSpPr>
+      <p:grpSpPr>
+        <a:xfrm>
+          <a:off x="0" y="0"/>
+          <a:ext cx="0" cy="0"/>
+          <a:chOff x="0" y="0"/>
+          <a:chExt cx="0" cy="0"/>
+        </a:xfrm>
+      </p:grpSpPr>
+      <p:sp>
+        <p:nvSpPr>
+          <p:cNvPr id="2" name="Slide Image Placeholder 1"/>
+          <p:cNvSpPr>
+            <a:spLocks noGrp="1" noRot="1" noChangeAspect="1"/>
+          </p:cNvSpPr>
+          <p:nvPr>
+            <p:ph type="sldImg"/>
+          </p:nvPr>
+        </p:nvSpPr>
+        <p:spPr/>
+      </p:sp>
+      <p:sp>
+        <p:nvSpPr>
+          <p:cNvPr id="3" name="Notes Placeholder 2"/>
+          <p:cNvSpPr>
+            <a:spLocks noGrp="1"/>
+          </p:cNvSpPr>
+          <p:nvPr>
+            <p:ph type="body" idx="1"/>
+          </p:nvPr>
+        </p:nvSpPr>
+        <p:spPr/>
+        <p:txBody>
+          <a:bodyPr/>
+          <a:lstStyle/>
+          <a:p>
+            <a:r>
+              <a:rPr lang="en-GB" dirty="0" smtClean="0"/>
+              <a:t>Difference between – and – in commands</a:t>
+            </a:r>
+          </a:p>
+          <a:p>
+            <a:endParaRPr lang="en-GB" dirty="0" smtClean="0"/>
+          </a:p>
+          <a:p>
+            <a:r>
+              <a:rPr lang="en-IN" sz="1200" b="1" i="0" kern="1200" dirty="0" smtClean="0">
+                <a:solidFill>
+                  <a:schemeClr val="tx1"/>
+                </a:solidFill>
+                <a:effectLst/>
+                <a:latin typeface="+mn-lt"/>
+                <a:ea typeface="+mn-ea"/>
+                <a:cs typeface="+mn-cs"/>
+              </a:rPr>
+              <a:t>POSIX</a:t>
+            </a:r>
+            <a:r>
+              <a:rPr lang="en-IN" sz="1200" b="0" i="0" kern="1200" dirty="0" smtClean="0">
+                <a:solidFill>
+                  <a:schemeClr val="tx1"/>
+                </a:solidFill>
+                <a:effectLst/>
+                <a:latin typeface="+mn-lt"/>
+                <a:ea typeface="+mn-ea"/>
+                <a:cs typeface="+mn-cs"/>
+              </a:rPr>
+              <a:t> stands for Portable Operating System Interface, and is an IEEE standard designed to facilitate application portability. </a:t>
+            </a:r>
+            <a:r>
+              <a:rPr lang="en-IN" sz="1200" b="1" i="0" kern="1200" dirty="0" smtClean="0">
+                <a:solidFill>
+                  <a:schemeClr val="tx1"/>
+                </a:solidFill>
+                <a:effectLst/>
+                <a:latin typeface="+mn-lt"/>
+                <a:ea typeface="+mn-ea"/>
+                <a:cs typeface="+mn-cs"/>
+              </a:rPr>
+              <a:t>POSIX</a:t>
+            </a:r>
+            <a:r>
+              <a:rPr lang="en-IN" sz="1200" b="0" i="0" kern="1200" dirty="0" smtClean="0">
+                <a:solidFill>
+                  <a:schemeClr val="tx1"/>
+                </a:solidFill>
+                <a:effectLst/>
+                <a:latin typeface="+mn-lt"/>
+                <a:ea typeface="+mn-ea"/>
+                <a:cs typeface="+mn-cs"/>
+              </a:rPr>
+              <a:t> is an attempt by a consortium of vendors to create a single standard version of UNIX. If they are successful, it will make it easier to port applications between hardware platforms.</a:t>
+            </a:r>
+          </a:p>
+          <a:p>
+            <a:endParaRPr lang="en-IN" sz="1200" b="0" i="0" kern="1200" dirty="0" smtClean="0">
+              <a:solidFill>
+                <a:schemeClr val="tx1"/>
+              </a:solidFill>
+              <a:effectLst/>
+              <a:latin typeface="+mn-lt"/>
+              <a:ea typeface="+mn-ea"/>
+              <a:cs typeface="+mn-cs"/>
+            </a:endParaRPr>
+          </a:p>
+          <a:p>
+            <a:r>
+              <a:rPr lang="en-IN" sz="1200" b="0" i="0" kern="1200" dirty="0" smtClean="0">
+                <a:solidFill>
+                  <a:schemeClr val="tx1"/>
+                </a:solidFill>
+                <a:effectLst/>
+                <a:latin typeface="+mn-lt"/>
+                <a:ea typeface="+mn-ea"/>
+                <a:cs typeface="+mn-cs"/>
+              </a:rPr>
+              <a:t>It is a matter of convention. POSIX standard programs usually only have single character options, and they're all prefixed with a single hyphen. The longer versions are a GNU improvement for clarity, as far as I can tell, and usually are prefixed with double hyphens.</a:t>
+            </a:r>
+          </a:p>
+          <a:p>
+            <a:endParaRPr lang="en-IN" sz="1200" b="0" i="0" kern="1200" dirty="0" smtClean="0">
+              <a:solidFill>
+                <a:schemeClr val="tx1"/>
+              </a:solidFill>
+              <a:effectLst/>
+              <a:latin typeface="+mn-lt"/>
+              <a:ea typeface="+mn-ea"/>
+              <a:cs typeface="+mn-cs"/>
+            </a:endParaRPr>
+          </a:p>
+          <a:p>
+            <a:r>
+              <a:rPr lang="en-IN" sz="1200" b="0" i="0" kern="1200" dirty="0" smtClean="0">
+                <a:solidFill>
+                  <a:schemeClr val="tx1"/>
+                </a:solidFill>
+                <a:effectLst/>
+                <a:latin typeface="+mn-lt"/>
+                <a:ea typeface="+mn-ea"/>
+                <a:cs typeface="+mn-cs"/>
+              </a:rPr>
+              <a:t>on-GNU and non-POSIX-compliant programs may do something else altogether. Note that you really can't be sure that the long form of an argument may be the same from program to program. </a:t>
+            </a:r>
+            <a:r>
+              <a:rPr lang="en-IN" dirty="0" smtClean="0"/>
+              <a:t>-f</a:t>
+            </a:r>
+            <a:r>
+              <a:rPr lang="en-IN" sz="1200" b="0" i="0" kern="1200" dirty="0" smtClean="0">
+                <a:solidFill>
+                  <a:schemeClr val="tx1"/>
+                </a:solidFill>
+                <a:effectLst/>
+                <a:latin typeface="+mn-lt"/>
+                <a:ea typeface="+mn-ea"/>
+                <a:cs typeface="+mn-cs"/>
+              </a:rPr>
+              <a:t> usually means </a:t>
+            </a:r>
+            <a:r>
+              <a:rPr lang="en-IN" dirty="0" smtClean="0"/>
+              <a:t>--force</a:t>
+            </a:r>
+            <a:r>
+              <a:rPr lang="en-IN" sz="1200" b="0" i="0" kern="1200" dirty="0" smtClean="0">
+                <a:solidFill>
+                  <a:schemeClr val="tx1"/>
+                </a:solidFill>
+                <a:effectLst/>
+                <a:latin typeface="+mn-lt"/>
+                <a:ea typeface="+mn-ea"/>
+                <a:cs typeface="+mn-cs"/>
+              </a:rPr>
+              <a:t>, but not with </a:t>
+            </a:r>
+            <a:r>
+              <a:rPr lang="en-IN" dirty="0" smtClean="0"/>
+              <a:t>apt-get install</a:t>
+            </a:r>
+            <a:r>
+              <a:rPr lang="en-IN" sz="1200" b="0" i="0" kern="1200" dirty="0" smtClean="0">
+                <a:solidFill>
+                  <a:schemeClr val="tx1"/>
+                </a:solidFill>
+                <a:effectLst/>
+                <a:latin typeface="+mn-lt"/>
+                <a:ea typeface="+mn-ea"/>
+                <a:cs typeface="+mn-cs"/>
+              </a:rPr>
+              <a:t> (common misconception). </a:t>
+            </a:r>
+            <a:r>
+              <a:rPr lang="en-IN" dirty="0" smtClean="0"/>
+              <a:t>-v</a:t>
+            </a:r>
+            <a:r>
+              <a:rPr lang="en-IN" sz="1200" b="0" i="0" kern="1200" dirty="0" smtClean="0">
+                <a:solidFill>
+                  <a:schemeClr val="tx1"/>
+                </a:solidFill>
+                <a:effectLst/>
+                <a:latin typeface="+mn-lt"/>
+                <a:ea typeface="+mn-ea"/>
+                <a:cs typeface="+mn-cs"/>
+              </a:rPr>
+              <a:t> may mean version - usually, or </a:t>
+            </a:r>
+            <a:r>
+              <a:rPr lang="en-IN" dirty="0" smtClean="0"/>
+              <a:t>--verbose</a:t>
+            </a:r>
+            <a:r>
+              <a:rPr lang="en-IN" sz="1200" b="0" i="0" kern="1200" dirty="0" smtClean="0">
+                <a:solidFill>
+                  <a:schemeClr val="tx1"/>
+                </a:solidFill>
+                <a:effectLst/>
+                <a:latin typeface="+mn-lt"/>
+                <a:ea typeface="+mn-ea"/>
+                <a:cs typeface="+mn-cs"/>
+              </a:rPr>
+              <a:t>, and so on. </a:t>
+            </a:r>
+          </a:p>
+          <a:p>
+            <a:endParaRPr lang="en-IN" sz="1200" b="0" i="0" kern="1200" dirty="0" smtClean="0">
+              <a:solidFill>
+                <a:schemeClr val="tx1"/>
+              </a:solidFill>
+              <a:effectLst/>
+              <a:latin typeface="+mn-lt"/>
+              <a:ea typeface="+mn-ea"/>
+              <a:cs typeface="+mn-cs"/>
+            </a:endParaRPr>
+          </a:p>
+          <a:p>
+            <a:r>
+              <a:rPr lang="en-IN" sz="1200" b="0" i="0" kern="1200" dirty="0" smtClean="0">
+                <a:solidFill>
+                  <a:schemeClr val="tx1"/>
+                </a:solidFill>
+                <a:effectLst/>
+                <a:latin typeface="+mn-lt"/>
+                <a:ea typeface="+mn-ea"/>
+                <a:cs typeface="+mn-cs"/>
+              </a:rPr>
+              <a:t>Usually - options can be chained together, like </a:t>
+            </a:r>
+            <a:r>
+              <a:rPr lang="en-IN" dirty="0" err="1" smtClean="0"/>
+              <a:t>pacman</a:t>
+            </a:r>
+            <a:r>
+              <a:rPr lang="en-IN" dirty="0" smtClean="0"/>
+              <a:t> -</a:t>
+            </a:r>
+            <a:r>
+              <a:rPr lang="en-IN" dirty="0" err="1" smtClean="0"/>
+              <a:t>Syu</a:t>
+            </a:r>
+            <a:r>
+              <a:rPr lang="en-IN" sz="1200" b="0" i="0" kern="1200" dirty="0" smtClean="0">
+                <a:solidFill>
+                  <a:schemeClr val="tx1"/>
+                </a:solidFill>
+                <a:effectLst/>
+                <a:latin typeface="+mn-lt"/>
+                <a:ea typeface="+mn-ea"/>
+                <a:cs typeface="+mn-cs"/>
+              </a:rPr>
+              <a:t> being equivalent to </a:t>
+            </a:r>
+            <a:r>
+              <a:rPr lang="en-IN" dirty="0" err="1" smtClean="0"/>
+              <a:t>pacman</a:t>
+            </a:r>
+            <a:r>
+              <a:rPr lang="en-IN" dirty="0" smtClean="0"/>
+              <a:t> -S -y -u</a:t>
+            </a:r>
+            <a:r>
+              <a:rPr lang="en-IN" sz="1200" b="0" i="0" kern="1200" dirty="0" smtClean="0">
+                <a:solidFill>
+                  <a:schemeClr val="tx1"/>
+                </a:solidFill>
+                <a:effectLst/>
+                <a:latin typeface="+mn-lt"/>
+                <a:ea typeface="+mn-ea"/>
+                <a:cs typeface="+mn-cs"/>
+              </a:rPr>
+              <a:t>, and -- options generally take a parameter as in </a:t>
+            </a:r>
+            <a:r>
+              <a:rPr lang="en-IN" dirty="0" smtClean="0"/>
+              <a:t>./configure --prefix=/</a:t>
+            </a:r>
+            <a:r>
+              <a:rPr lang="en-IN" dirty="0" err="1" smtClean="0"/>
+              <a:t>usr</a:t>
+            </a:r>
+            <a:endParaRPr lang="en-IN" dirty="0" smtClean="0"/>
+          </a:p>
+          <a:p>
+            <a:endParaRPr lang="en-IN" dirty="0" smtClean="0"/>
+          </a:p>
+          <a:p>
+            <a:endParaRPr lang="en-GB" dirty="0"/>
+          </a:p>
+        </p:txBody>
+      </p:sp>
+      <p:sp>
+        <p:nvSpPr>
+          <p:cNvPr id="4" name="Slide Number Placeholder 3"/>
+          <p:cNvSpPr>
+            <a:spLocks noGrp="1"/>
+          </p:cNvSpPr>
+          <p:nvPr>
+            <p:ph type="sldNum" sz="quarter" idx="10"/>
+          </p:nvPr>
+        </p:nvSpPr>
+        <p:spPr/>
+        <p:txBody>
+          <a:bodyPr/>
+          <a:lstStyle/>
+          <a:p>
+            <a:fld id="{D3B79ED6-4970-4D84-B25C-F520A9D9210C}" type="slidenum">
+              <a:rPr lang="en-GB" smtClean="0"/>
+              <a:t>26</a:t>
+            </a:fld>
+            <a:endParaRPr lang="en-GB"/>
+          </a:p>
+        </p:txBody>
+      </p:sp>
+    </p:spTree>
+    <p:extLst>
+      <p:ext uri="{BB962C8B-B14F-4D97-AF65-F5344CB8AC3E}">
+        <p14:creationId xmlns:p14="http://schemas.microsoft.com/office/powerpoint/2010/main" val="1693665939"/>
+      </p:ext>
+    </p:extLst>
+  </p:cSld>
+  <p:clrMapOvr>
+    <a:masterClrMapping/>
+  </p:clrMapOvr>
+</p:notes>
+</file>
+
+<file path=ppt/notesSlides/notesSlide14.xml><?xml version="1.0" encoding="utf-8"?>
+<p:notes xmlns:a="http://schemas.openxmlformats.org/drawingml/2006/main" xmlns:r="http://schemas.openxmlformats.org/officeDocument/2006/relationships" xmlns:p="http://schemas.openxmlformats.org/presentationml/2006/main">
+  <p:cSld>
+    <p:spTree>
+      <p:nvGrpSpPr>
+        <p:cNvPr id="1" name=""/>
+        <p:cNvGrpSpPr/>
+        <p:nvPr/>
+      </p:nvGrpSpPr>
+      <p:grpSpPr>
+        <a:xfrm>
+          <a:off x="0" y="0"/>
+          <a:ext cx="0" cy="0"/>
+          <a:chOff x="0" y="0"/>
+          <a:chExt cx="0" cy="0"/>
+        </a:xfrm>
+      </p:grpSpPr>
+      <p:sp>
+        <p:nvSpPr>
+          <p:cNvPr id="2" name="Slide Image Placeholder 1"/>
+          <p:cNvSpPr>
+            <a:spLocks noGrp="1" noRot="1" noChangeAspect="1"/>
+          </p:cNvSpPr>
+          <p:nvPr>
+            <p:ph type="sldImg"/>
+          </p:nvPr>
+        </p:nvSpPr>
+        <p:spPr/>
+      </p:sp>
+      <p:sp>
+        <p:nvSpPr>
+          <p:cNvPr id="3" name="Notes Placeholder 2"/>
+          <p:cNvSpPr>
+            <a:spLocks noGrp="1"/>
+          </p:cNvSpPr>
+          <p:nvPr>
+            <p:ph type="body" idx="1"/>
+          </p:nvPr>
+        </p:nvSpPr>
+        <p:spPr/>
+        <p:txBody>
+          <a:bodyPr/>
+          <a:lstStyle/>
+          <a:p>
+            <a:endParaRPr lang="en-GB" dirty="0"/>
+          </a:p>
+        </p:txBody>
+      </p:sp>
+      <p:sp>
+        <p:nvSpPr>
+          <p:cNvPr id="4" name="Slide Number Placeholder 3"/>
+          <p:cNvSpPr>
+            <a:spLocks noGrp="1"/>
+          </p:cNvSpPr>
+          <p:nvPr>
+            <p:ph type="sldNum" sz="quarter" idx="10"/>
+          </p:nvPr>
+        </p:nvSpPr>
+        <p:spPr/>
+        <p:txBody>
+          <a:bodyPr/>
+          <a:lstStyle/>
+          <a:p>
+            <a:fld id="{D3B79ED6-4970-4D84-B25C-F520A9D9210C}" type="slidenum">
+              <a:rPr lang="en-GB" smtClean="0"/>
+              <a:t>27</a:t>
+            </a:fld>
+            <a:endParaRPr lang="en-GB"/>
+          </a:p>
+        </p:txBody>
+      </p:sp>
+    </p:spTree>
+    <p:extLst>
+      <p:ext uri="{BB962C8B-B14F-4D97-AF65-F5344CB8AC3E}">
+        <p14:creationId xmlns:p14="http://schemas.microsoft.com/office/powerpoint/2010/main" val="3605637142"/>
+      </p:ext>
+    </p:extLst>
+  </p:cSld>
+  <p:clrMapOvr>
+    <a:masterClrMapping/>
+  </p:clrMapOvr>
+</p:notes>
+</file>
+
+<file path=ppt/notesSlides/notesSlide15.xml><?xml version="1.0" encoding="utf-8"?>
+<p:notes xmlns:a="http://schemas.openxmlformats.org/drawingml/2006/main" xmlns:r="http://schemas.openxmlformats.org/officeDocument/2006/relationships" xmlns:p="http://schemas.openxmlformats.org/presentationml/2006/main">
+  <p:cSld>
+    <p:spTree>
+      <p:nvGrpSpPr>
+        <p:cNvPr id="1" name=""/>
+        <p:cNvGrpSpPr/>
+        <p:nvPr/>
+      </p:nvGrpSpPr>
+      <p:grpSpPr>
+        <a:xfrm>
+          <a:off x="0" y="0"/>
+          <a:ext cx="0" cy="0"/>
+          <a:chOff x="0" y="0"/>
+          <a:chExt cx="0" cy="0"/>
+        </a:xfrm>
+      </p:grpSpPr>
+      <p:sp>
+        <p:nvSpPr>
+          <p:cNvPr id="2" name="Slide Image Placeholder 1"/>
+          <p:cNvSpPr>
+            <a:spLocks noGrp="1" noRot="1" noChangeAspect="1"/>
+          </p:cNvSpPr>
+          <p:nvPr>
+            <p:ph type="sldImg"/>
+          </p:nvPr>
+        </p:nvSpPr>
+        <p:spPr/>
+      </p:sp>
+      <p:sp>
+        <p:nvSpPr>
+          <p:cNvPr id="3" name="Notes Placeholder 2"/>
+          <p:cNvSpPr>
+            <a:spLocks noGrp="1"/>
+          </p:cNvSpPr>
+          <p:nvPr>
+            <p:ph type="body" idx="1"/>
+          </p:nvPr>
+        </p:nvSpPr>
+        <p:spPr/>
+        <p:txBody>
+          <a:bodyPr/>
+          <a:lstStyle/>
+          <a:p>
+            <a:r>
+              <a:rPr lang="en-GB" dirty="0" smtClean="0"/>
+              <a:t>Files</a:t>
+            </a:r>
+            <a:r>
+              <a:rPr lang="en-GB" baseline="0" dirty="0" smtClean="0"/>
+              <a:t> array is usually used for small projects with just a few </a:t>
+            </a:r>
+            <a:r>
+              <a:rPr lang="en-GB" baseline="0" dirty="0" err="1" smtClean="0"/>
+              <a:t>ts</a:t>
+            </a:r>
+            <a:r>
+              <a:rPr lang="en-GB" baseline="0" dirty="0" smtClean="0"/>
+              <a:t> files and that too in root </a:t>
+            </a:r>
+            <a:r>
+              <a:rPr lang="en-GB" baseline="0" dirty="0" smtClean="0"/>
+              <a:t>directory</a:t>
+            </a:r>
+          </a:p>
+          <a:p>
+            <a:endParaRPr lang="en-GB" baseline="0" dirty="0" smtClean="0"/>
+          </a:p>
+          <a:p>
+            <a:r>
+              <a:rPr lang="en-IN" sz="1200" b="0" i="0" kern="1200" dirty="0" smtClean="0">
+                <a:solidFill>
+                  <a:schemeClr val="tx1"/>
+                </a:solidFill>
+                <a:effectLst/>
+                <a:latin typeface="+mn-lt"/>
+                <a:ea typeface="+mn-ea"/>
+                <a:cs typeface="+mn-cs"/>
+              </a:rPr>
+              <a:t>Files included using </a:t>
+            </a:r>
+            <a:r>
+              <a:rPr lang="en-IN" dirty="0" smtClean="0"/>
+              <a:t>"include"</a:t>
+            </a:r>
+            <a:r>
+              <a:rPr lang="en-IN" sz="1200" b="0" i="0" kern="1200" dirty="0" smtClean="0">
+                <a:solidFill>
+                  <a:schemeClr val="tx1"/>
+                </a:solidFill>
+                <a:effectLst/>
+                <a:latin typeface="+mn-lt"/>
+                <a:ea typeface="+mn-ea"/>
+                <a:cs typeface="+mn-cs"/>
+              </a:rPr>
+              <a:t> can be filtered using the </a:t>
+            </a:r>
+            <a:r>
+              <a:rPr lang="en-IN" dirty="0" smtClean="0"/>
+              <a:t>"exclude"</a:t>
+            </a:r>
+            <a:r>
+              <a:rPr lang="en-IN" sz="1200" b="0" i="0" kern="1200" dirty="0" smtClean="0">
+                <a:solidFill>
+                  <a:schemeClr val="tx1"/>
+                </a:solidFill>
+                <a:effectLst/>
+                <a:latin typeface="+mn-lt"/>
+                <a:ea typeface="+mn-ea"/>
+                <a:cs typeface="+mn-cs"/>
+              </a:rPr>
+              <a:t> property. However, files included explicitly using the </a:t>
+            </a:r>
+            <a:r>
+              <a:rPr lang="en-IN" dirty="0" smtClean="0"/>
+              <a:t>"files"</a:t>
+            </a:r>
+            <a:r>
+              <a:rPr lang="en-IN" sz="1200" b="0" i="0" kern="1200" dirty="0" smtClean="0">
+                <a:solidFill>
+                  <a:schemeClr val="tx1"/>
+                </a:solidFill>
+                <a:effectLst/>
+                <a:latin typeface="+mn-lt"/>
+                <a:ea typeface="+mn-ea"/>
+                <a:cs typeface="+mn-cs"/>
+              </a:rPr>
+              <a:t> property are always included regardless of </a:t>
+            </a:r>
+            <a:r>
+              <a:rPr lang="en-IN" dirty="0" smtClean="0"/>
+              <a:t>"exclude"</a:t>
+            </a:r>
+            <a:r>
+              <a:rPr lang="en-IN" sz="1200" b="0" i="0" kern="1200" dirty="0" smtClean="0">
+                <a:solidFill>
+                  <a:schemeClr val="tx1"/>
+                </a:solidFill>
+                <a:effectLst/>
+                <a:latin typeface="+mn-lt"/>
+                <a:ea typeface="+mn-ea"/>
+                <a:cs typeface="+mn-cs"/>
+              </a:rPr>
+              <a:t>. The </a:t>
+            </a:r>
+            <a:r>
+              <a:rPr lang="en-IN" dirty="0" smtClean="0"/>
+              <a:t>"exclude"</a:t>
+            </a:r>
+            <a:r>
+              <a:rPr lang="en-IN" sz="1200" b="0" i="0" kern="1200" dirty="0" smtClean="0">
+                <a:solidFill>
+                  <a:schemeClr val="tx1"/>
+                </a:solidFill>
+                <a:effectLst/>
+                <a:latin typeface="+mn-lt"/>
+                <a:ea typeface="+mn-ea"/>
+                <a:cs typeface="+mn-cs"/>
+              </a:rPr>
+              <a:t> property defaults to excluding the </a:t>
+            </a:r>
+            <a:r>
+              <a:rPr lang="en-IN" dirty="0" err="1" smtClean="0"/>
+              <a:t>node_modules</a:t>
+            </a:r>
+            <a:r>
+              <a:rPr lang="en-IN" sz="1200" b="0" i="0" kern="1200" dirty="0" smtClean="0">
+                <a:solidFill>
+                  <a:schemeClr val="tx1"/>
+                </a:solidFill>
+                <a:effectLst/>
+                <a:latin typeface="+mn-lt"/>
+                <a:ea typeface="+mn-ea"/>
+                <a:cs typeface="+mn-cs"/>
+              </a:rPr>
+              <a:t>, </a:t>
+            </a:r>
+            <a:r>
+              <a:rPr lang="en-IN" dirty="0" err="1" smtClean="0"/>
+              <a:t>bower_components</a:t>
+            </a:r>
+            <a:r>
+              <a:rPr lang="en-IN" sz="1200" b="0" i="0" kern="1200" dirty="0" smtClean="0">
+                <a:solidFill>
+                  <a:schemeClr val="tx1"/>
+                </a:solidFill>
+                <a:effectLst/>
+                <a:latin typeface="+mn-lt"/>
+                <a:ea typeface="+mn-ea"/>
+                <a:cs typeface="+mn-cs"/>
+              </a:rPr>
+              <a:t>, </a:t>
+            </a:r>
+            <a:r>
+              <a:rPr lang="en-IN" dirty="0" err="1" smtClean="0"/>
+              <a:t>jspm_packages</a:t>
+            </a:r>
+            <a:r>
+              <a:rPr lang="en-IN" sz="1200" b="0" i="0" kern="1200" dirty="0" smtClean="0">
+                <a:solidFill>
+                  <a:schemeClr val="tx1"/>
+                </a:solidFill>
+                <a:effectLst/>
+                <a:latin typeface="+mn-lt"/>
+                <a:ea typeface="+mn-ea"/>
+                <a:cs typeface="+mn-cs"/>
+              </a:rPr>
+              <a:t> and </a:t>
+            </a:r>
+            <a:r>
+              <a:rPr lang="en-IN" dirty="0" smtClean="0"/>
+              <a:t>&lt;</a:t>
+            </a:r>
+            <a:r>
+              <a:rPr lang="en-IN" dirty="0" err="1" smtClean="0"/>
+              <a:t>outDir</a:t>
+            </a:r>
+            <a:r>
+              <a:rPr lang="en-IN" dirty="0" smtClean="0"/>
+              <a:t>&gt;</a:t>
+            </a:r>
+            <a:r>
+              <a:rPr lang="en-IN" sz="1200" b="0" i="0" kern="1200" dirty="0" smtClean="0">
+                <a:solidFill>
+                  <a:schemeClr val="tx1"/>
+                </a:solidFill>
+                <a:effectLst/>
+                <a:latin typeface="+mn-lt"/>
+                <a:ea typeface="+mn-ea"/>
+                <a:cs typeface="+mn-cs"/>
+              </a:rPr>
+              <a:t> directories when not specified.</a:t>
+            </a:r>
+          </a:p>
+          <a:p>
+            <a:endParaRPr lang="en-IN" sz="1200" b="0" i="0" kern="1200" dirty="0" smtClean="0">
+              <a:solidFill>
+                <a:schemeClr val="tx1"/>
+              </a:solidFill>
+              <a:effectLst/>
+              <a:latin typeface="+mn-lt"/>
+              <a:ea typeface="+mn-ea"/>
+              <a:cs typeface="+mn-cs"/>
+            </a:endParaRPr>
+          </a:p>
+          <a:p>
+            <a:r>
+              <a:rPr lang="en-IN" sz="1200" b="0" i="0" kern="1200" dirty="0" smtClean="0">
+                <a:solidFill>
+                  <a:schemeClr val="tx1"/>
+                </a:solidFill>
+                <a:effectLst/>
+                <a:latin typeface="+mn-lt"/>
+                <a:ea typeface="+mn-ea"/>
+                <a:cs typeface="+mn-cs"/>
+              </a:rPr>
+              <a:t>Any files that are referenced by files included via the </a:t>
+            </a:r>
+            <a:r>
+              <a:rPr lang="en-IN" dirty="0" smtClean="0"/>
+              <a:t>"files"</a:t>
+            </a:r>
+            <a:r>
+              <a:rPr lang="en-IN" sz="1200" b="0" i="0" kern="1200" dirty="0" smtClean="0">
+                <a:solidFill>
+                  <a:schemeClr val="tx1"/>
+                </a:solidFill>
+                <a:effectLst/>
+                <a:latin typeface="+mn-lt"/>
+                <a:ea typeface="+mn-ea"/>
+                <a:cs typeface="+mn-cs"/>
+              </a:rPr>
+              <a:t> or </a:t>
+            </a:r>
+            <a:r>
+              <a:rPr lang="en-IN" dirty="0" smtClean="0"/>
+              <a:t>"include"</a:t>
+            </a:r>
+            <a:r>
+              <a:rPr lang="en-IN" sz="1200" b="0" i="0" kern="1200" dirty="0" smtClean="0">
+                <a:solidFill>
+                  <a:schemeClr val="tx1"/>
+                </a:solidFill>
+                <a:effectLst/>
+                <a:latin typeface="+mn-lt"/>
+                <a:ea typeface="+mn-ea"/>
+                <a:cs typeface="+mn-cs"/>
+              </a:rPr>
+              <a:t> properties are also included. Similarly, if a file </a:t>
+            </a:r>
+            <a:r>
+              <a:rPr lang="en-IN" dirty="0" err="1" smtClean="0"/>
+              <a:t>B.ts</a:t>
+            </a:r>
+            <a:r>
+              <a:rPr lang="en-IN" sz="1200" b="0" i="0" kern="1200" dirty="0" smtClean="0">
+                <a:solidFill>
+                  <a:schemeClr val="tx1"/>
+                </a:solidFill>
+                <a:effectLst/>
+                <a:latin typeface="+mn-lt"/>
+                <a:ea typeface="+mn-ea"/>
+                <a:cs typeface="+mn-cs"/>
+              </a:rPr>
+              <a:t> is referenced by another file </a:t>
+            </a:r>
+            <a:r>
+              <a:rPr lang="en-IN" dirty="0" err="1" smtClean="0"/>
+              <a:t>A.ts</a:t>
+            </a:r>
+            <a:r>
+              <a:rPr lang="en-IN" sz="1200" b="0" i="0" kern="1200" dirty="0" smtClean="0">
+                <a:solidFill>
+                  <a:schemeClr val="tx1"/>
+                </a:solidFill>
+                <a:effectLst/>
+                <a:latin typeface="+mn-lt"/>
+                <a:ea typeface="+mn-ea"/>
+                <a:cs typeface="+mn-cs"/>
+              </a:rPr>
+              <a:t>, then </a:t>
+            </a:r>
+            <a:r>
+              <a:rPr lang="en-IN" dirty="0" err="1" smtClean="0"/>
+              <a:t>B.ts</a:t>
+            </a:r>
+            <a:r>
+              <a:rPr lang="en-IN" sz="1200" b="0" i="0" kern="1200" dirty="0" smtClean="0">
+                <a:solidFill>
+                  <a:schemeClr val="tx1"/>
+                </a:solidFill>
+                <a:effectLst/>
+                <a:latin typeface="+mn-lt"/>
+                <a:ea typeface="+mn-ea"/>
+                <a:cs typeface="+mn-cs"/>
+              </a:rPr>
+              <a:t> cannot be excluded unless the referencing file </a:t>
+            </a:r>
+            <a:r>
+              <a:rPr lang="en-IN" dirty="0" err="1" smtClean="0"/>
+              <a:t>A.ts</a:t>
+            </a:r>
+            <a:r>
+              <a:rPr lang="en-IN" sz="1200" b="0" i="0" kern="1200" dirty="0" smtClean="0">
+                <a:solidFill>
+                  <a:schemeClr val="tx1"/>
+                </a:solidFill>
+                <a:effectLst/>
+                <a:latin typeface="+mn-lt"/>
+                <a:ea typeface="+mn-ea"/>
+                <a:cs typeface="+mn-cs"/>
+              </a:rPr>
+              <a:t> is also specified in the </a:t>
+            </a:r>
+            <a:r>
+              <a:rPr lang="en-IN" dirty="0" smtClean="0"/>
+              <a:t>"exclude"</a:t>
+            </a:r>
+            <a:r>
+              <a:rPr lang="en-IN" sz="1200" b="0" i="0" kern="1200" dirty="0" smtClean="0">
+                <a:solidFill>
+                  <a:schemeClr val="tx1"/>
+                </a:solidFill>
+                <a:effectLst/>
+                <a:latin typeface="+mn-lt"/>
+                <a:ea typeface="+mn-ea"/>
+                <a:cs typeface="+mn-cs"/>
+              </a:rPr>
+              <a:t> list.</a:t>
+            </a:r>
+          </a:p>
+          <a:p>
+            <a:endParaRPr lang="en-IN" sz="1200" b="0" i="0" kern="1200" dirty="0" smtClean="0">
+              <a:solidFill>
+                <a:schemeClr val="tx1"/>
+              </a:solidFill>
+              <a:effectLst/>
+              <a:latin typeface="+mn-lt"/>
+              <a:ea typeface="+mn-ea"/>
+              <a:cs typeface="+mn-cs"/>
+            </a:endParaRPr>
+          </a:p>
+          <a:p>
+            <a:r>
+              <a:rPr lang="en-IN" sz="1200" b="0" i="0" kern="1200" dirty="0" smtClean="0">
+                <a:solidFill>
+                  <a:schemeClr val="tx1"/>
+                </a:solidFill>
+                <a:effectLst/>
+                <a:latin typeface="+mn-lt"/>
+                <a:ea typeface="+mn-ea"/>
+                <a:cs typeface="+mn-cs"/>
+              </a:rPr>
+              <a:t>Please note that the compiler does not include files that can be possible outputs; e.g. if the input includes </a:t>
+            </a:r>
+            <a:r>
+              <a:rPr lang="en-IN" dirty="0" err="1" smtClean="0"/>
+              <a:t>index.ts</a:t>
+            </a:r>
+            <a:r>
+              <a:rPr lang="en-IN" sz="1200" b="0" i="0" kern="1200" dirty="0" smtClean="0">
+                <a:solidFill>
+                  <a:schemeClr val="tx1"/>
+                </a:solidFill>
+                <a:effectLst/>
+                <a:latin typeface="+mn-lt"/>
+                <a:ea typeface="+mn-ea"/>
+                <a:cs typeface="+mn-cs"/>
+              </a:rPr>
+              <a:t>, then </a:t>
+            </a:r>
+            <a:r>
+              <a:rPr lang="en-IN" dirty="0" err="1" smtClean="0"/>
+              <a:t>index.d.ts</a:t>
+            </a:r>
+            <a:r>
+              <a:rPr lang="en-IN" sz="1200" b="0" i="0" kern="1200" dirty="0" smtClean="0">
+                <a:solidFill>
+                  <a:schemeClr val="tx1"/>
+                </a:solidFill>
+                <a:effectLst/>
+                <a:latin typeface="+mn-lt"/>
+                <a:ea typeface="+mn-ea"/>
+                <a:cs typeface="+mn-cs"/>
+              </a:rPr>
+              <a:t> and </a:t>
+            </a:r>
+            <a:r>
+              <a:rPr lang="en-IN" dirty="0" smtClean="0"/>
+              <a:t>index.js</a:t>
+            </a:r>
+            <a:r>
+              <a:rPr lang="en-IN" sz="1200" b="0" i="0" kern="1200" dirty="0" smtClean="0">
+                <a:solidFill>
+                  <a:schemeClr val="tx1"/>
+                </a:solidFill>
+                <a:effectLst/>
+                <a:latin typeface="+mn-lt"/>
+                <a:ea typeface="+mn-ea"/>
+                <a:cs typeface="+mn-cs"/>
+              </a:rPr>
+              <a:t> are excluded. In general, having files that differ only in extension next to each other is not recommended.</a:t>
+            </a:r>
+            <a:endParaRPr lang="en-GB" dirty="0"/>
+          </a:p>
+        </p:txBody>
+      </p:sp>
+      <p:sp>
+        <p:nvSpPr>
+          <p:cNvPr id="4" name="Slide Number Placeholder 3"/>
+          <p:cNvSpPr>
+            <a:spLocks noGrp="1"/>
+          </p:cNvSpPr>
+          <p:nvPr>
+            <p:ph type="sldNum" sz="quarter" idx="10"/>
+          </p:nvPr>
+        </p:nvSpPr>
+        <p:spPr/>
+        <p:txBody>
+          <a:bodyPr/>
+          <a:lstStyle/>
+          <a:p>
+            <a:fld id="{D3B79ED6-4970-4D84-B25C-F520A9D9210C}" type="slidenum">
+              <a:rPr lang="en-GB" smtClean="0"/>
+              <a:t>28</a:t>
+            </a:fld>
+            <a:endParaRPr lang="en-GB"/>
+          </a:p>
+        </p:txBody>
+      </p:sp>
+    </p:spTree>
+    <p:extLst>
+      <p:ext uri="{BB962C8B-B14F-4D97-AF65-F5344CB8AC3E}">
+        <p14:creationId xmlns:p14="http://schemas.microsoft.com/office/powerpoint/2010/main" val="1917299263"/>
+      </p:ext>
+    </p:extLst>
+  </p:cSld>
+  <p:clrMapOvr>
+    <a:masterClrMapping/>
+  </p:clrMapOvr>
+</p:notes>
+</file>
+
+<file path=ppt/notesSlides/notesSlide16.xml><?xml version="1.0" encoding="utf-8"?>
+<p:notes xmlns:a="http://schemas.openxmlformats.org/drawingml/2006/main" xmlns:r="http://schemas.openxmlformats.org/officeDocument/2006/relationships" xmlns:p="http://schemas.openxmlformats.org/presentationml/2006/main">
+  <p:cSld>
+    <p:spTree>
+      <p:nvGrpSpPr>
+        <p:cNvPr id="1" name=""/>
+        <p:cNvGrpSpPr/>
+        <p:nvPr/>
+      </p:nvGrpSpPr>
+      <p:grpSpPr>
+        <a:xfrm>
+          <a:off x="0" y="0"/>
+          <a:ext cx="0" cy="0"/>
+          <a:chOff x="0" y="0"/>
+          <a:chExt cx="0" cy="0"/>
+        </a:xfrm>
+      </p:grpSpPr>
+      <p:sp>
+        <p:nvSpPr>
+          <p:cNvPr id="2" name="Slide Image Placeholder 1"/>
+          <p:cNvSpPr>
+            <a:spLocks noGrp="1" noRot="1" noChangeAspect="1"/>
+          </p:cNvSpPr>
+          <p:nvPr>
+            <p:ph type="sldImg"/>
+          </p:nvPr>
+        </p:nvSpPr>
+        <p:spPr/>
+      </p:sp>
+      <p:sp>
+        <p:nvSpPr>
+          <p:cNvPr id="3" name="Notes Placeholder 2"/>
+          <p:cNvSpPr>
+            <a:spLocks noGrp="1"/>
+          </p:cNvSpPr>
+          <p:nvPr>
+            <p:ph type="body" idx="1"/>
+          </p:nvPr>
+        </p:nvSpPr>
+        <p:spPr/>
+        <p:txBody>
+          <a:bodyPr/>
+          <a:lstStyle/>
+          <a:p>
+            <a:endParaRPr lang="en-GB" dirty="0"/>
+          </a:p>
+        </p:txBody>
+      </p:sp>
+      <p:sp>
+        <p:nvSpPr>
+          <p:cNvPr id="4" name="Slide Number Placeholder 3"/>
+          <p:cNvSpPr>
+            <a:spLocks noGrp="1"/>
+          </p:cNvSpPr>
+          <p:nvPr>
+            <p:ph type="sldNum" sz="quarter" idx="10"/>
+          </p:nvPr>
+        </p:nvSpPr>
+        <p:spPr/>
+        <p:txBody>
+          <a:bodyPr/>
+          <a:lstStyle/>
+          <a:p>
+            <a:fld id="{D3B79ED6-4970-4D84-B25C-F520A9D9210C}" type="slidenum">
+              <a:rPr lang="en-GB" smtClean="0"/>
+              <a:t>29</a:t>
+            </a:fld>
+            <a:endParaRPr lang="en-GB"/>
+          </a:p>
+        </p:txBody>
+      </p:sp>
+    </p:spTree>
+    <p:extLst>
+      <p:ext uri="{BB962C8B-B14F-4D97-AF65-F5344CB8AC3E}">
+        <p14:creationId xmlns:p14="http://schemas.microsoft.com/office/powerpoint/2010/main" val="2738011044"/>
+      </p:ext>
+    </p:extLst>
+  </p:cSld>
+  <p:clrMapOvr>
+    <a:masterClrMapping/>
+  </p:clrMapOvr>
+</p:notes>
+</file>
+
+<file path=ppt/notesSlides/notesSlide17.xml><?xml version="1.0" encoding="utf-8"?>
+<p:notes xmlns:a="http://schemas.openxmlformats.org/drawingml/2006/main" xmlns:r="http://schemas.openxmlformats.org/officeDocument/2006/relationships" xmlns:p="http://schemas.openxmlformats.org/presentationml/2006/main">
+  <p:cSld>
+    <p:spTree>
+      <p:nvGrpSpPr>
+        <p:cNvPr id="1" name=""/>
+        <p:cNvGrpSpPr/>
+        <p:nvPr/>
+      </p:nvGrpSpPr>
+      <p:grpSpPr>
+        <a:xfrm>
+          <a:off x="0" y="0"/>
+          <a:ext cx="0" cy="0"/>
+          <a:chOff x="0" y="0"/>
+          <a:chExt cx="0" cy="0"/>
+        </a:xfrm>
+      </p:grpSpPr>
+      <p:sp>
+        <p:nvSpPr>
+          <p:cNvPr id="2" name="Slide Image Placeholder 1"/>
+          <p:cNvSpPr>
+            <a:spLocks noGrp="1" noRot="1" noChangeAspect="1"/>
+          </p:cNvSpPr>
+          <p:nvPr>
+            <p:ph type="sldImg"/>
+          </p:nvPr>
+        </p:nvSpPr>
+        <p:spPr/>
+      </p:sp>
+      <p:sp>
+        <p:nvSpPr>
+          <p:cNvPr id="3" name="Notes Placeholder 2"/>
+          <p:cNvSpPr>
+            <a:spLocks noGrp="1"/>
+          </p:cNvSpPr>
+          <p:nvPr>
+            <p:ph type="body" idx="1"/>
+          </p:nvPr>
+        </p:nvSpPr>
+        <p:spPr/>
+        <p:txBody>
+          <a:bodyPr/>
+          <a:lstStyle/>
+          <a:p>
+            <a:endParaRPr lang="en-GB" dirty="0"/>
+          </a:p>
+        </p:txBody>
+      </p:sp>
+      <p:sp>
+        <p:nvSpPr>
+          <p:cNvPr id="4" name="Slide Number Placeholder 3"/>
+          <p:cNvSpPr>
+            <a:spLocks noGrp="1"/>
+          </p:cNvSpPr>
+          <p:nvPr>
+            <p:ph type="sldNum" sz="quarter" idx="10"/>
+          </p:nvPr>
+        </p:nvSpPr>
+        <p:spPr/>
+        <p:txBody>
+          <a:bodyPr/>
+          <a:lstStyle/>
+          <a:p>
+            <a:fld id="{D3B79ED6-4970-4D84-B25C-F520A9D9210C}" type="slidenum">
+              <a:rPr lang="en-GB" smtClean="0"/>
+              <a:t>30</a:t>
+            </a:fld>
+            <a:endParaRPr lang="en-GB"/>
+          </a:p>
+        </p:txBody>
+      </p:sp>
+    </p:spTree>
+    <p:extLst>
+      <p:ext uri="{BB962C8B-B14F-4D97-AF65-F5344CB8AC3E}">
+        <p14:creationId xmlns:p14="http://schemas.microsoft.com/office/powerpoint/2010/main" val="3816050015"/>
+      </p:ext>
+    </p:extLst>
+  </p:cSld>
+  <p:clrMapOvr>
+    <a:masterClrMapping/>
+  </p:clrMapOvr>
+</p:notes>
+</file>
+
+<file path=ppt/notesSlides/notesSlide18.xml><?xml version="1.0" encoding="utf-8"?>
+<p:notes xmlns:a="http://schemas.openxmlformats.org/drawingml/2006/main" xmlns:r="http://schemas.openxmlformats.org/officeDocument/2006/relationships" xmlns:p="http://schemas.openxmlformats.org/presentationml/2006/main">
+  <p:cSld>
+    <p:spTree>
+      <p:nvGrpSpPr>
+        <p:cNvPr id="1" name=""/>
+        <p:cNvGrpSpPr/>
+        <p:nvPr/>
+      </p:nvGrpSpPr>
+      <p:grpSpPr>
+        <a:xfrm>
+          <a:off x="0" y="0"/>
+          <a:ext cx="0" cy="0"/>
+          <a:chOff x="0" y="0"/>
+          <a:chExt cx="0" cy="0"/>
+        </a:xfrm>
+      </p:grpSpPr>
+      <p:sp>
+        <p:nvSpPr>
+          <p:cNvPr id="2" name="Slide Image Placeholder 1"/>
+          <p:cNvSpPr>
+            <a:spLocks noGrp="1" noRot="1" noChangeAspect="1"/>
+          </p:cNvSpPr>
+          <p:nvPr>
+            <p:ph type="sldImg"/>
+          </p:nvPr>
+        </p:nvSpPr>
+        <p:spPr/>
+      </p:sp>
+      <p:sp>
+        <p:nvSpPr>
+          <p:cNvPr id="3" name="Notes Placeholder 2"/>
+          <p:cNvSpPr>
+            <a:spLocks noGrp="1"/>
+          </p:cNvSpPr>
+          <p:nvPr>
+            <p:ph type="body" idx="1"/>
+          </p:nvPr>
+        </p:nvSpPr>
+        <p:spPr/>
+        <p:txBody>
+          <a:bodyPr/>
+          <a:lstStyle/>
+          <a:p>
+            <a:endParaRPr lang="en-GB" dirty="0"/>
+          </a:p>
+        </p:txBody>
+      </p:sp>
+      <p:sp>
+        <p:nvSpPr>
+          <p:cNvPr id="4" name="Slide Number Placeholder 3"/>
+          <p:cNvSpPr>
+            <a:spLocks noGrp="1"/>
+          </p:cNvSpPr>
+          <p:nvPr>
+            <p:ph type="sldNum" sz="quarter" idx="10"/>
+          </p:nvPr>
+        </p:nvSpPr>
+        <p:spPr/>
+        <p:txBody>
+          <a:bodyPr/>
+          <a:lstStyle/>
+          <a:p>
+            <a:fld id="{D3B79ED6-4970-4D84-B25C-F520A9D9210C}" type="slidenum">
+              <a:rPr lang="en-GB" smtClean="0"/>
+              <a:t>31</a:t>
+            </a:fld>
+            <a:endParaRPr lang="en-GB"/>
+          </a:p>
+        </p:txBody>
+      </p:sp>
+    </p:spTree>
+    <p:extLst>
+      <p:ext uri="{BB962C8B-B14F-4D97-AF65-F5344CB8AC3E}">
+        <p14:creationId xmlns:p14="http://schemas.microsoft.com/office/powerpoint/2010/main" val="3758146484"/>
+      </p:ext>
+    </p:extLst>
+  </p:cSld>
+  <p:clrMapOvr>
+    <a:masterClrMapping/>
+  </p:clrMapOvr>
+</p:notes>
+</file>
+
+<file path=ppt/notesSlides/notesSlide19.xml><?xml version="1.0" encoding="utf-8"?>
+<p:notes xmlns:a="http://schemas.openxmlformats.org/drawingml/2006/main" xmlns:r="http://schemas.openxmlformats.org/officeDocument/2006/relationships" xmlns:p="http://schemas.openxmlformats.org/presentationml/2006/main">
+  <p:cSld>
+    <p:spTree>
+      <p:nvGrpSpPr>
+        <p:cNvPr id="1" name=""/>
+        <p:cNvGrpSpPr/>
+        <p:nvPr/>
+      </p:nvGrpSpPr>
+      <p:grpSpPr>
+        <a:xfrm>
+          <a:off x="0" y="0"/>
+          <a:ext cx="0" cy="0"/>
+          <a:chOff x="0" y="0"/>
+          <a:chExt cx="0" cy="0"/>
+        </a:xfrm>
+      </p:grpSpPr>
+      <p:sp>
+        <p:nvSpPr>
+          <p:cNvPr id="2" name="Slide Image Placeholder 1"/>
+          <p:cNvSpPr>
+            <a:spLocks noGrp="1" noRot="1" noChangeAspect="1"/>
+          </p:cNvSpPr>
+          <p:nvPr>
+            <p:ph type="sldImg"/>
+          </p:nvPr>
+        </p:nvSpPr>
+        <p:spPr/>
+      </p:sp>
+      <p:sp>
+        <p:nvSpPr>
+          <p:cNvPr id="3" name="Notes Placeholder 2"/>
+          <p:cNvSpPr>
+            <a:spLocks noGrp="1"/>
+          </p:cNvSpPr>
+          <p:nvPr>
+            <p:ph type="body" idx="1"/>
+          </p:nvPr>
+        </p:nvSpPr>
+        <p:spPr/>
+        <p:txBody>
+          <a:bodyPr/>
+          <a:lstStyle/>
+          <a:p>
+            <a:endParaRPr lang="en-GB" dirty="0"/>
+          </a:p>
+        </p:txBody>
+      </p:sp>
+      <p:sp>
+        <p:nvSpPr>
+          <p:cNvPr id="4" name="Slide Number Placeholder 3"/>
+          <p:cNvSpPr>
+            <a:spLocks noGrp="1"/>
+          </p:cNvSpPr>
+          <p:nvPr>
+            <p:ph type="sldNum" sz="quarter" idx="10"/>
+          </p:nvPr>
+        </p:nvSpPr>
+        <p:spPr/>
+        <p:txBody>
+          <a:bodyPr/>
+          <a:lstStyle/>
+          <a:p>
+            <a:fld id="{D3B79ED6-4970-4D84-B25C-F520A9D9210C}" type="slidenum">
+              <a:rPr lang="en-GB" smtClean="0"/>
+              <a:t>32</a:t>
+            </a:fld>
+            <a:endParaRPr lang="en-GB"/>
+          </a:p>
+        </p:txBody>
+      </p:sp>
+    </p:spTree>
+    <p:extLst>
+      <p:ext uri="{BB962C8B-B14F-4D97-AF65-F5344CB8AC3E}">
+        <p14:creationId xmlns:p14="http://schemas.microsoft.com/office/powerpoint/2010/main" val="336831216"/>
+      </p:ext>
+    </p:extLst>
+  </p:cSld>
+  <p:clrMapOvr>
+    <a:masterClrMapping/>
+  </p:clrMapOvr>
+</p:notes>
+</file>
+
 <file path=ppt/notesSlides/notesSlide2.xml><?xml version="1.0" encoding="utf-8"?>
 <p:notes xmlns:a="http://schemas.openxmlformats.org/drawingml/2006/main" xmlns:r="http://schemas.openxmlformats.org/officeDocument/2006/relationships" xmlns:p="http://schemas.openxmlformats.org/presentationml/2006/main">
   <p:cSld>
@@ -1362,6 +2635,617 @@
     <p:extLst>
       <p:ext uri="{BB962C8B-B14F-4D97-AF65-F5344CB8AC3E}">
         <p14:creationId xmlns:p14="http://schemas.microsoft.com/office/powerpoint/2010/main" val="941145638"/>
+      </p:ext>
+    </p:extLst>
+  </p:cSld>
+  <p:clrMapOvr>
+    <a:masterClrMapping/>
+  </p:clrMapOvr>
+</p:notes>
+</file>
+
+<file path=ppt/notesSlides/notesSlide20.xml><?xml version="1.0" encoding="utf-8"?>
+<p:notes xmlns:a="http://schemas.openxmlformats.org/drawingml/2006/main" xmlns:r="http://schemas.openxmlformats.org/officeDocument/2006/relationships" xmlns:p="http://schemas.openxmlformats.org/presentationml/2006/main">
+  <p:cSld>
+    <p:spTree>
+      <p:nvGrpSpPr>
+        <p:cNvPr id="1" name=""/>
+        <p:cNvGrpSpPr/>
+        <p:nvPr/>
+      </p:nvGrpSpPr>
+      <p:grpSpPr>
+        <a:xfrm>
+          <a:off x="0" y="0"/>
+          <a:ext cx="0" cy="0"/>
+          <a:chOff x="0" y="0"/>
+          <a:chExt cx="0" cy="0"/>
+        </a:xfrm>
+      </p:grpSpPr>
+      <p:sp>
+        <p:nvSpPr>
+          <p:cNvPr id="2" name="Slide Image Placeholder 1"/>
+          <p:cNvSpPr>
+            <a:spLocks noGrp="1" noRot="1" noChangeAspect="1"/>
+          </p:cNvSpPr>
+          <p:nvPr>
+            <p:ph type="sldImg"/>
+          </p:nvPr>
+        </p:nvSpPr>
+        <p:spPr/>
+      </p:sp>
+      <p:sp>
+        <p:nvSpPr>
+          <p:cNvPr id="3" name="Notes Placeholder 2"/>
+          <p:cNvSpPr>
+            <a:spLocks noGrp="1"/>
+          </p:cNvSpPr>
+          <p:nvPr>
+            <p:ph type="body" idx="1"/>
+          </p:nvPr>
+        </p:nvSpPr>
+        <p:spPr/>
+        <p:txBody>
+          <a:bodyPr/>
+          <a:lstStyle/>
+          <a:p>
+            <a:pPr marL="0" marR="0" lvl="0" indent="0" algn="l" defTabSz="914400" rtl="0" eaLnBrk="1" fontAlgn="auto" latinLnBrk="0" hangingPunct="1">
+              <a:lnSpc>
+                <a:spcPct val="100000"/>
+              </a:lnSpc>
+              <a:spcBef>
+                <a:spcPts val="0"/>
+              </a:spcBef>
+              <a:spcAft>
+                <a:spcPts val="0"/>
+              </a:spcAft>
+              <a:buClrTx/>
+              <a:buSzTx/>
+              <a:buFontTx/>
+              <a:buNone/>
+              <a:tabLst/>
+              <a:defRPr/>
+            </a:pPr>
+            <a:r>
+              <a:rPr lang="en-IN" dirty="0" smtClean="0"/>
+              <a:t>Ts adds a comment like </a:t>
+            </a:r>
+            <a:r>
+              <a:rPr lang="en-GB" sz="1200" b="0" kern="1200" dirty="0" smtClean="0">
+                <a:solidFill>
+                  <a:schemeClr val="tx1"/>
+                </a:solidFill>
+                <a:effectLst/>
+                <a:latin typeface="+mn-lt"/>
+                <a:ea typeface="+mn-ea"/>
+                <a:cs typeface="+mn-cs"/>
+              </a:rPr>
+              <a:t>//# </a:t>
+            </a:r>
+            <a:r>
+              <a:rPr lang="en-GB" sz="1200" b="0" kern="1200" dirty="0" err="1" smtClean="0">
+                <a:solidFill>
+                  <a:schemeClr val="tx1"/>
+                </a:solidFill>
+                <a:effectLst/>
+                <a:latin typeface="+mn-lt"/>
+                <a:ea typeface="+mn-ea"/>
+                <a:cs typeface="+mn-cs"/>
+              </a:rPr>
+              <a:t>sourceMappingURL</a:t>
+            </a:r>
+            <a:r>
+              <a:rPr lang="en-GB" sz="1200" b="0" kern="1200" dirty="0" smtClean="0">
+                <a:solidFill>
+                  <a:schemeClr val="tx1"/>
+                </a:solidFill>
+                <a:effectLst/>
+                <a:latin typeface="+mn-lt"/>
+                <a:ea typeface="+mn-ea"/>
+                <a:cs typeface="+mn-cs"/>
+              </a:rPr>
+              <a:t>=</a:t>
+            </a:r>
+            <a:r>
+              <a:rPr lang="en-GB" sz="1200" b="0" kern="1200" dirty="0" err="1" smtClean="0">
+                <a:solidFill>
+                  <a:schemeClr val="tx1"/>
+                </a:solidFill>
+                <a:effectLst/>
+                <a:latin typeface="+mn-lt"/>
+                <a:ea typeface="+mn-ea"/>
+                <a:cs typeface="+mn-cs"/>
+              </a:rPr>
+              <a:t>app.js.map</a:t>
+            </a:r>
+            <a:r>
+              <a:rPr lang="en-GB" sz="1200" b="0" kern="1200" dirty="0" smtClean="0">
+                <a:solidFill>
+                  <a:schemeClr val="tx1"/>
+                </a:solidFill>
+                <a:effectLst/>
+                <a:latin typeface="+mn-lt"/>
+                <a:ea typeface="+mn-ea"/>
+                <a:cs typeface="+mn-cs"/>
+              </a:rPr>
+              <a:t>  to the generated </a:t>
+            </a:r>
+            <a:r>
+              <a:rPr lang="en-GB" sz="1200" b="0" kern="1200" dirty="0" err="1" smtClean="0">
+                <a:solidFill>
+                  <a:schemeClr val="tx1"/>
+                </a:solidFill>
+                <a:effectLst/>
+                <a:latin typeface="+mn-lt"/>
+                <a:ea typeface="+mn-ea"/>
+                <a:cs typeface="+mn-cs"/>
+              </a:rPr>
+              <a:t>js</a:t>
+            </a:r>
+            <a:r>
+              <a:rPr lang="en-GB" sz="1200" b="0" kern="1200" dirty="0" smtClean="0">
+                <a:solidFill>
+                  <a:schemeClr val="tx1"/>
+                </a:solidFill>
+                <a:effectLst/>
+                <a:latin typeface="+mn-lt"/>
+                <a:ea typeface="+mn-ea"/>
+                <a:cs typeface="+mn-cs"/>
+              </a:rPr>
+              <a:t> files to link them to the map file</a:t>
+            </a:r>
+          </a:p>
+          <a:p>
+            <a:endParaRPr lang="en-GB" dirty="0"/>
+          </a:p>
+        </p:txBody>
+      </p:sp>
+      <p:sp>
+        <p:nvSpPr>
+          <p:cNvPr id="4" name="Slide Number Placeholder 3"/>
+          <p:cNvSpPr>
+            <a:spLocks noGrp="1"/>
+          </p:cNvSpPr>
+          <p:nvPr>
+            <p:ph type="sldNum" sz="quarter" idx="10"/>
+          </p:nvPr>
+        </p:nvSpPr>
+        <p:spPr/>
+        <p:txBody>
+          <a:bodyPr/>
+          <a:lstStyle/>
+          <a:p>
+            <a:fld id="{D3B79ED6-4970-4D84-B25C-F520A9D9210C}" type="slidenum">
+              <a:rPr lang="en-GB" smtClean="0"/>
+              <a:t>33</a:t>
+            </a:fld>
+            <a:endParaRPr lang="en-GB"/>
+          </a:p>
+        </p:txBody>
+      </p:sp>
+    </p:spTree>
+    <p:extLst>
+      <p:ext uri="{BB962C8B-B14F-4D97-AF65-F5344CB8AC3E}">
+        <p14:creationId xmlns:p14="http://schemas.microsoft.com/office/powerpoint/2010/main" val="2464626697"/>
+      </p:ext>
+    </p:extLst>
+  </p:cSld>
+  <p:clrMapOvr>
+    <a:masterClrMapping/>
+  </p:clrMapOvr>
+</p:notes>
+</file>
+
+<file path=ppt/notesSlides/notesSlide21.xml><?xml version="1.0" encoding="utf-8"?>
+<p:notes xmlns:a="http://schemas.openxmlformats.org/drawingml/2006/main" xmlns:r="http://schemas.openxmlformats.org/officeDocument/2006/relationships" xmlns:p="http://schemas.openxmlformats.org/presentationml/2006/main">
+  <p:cSld>
+    <p:spTree>
+      <p:nvGrpSpPr>
+        <p:cNvPr id="1" name=""/>
+        <p:cNvGrpSpPr/>
+        <p:nvPr/>
+      </p:nvGrpSpPr>
+      <p:grpSpPr>
+        <a:xfrm>
+          <a:off x="0" y="0"/>
+          <a:ext cx="0" cy="0"/>
+          <a:chOff x="0" y="0"/>
+          <a:chExt cx="0" cy="0"/>
+        </a:xfrm>
+      </p:grpSpPr>
+      <p:sp>
+        <p:nvSpPr>
+          <p:cNvPr id="2" name="Slide Image Placeholder 1"/>
+          <p:cNvSpPr>
+            <a:spLocks noGrp="1" noRot="1" noChangeAspect="1"/>
+          </p:cNvSpPr>
+          <p:nvPr>
+            <p:ph type="sldImg"/>
+          </p:nvPr>
+        </p:nvSpPr>
+        <p:spPr/>
+      </p:sp>
+      <p:sp>
+        <p:nvSpPr>
+          <p:cNvPr id="3" name="Notes Placeholder 2"/>
+          <p:cNvSpPr>
+            <a:spLocks noGrp="1"/>
+          </p:cNvSpPr>
+          <p:nvPr>
+            <p:ph type="body" idx="1"/>
+          </p:nvPr>
+        </p:nvSpPr>
+        <p:spPr/>
+        <p:txBody>
+          <a:bodyPr/>
+          <a:lstStyle/>
+          <a:p>
+            <a:endParaRPr lang="en-GB" dirty="0"/>
+          </a:p>
+        </p:txBody>
+      </p:sp>
+      <p:sp>
+        <p:nvSpPr>
+          <p:cNvPr id="4" name="Slide Number Placeholder 3"/>
+          <p:cNvSpPr>
+            <a:spLocks noGrp="1"/>
+          </p:cNvSpPr>
+          <p:nvPr>
+            <p:ph type="sldNum" sz="quarter" idx="10"/>
+          </p:nvPr>
+        </p:nvSpPr>
+        <p:spPr/>
+        <p:txBody>
+          <a:bodyPr/>
+          <a:lstStyle/>
+          <a:p>
+            <a:fld id="{D3B79ED6-4970-4D84-B25C-F520A9D9210C}" type="slidenum">
+              <a:rPr lang="en-GB" smtClean="0"/>
+              <a:t>34</a:t>
+            </a:fld>
+            <a:endParaRPr lang="en-GB"/>
+          </a:p>
+        </p:txBody>
+      </p:sp>
+    </p:spTree>
+    <p:extLst>
+      <p:ext uri="{BB962C8B-B14F-4D97-AF65-F5344CB8AC3E}">
+        <p14:creationId xmlns:p14="http://schemas.microsoft.com/office/powerpoint/2010/main" val="861096388"/>
+      </p:ext>
+    </p:extLst>
+  </p:cSld>
+  <p:clrMapOvr>
+    <a:masterClrMapping/>
+  </p:clrMapOvr>
+</p:notes>
+</file>
+
+<file path=ppt/notesSlides/notesSlide22.xml><?xml version="1.0" encoding="utf-8"?>
+<p:notes xmlns:a="http://schemas.openxmlformats.org/drawingml/2006/main" xmlns:r="http://schemas.openxmlformats.org/officeDocument/2006/relationships" xmlns:p="http://schemas.openxmlformats.org/presentationml/2006/main">
+  <p:cSld>
+    <p:spTree>
+      <p:nvGrpSpPr>
+        <p:cNvPr id="1" name=""/>
+        <p:cNvGrpSpPr/>
+        <p:nvPr/>
+      </p:nvGrpSpPr>
+      <p:grpSpPr>
+        <a:xfrm>
+          <a:off x="0" y="0"/>
+          <a:ext cx="0" cy="0"/>
+          <a:chOff x="0" y="0"/>
+          <a:chExt cx="0" cy="0"/>
+        </a:xfrm>
+      </p:grpSpPr>
+      <p:sp>
+        <p:nvSpPr>
+          <p:cNvPr id="2" name="Slide Image Placeholder 1"/>
+          <p:cNvSpPr>
+            <a:spLocks noGrp="1" noRot="1" noChangeAspect="1"/>
+          </p:cNvSpPr>
+          <p:nvPr>
+            <p:ph type="sldImg"/>
+          </p:nvPr>
+        </p:nvSpPr>
+        <p:spPr/>
+      </p:sp>
+      <p:sp>
+        <p:nvSpPr>
+          <p:cNvPr id="3" name="Notes Placeholder 2"/>
+          <p:cNvSpPr>
+            <a:spLocks noGrp="1"/>
+          </p:cNvSpPr>
+          <p:nvPr>
+            <p:ph type="body" idx="1"/>
+          </p:nvPr>
+        </p:nvSpPr>
+        <p:spPr/>
+        <p:txBody>
+          <a:bodyPr/>
+          <a:lstStyle/>
+          <a:p>
+            <a:endParaRPr lang="en-GB" dirty="0"/>
+          </a:p>
+        </p:txBody>
+      </p:sp>
+      <p:sp>
+        <p:nvSpPr>
+          <p:cNvPr id="4" name="Slide Number Placeholder 3"/>
+          <p:cNvSpPr>
+            <a:spLocks noGrp="1"/>
+          </p:cNvSpPr>
+          <p:nvPr>
+            <p:ph type="sldNum" sz="quarter" idx="10"/>
+          </p:nvPr>
+        </p:nvSpPr>
+        <p:spPr/>
+        <p:txBody>
+          <a:bodyPr/>
+          <a:lstStyle/>
+          <a:p>
+            <a:fld id="{D3B79ED6-4970-4D84-B25C-F520A9D9210C}" type="slidenum">
+              <a:rPr lang="en-GB" smtClean="0"/>
+              <a:t>35</a:t>
+            </a:fld>
+            <a:endParaRPr lang="en-GB"/>
+          </a:p>
+        </p:txBody>
+      </p:sp>
+    </p:spTree>
+    <p:extLst>
+      <p:ext uri="{BB962C8B-B14F-4D97-AF65-F5344CB8AC3E}">
+        <p14:creationId xmlns:p14="http://schemas.microsoft.com/office/powerpoint/2010/main" val="203475555"/>
+      </p:ext>
+    </p:extLst>
+  </p:cSld>
+  <p:clrMapOvr>
+    <a:masterClrMapping/>
+  </p:clrMapOvr>
+</p:notes>
+</file>
+
+<file path=ppt/notesSlides/notesSlide23.xml><?xml version="1.0" encoding="utf-8"?>
+<p:notes xmlns:a="http://schemas.openxmlformats.org/drawingml/2006/main" xmlns:r="http://schemas.openxmlformats.org/officeDocument/2006/relationships" xmlns:p="http://schemas.openxmlformats.org/presentationml/2006/main">
+  <p:cSld>
+    <p:spTree>
+      <p:nvGrpSpPr>
+        <p:cNvPr id="1" name=""/>
+        <p:cNvGrpSpPr/>
+        <p:nvPr/>
+      </p:nvGrpSpPr>
+      <p:grpSpPr>
+        <a:xfrm>
+          <a:off x="0" y="0"/>
+          <a:ext cx="0" cy="0"/>
+          <a:chOff x="0" y="0"/>
+          <a:chExt cx="0" cy="0"/>
+        </a:xfrm>
+      </p:grpSpPr>
+      <p:sp>
+        <p:nvSpPr>
+          <p:cNvPr id="2" name="Slide Image Placeholder 1"/>
+          <p:cNvSpPr>
+            <a:spLocks noGrp="1" noRot="1" noChangeAspect="1"/>
+          </p:cNvSpPr>
+          <p:nvPr>
+            <p:ph type="sldImg"/>
+          </p:nvPr>
+        </p:nvSpPr>
+        <p:spPr/>
+      </p:sp>
+      <p:sp>
+        <p:nvSpPr>
+          <p:cNvPr id="3" name="Notes Placeholder 2"/>
+          <p:cNvSpPr>
+            <a:spLocks noGrp="1"/>
+          </p:cNvSpPr>
+          <p:nvPr>
+            <p:ph type="body" idx="1"/>
+          </p:nvPr>
+        </p:nvSpPr>
+        <p:spPr/>
+        <p:txBody>
+          <a:bodyPr/>
+          <a:lstStyle/>
+          <a:p>
+            <a:endParaRPr lang="en-GB" dirty="0"/>
+          </a:p>
+        </p:txBody>
+      </p:sp>
+      <p:sp>
+        <p:nvSpPr>
+          <p:cNvPr id="4" name="Slide Number Placeholder 3"/>
+          <p:cNvSpPr>
+            <a:spLocks noGrp="1"/>
+          </p:cNvSpPr>
+          <p:nvPr>
+            <p:ph type="sldNum" sz="quarter" idx="10"/>
+          </p:nvPr>
+        </p:nvSpPr>
+        <p:spPr/>
+        <p:txBody>
+          <a:bodyPr/>
+          <a:lstStyle/>
+          <a:p>
+            <a:fld id="{D3B79ED6-4970-4D84-B25C-F520A9D9210C}" type="slidenum">
+              <a:rPr lang="en-GB" smtClean="0"/>
+              <a:t>36</a:t>
+            </a:fld>
+            <a:endParaRPr lang="en-GB"/>
+          </a:p>
+        </p:txBody>
+      </p:sp>
+    </p:spTree>
+    <p:extLst>
+      <p:ext uri="{BB962C8B-B14F-4D97-AF65-F5344CB8AC3E}">
+        <p14:creationId xmlns:p14="http://schemas.microsoft.com/office/powerpoint/2010/main" val="755517439"/>
+      </p:ext>
+    </p:extLst>
+  </p:cSld>
+  <p:clrMapOvr>
+    <a:masterClrMapping/>
+  </p:clrMapOvr>
+</p:notes>
+</file>
+
+<file path=ppt/notesSlides/notesSlide24.xml><?xml version="1.0" encoding="utf-8"?>
+<p:notes xmlns:a="http://schemas.openxmlformats.org/drawingml/2006/main" xmlns:r="http://schemas.openxmlformats.org/officeDocument/2006/relationships" xmlns:p="http://schemas.openxmlformats.org/presentationml/2006/main">
+  <p:cSld>
+    <p:spTree>
+      <p:nvGrpSpPr>
+        <p:cNvPr id="1" name=""/>
+        <p:cNvGrpSpPr/>
+        <p:nvPr/>
+      </p:nvGrpSpPr>
+      <p:grpSpPr>
+        <a:xfrm>
+          <a:off x="0" y="0"/>
+          <a:ext cx="0" cy="0"/>
+          <a:chOff x="0" y="0"/>
+          <a:chExt cx="0" cy="0"/>
+        </a:xfrm>
+      </p:grpSpPr>
+      <p:sp>
+        <p:nvSpPr>
+          <p:cNvPr id="2" name="Slide Image Placeholder 1"/>
+          <p:cNvSpPr>
+            <a:spLocks noGrp="1" noRot="1" noChangeAspect="1"/>
+          </p:cNvSpPr>
+          <p:nvPr>
+            <p:ph type="sldImg"/>
+          </p:nvPr>
+        </p:nvSpPr>
+        <p:spPr/>
+      </p:sp>
+      <p:sp>
+        <p:nvSpPr>
+          <p:cNvPr id="3" name="Notes Placeholder 2"/>
+          <p:cNvSpPr>
+            <a:spLocks noGrp="1"/>
+          </p:cNvSpPr>
+          <p:nvPr>
+            <p:ph type="body" idx="1"/>
+          </p:nvPr>
+        </p:nvSpPr>
+        <p:spPr/>
+        <p:txBody>
+          <a:bodyPr/>
+          <a:lstStyle/>
+          <a:p>
+            <a:endParaRPr lang="en-GB" dirty="0"/>
+          </a:p>
+        </p:txBody>
+      </p:sp>
+      <p:sp>
+        <p:nvSpPr>
+          <p:cNvPr id="4" name="Slide Number Placeholder 3"/>
+          <p:cNvSpPr>
+            <a:spLocks noGrp="1"/>
+          </p:cNvSpPr>
+          <p:nvPr>
+            <p:ph type="sldNum" sz="quarter" idx="10"/>
+          </p:nvPr>
+        </p:nvSpPr>
+        <p:spPr/>
+        <p:txBody>
+          <a:bodyPr/>
+          <a:lstStyle/>
+          <a:p>
+            <a:fld id="{D3B79ED6-4970-4D84-B25C-F520A9D9210C}" type="slidenum">
+              <a:rPr lang="en-GB" smtClean="0"/>
+              <a:t>37</a:t>
+            </a:fld>
+            <a:endParaRPr lang="en-GB"/>
+          </a:p>
+        </p:txBody>
+      </p:sp>
+    </p:spTree>
+    <p:extLst>
+      <p:ext uri="{BB962C8B-B14F-4D97-AF65-F5344CB8AC3E}">
+        <p14:creationId xmlns:p14="http://schemas.microsoft.com/office/powerpoint/2010/main" val="863684666"/>
+      </p:ext>
+    </p:extLst>
+  </p:cSld>
+  <p:clrMapOvr>
+    <a:masterClrMapping/>
+  </p:clrMapOvr>
+</p:notes>
+</file>
+
+<file path=ppt/notesSlides/notesSlide25.xml><?xml version="1.0" encoding="utf-8"?>
+<p:notes xmlns:a="http://schemas.openxmlformats.org/drawingml/2006/main" xmlns:r="http://schemas.openxmlformats.org/officeDocument/2006/relationships" xmlns:p="http://schemas.openxmlformats.org/presentationml/2006/main">
+  <p:cSld>
+    <p:spTree>
+      <p:nvGrpSpPr>
+        <p:cNvPr id="1" name=""/>
+        <p:cNvGrpSpPr/>
+        <p:nvPr/>
+      </p:nvGrpSpPr>
+      <p:grpSpPr>
+        <a:xfrm>
+          <a:off x="0" y="0"/>
+          <a:ext cx="0" cy="0"/>
+          <a:chOff x="0" y="0"/>
+          <a:chExt cx="0" cy="0"/>
+        </a:xfrm>
+      </p:grpSpPr>
+      <p:sp>
+        <p:nvSpPr>
+          <p:cNvPr id="2" name="Slide Image Placeholder 1"/>
+          <p:cNvSpPr>
+            <a:spLocks noGrp="1" noRot="1" noChangeAspect="1"/>
+          </p:cNvSpPr>
+          <p:nvPr>
+            <p:ph type="sldImg"/>
+          </p:nvPr>
+        </p:nvSpPr>
+        <p:spPr/>
+      </p:sp>
+      <p:sp>
+        <p:nvSpPr>
+          <p:cNvPr id="3" name="Notes Placeholder 2"/>
+          <p:cNvSpPr>
+            <a:spLocks noGrp="1"/>
+          </p:cNvSpPr>
+          <p:nvPr>
+            <p:ph type="body" idx="1"/>
+          </p:nvPr>
+        </p:nvSpPr>
+        <p:spPr/>
+        <p:txBody>
+          <a:bodyPr/>
+          <a:lstStyle/>
+          <a:p>
+            <a:endParaRPr lang="en-GB" dirty="0"/>
+          </a:p>
+        </p:txBody>
+      </p:sp>
+      <p:sp>
+        <p:nvSpPr>
+          <p:cNvPr id="4" name="Slide Number Placeholder 3"/>
+          <p:cNvSpPr>
+            <a:spLocks noGrp="1"/>
+          </p:cNvSpPr>
+          <p:nvPr>
+            <p:ph type="sldNum" sz="quarter" idx="10"/>
+          </p:nvPr>
+        </p:nvSpPr>
+        <p:spPr/>
+        <p:txBody>
+          <a:bodyPr/>
+          <a:lstStyle/>
+          <a:p>
+            <a:fld id="{D3B79ED6-4970-4D84-B25C-F520A9D9210C}" type="slidenum">
+              <a:rPr lang="en-GB" smtClean="0"/>
+              <a:t>38</a:t>
+            </a:fld>
+            <a:endParaRPr lang="en-GB"/>
+          </a:p>
+        </p:txBody>
+      </p:sp>
+    </p:spTree>
+    <p:extLst>
+      <p:ext uri="{BB962C8B-B14F-4D97-AF65-F5344CB8AC3E}">
+        <p14:creationId xmlns:p14="http://schemas.microsoft.com/office/powerpoint/2010/main" val="2906098912"/>
       </p:ext>
     </p:extLst>
   </p:cSld>
@@ -4348,7 +6232,7 @@
           <a:p>
             <a:fld id="{D4BA8270-C9CF-44CA-BE5A-02C2BDCCEDE4}" type="datetimeFigureOut">
               <a:rPr lang="en-GB" smtClean="0"/>
-              <a:t>04/06/2020</a:t>
+              <a:t>05/06/2020</a:t>
             </a:fld>
             <a:endParaRPr lang="en-GB"/>
           </a:p>
@@ -4599,7 +6483,7 @@
           <a:p>
             <a:fld id="{D4BA8270-C9CF-44CA-BE5A-02C2BDCCEDE4}" type="datetimeFigureOut">
               <a:rPr lang="en-GB" smtClean="0"/>
-              <a:t>04/06/2020</a:t>
+              <a:t>05/06/2020</a:t>
             </a:fld>
             <a:endParaRPr lang="en-GB"/>
           </a:p>
@@ -4913,7 +6797,7 @@
           <a:p>
             <a:fld id="{D4BA8270-C9CF-44CA-BE5A-02C2BDCCEDE4}" type="datetimeFigureOut">
               <a:rPr lang="en-GB" smtClean="0"/>
-              <a:t>04/06/2020</a:t>
+              <a:t>05/06/2020</a:t>
             </a:fld>
             <a:endParaRPr lang="en-GB"/>
           </a:p>
@@ -5254,7 +7138,7 @@
           <a:p>
             <a:fld id="{D4BA8270-C9CF-44CA-BE5A-02C2BDCCEDE4}" type="datetimeFigureOut">
               <a:rPr lang="en-GB" smtClean="0"/>
-              <a:t>04/06/2020</a:t>
+              <a:t>05/06/2020</a:t>
             </a:fld>
             <a:endParaRPr lang="en-GB"/>
           </a:p>
@@ -5568,7 +7452,7 @@
           <a:p>
             <a:fld id="{D4BA8270-C9CF-44CA-BE5A-02C2BDCCEDE4}" type="datetimeFigureOut">
               <a:rPr lang="en-GB" smtClean="0"/>
-              <a:t>04/06/2020</a:t>
+              <a:t>05/06/2020</a:t>
             </a:fld>
             <a:endParaRPr lang="en-GB"/>
           </a:p>
@@ -5961,7 +7845,7 @@
           <a:p>
             <a:fld id="{D4BA8270-C9CF-44CA-BE5A-02C2BDCCEDE4}" type="datetimeFigureOut">
               <a:rPr lang="en-GB" smtClean="0"/>
-              <a:t>04/06/2020</a:t>
+              <a:t>05/06/2020</a:t>
             </a:fld>
             <a:endParaRPr lang="en-GB"/>
           </a:p>
@@ -6131,7 +8015,7 @@
           <a:p>
             <a:fld id="{D4BA8270-C9CF-44CA-BE5A-02C2BDCCEDE4}" type="datetimeFigureOut">
               <a:rPr lang="en-GB" smtClean="0"/>
-              <a:t>04/06/2020</a:t>
+              <a:t>05/06/2020</a:t>
             </a:fld>
             <a:endParaRPr lang="en-GB"/>
           </a:p>
@@ -6311,7 +8195,7 @@
           <a:p>
             <a:fld id="{D4BA8270-C9CF-44CA-BE5A-02C2BDCCEDE4}" type="datetimeFigureOut">
               <a:rPr lang="en-GB" smtClean="0"/>
-              <a:t>04/06/2020</a:t>
+              <a:t>05/06/2020</a:t>
             </a:fld>
             <a:endParaRPr lang="en-GB"/>
           </a:p>
@@ -6487,7 +8371,7 @@
           <a:p>
             <a:fld id="{D4BA8270-C9CF-44CA-BE5A-02C2BDCCEDE4}" type="datetimeFigureOut">
               <a:rPr lang="en-GB" smtClean="0"/>
-              <a:t>04/06/2020</a:t>
+              <a:t>05/06/2020</a:t>
             </a:fld>
             <a:endParaRPr lang="en-GB"/>
           </a:p>
@@ -6734,7 +8618,7 @@
           <a:p>
             <a:fld id="{D4BA8270-C9CF-44CA-BE5A-02C2BDCCEDE4}" type="datetimeFigureOut">
               <a:rPr lang="en-GB" smtClean="0"/>
-              <a:t>04/06/2020</a:t>
+              <a:t>05/06/2020</a:t>
             </a:fld>
             <a:endParaRPr lang="en-GB"/>
           </a:p>
@@ -6966,7 +8850,7 @@
           <a:p>
             <a:fld id="{D4BA8270-C9CF-44CA-BE5A-02C2BDCCEDE4}" type="datetimeFigureOut">
               <a:rPr lang="en-GB" smtClean="0"/>
-              <a:t>04/06/2020</a:t>
+              <a:t>05/06/2020</a:t>
             </a:fld>
             <a:endParaRPr lang="en-GB"/>
           </a:p>
@@ -7340,7 +9224,7 @@
           <a:p>
             <a:fld id="{D4BA8270-C9CF-44CA-BE5A-02C2BDCCEDE4}" type="datetimeFigureOut">
               <a:rPr lang="en-GB" smtClean="0"/>
-              <a:t>04/06/2020</a:t>
+              <a:t>05/06/2020</a:t>
             </a:fld>
             <a:endParaRPr lang="en-GB"/>
           </a:p>
@@ -7463,7 +9347,7 @@
           <a:p>
             <a:fld id="{D4BA8270-C9CF-44CA-BE5A-02C2BDCCEDE4}" type="datetimeFigureOut">
               <a:rPr lang="en-GB" smtClean="0"/>
-              <a:t>04/06/2020</a:t>
+              <a:t>05/06/2020</a:t>
             </a:fld>
             <a:endParaRPr lang="en-GB"/>
           </a:p>
@@ -7558,7 +9442,7 @@
           <a:p>
             <a:fld id="{D4BA8270-C9CF-44CA-BE5A-02C2BDCCEDE4}" type="datetimeFigureOut">
               <a:rPr lang="en-GB" smtClean="0"/>
-              <a:t>04/06/2020</a:t>
+              <a:t>05/06/2020</a:t>
             </a:fld>
             <a:endParaRPr lang="en-GB"/>
           </a:p>
@@ -7813,7 +9697,7 @@
           <a:p>
             <a:fld id="{D4BA8270-C9CF-44CA-BE5A-02C2BDCCEDE4}" type="datetimeFigureOut">
               <a:rPr lang="en-GB" smtClean="0"/>
-              <a:t>04/06/2020</a:t>
+              <a:t>05/06/2020</a:t>
             </a:fld>
             <a:endParaRPr lang="en-GB"/>
           </a:p>
@@ -8076,7 +9960,7 @@
           <a:p>
             <a:fld id="{D4BA8270-C9CF-44CA-BE5A-02C2BDCCEDE4}" type="datetimeFigureOut">
               <a:rPr lang="en-GB" smtClean="0"/>
-              <a:t>04/06/2020</a:t>
+              <a:t>05/06/2020</a:t>
             </a:fld>
             <a:endParaRPr lang="en-GB"/>
           </a:p>
@@ -8819,7 +10703,7 @@
           <a:p>
             <a:fld id="{D4BA8270-C9CF-44CA-BE5A-02C2BDCCEDE4}" type="datetimeFigureOut">
               <a:rPr lang="en-GB" smtClean="0"/>
-              <a:t>04/06/2020</a:t>
+              <a:t>05/06/2020</a:t>
             </a:fld>
             <a:endParaRPr lang="en-GB"/>
           </a:p>
@@ -20094,6 +21978,13 @@
   <p:clrMapOvr>
     <a:masterClrMapping/>
   </p:clrMapOvr>
+  <p:timing>
+    <p:tnLst>
+      <p:par>
+        <p:cTn id="1" dur="indefinite" restart="never" nodeType="tmRoot"/>
+      </p:par>
+    </p:tnLst>
+  </p:timing>
 </p:sld>
 </file>
 
@@ -20297,6 +22188,13 @@
   <p:clrMapOvr>
     <a:masterClrMapping/>
   </p:clrMapOvr>
+  <p:timing>
+    <p:tnLst>
+      <p:par>
+        <p:cTn id="1" dur="indefinite" restart="never" nodeType="tmRoot"/>
+      </p:par>
+    </p:tnLst>
+  </p:timing>
 </p:sld>
 </file>
 
@@ -20470,6 +22368,13 @@
   <p:clrMapOvr>
     <a:masterClrMapping/>
   </p:clrMapOvr>
+  <p:timing>
+    <p:tnLst>
+      <p:par>
+        <p:cTn id="1" dur="indefinite" restart="never" nodeType="tmRoot"/>
+      </p:par>
+    </p:tnLst>
+  </p:timing>
 </p:sld>
 </file>
 
@@ -21529,6 +23434,13 @@
   <p:clrMapOvr>
     <a:masterClrMapping/>
   </p:clrMapOvr>
+  <p:timing>
+    <p:tnLst>
+      <p:par>
+        <p:cTn id="1" dur="indefinite" restart="never" nodeType="tmRoot"/>
+      </p:par>
+    </p:tnLst>
+  </p:timing>
 </p:sld>
 </file>
 
@@ -21571,11 +23483,7 @@
           <a:p>
             <a:r>
               <a:rPr lang="en-IN" dirty="0" smtClean="0"/>
-              <a:t>Section </a:t>
-            </a:r>
-            <a:r>
-              <a:rPr lang="en-IN" dirty="0" smtClean="0"/>
-              <a:t>-3 -:</a:t>
+              <a:t>Section -3 -:</a:t>
             </a:r>
             <a:r>
               <a:rPr lang="en-GB" b="1" dirty="0"/>
@@ -21624,6 +23532,36 @@
       </p:grpSpPr>
       <p:sp>
         <p:nvSpPr>
+          <p:cNvPr id="2" name="Title 1"/>
+          <p:cNvSpPr>
+            <a:spLocks noGrp="1"/>
+          </p:cNvSpPr>
+          <p:nvPr>
+            <p:ph type="title"/>
+          </p:nvPr>
+        </p:nvSpPr>
+        <p:spPr>
+          <a:xfrm>
+            <a:off x="677334" y="0"/>
+            <a:ext cx="8596668" cy="587022"/>
+          </a:xfrm>
+        </p:spPr>
+        <p:txBody>
+          <a:bodyPr>
+            <a:normAutofit fontScale="90000"/>
+          </a:bodyPr>
+          <a:lstStyle/>
+          <a:p>
+            <a:r>
+              <a:rPr lang="en-GB" dirty="0" smtClean="0"/>
+              <a:t>Type Script Compiler</a:t>
+            </a:r>
+            <a:endParaRPr lang="en-GB" dirty="0"/>
+          </a:p>
+        </p:txBody>
+      </p:sp>
+      <p:sp>
+        <p:nvSpPr>
           <p:cNvPr id="3" name="Content Placeholder 2"/>
           <p:cNvSpPr>
             <a:spLocks noGrp="1"/>
@@ -21634,8 +23572,582 @@
         </p:nvSpPr>
         <p:spPr>
           <a:xfrm>
-            <a:off x="3163860" y="2754147"/>
-            <a:ext cx="8596668" cy="3880773"/>
+            <a:off x="677334" y="587023"/>
+            <a:ext cx="8596668" cy="5454340"/>
+          </a:xfrm>
+        </p:spPr>
+        <p:txBody>
+          <a:bodyPr/>
+          <a:lstStyle/>
+          <a:p>
+            <a:r>
+              <a:rPr lang="en-GB" dirty="0" smtClean="0"/>
+              <a:t>Usually when we make changes in a file we need to use </a:t>
+            </a:r>
+            <a:r>
+              <a:rPr lang="en-GB" dirty="0" err="1" smtClean="0"/>
+              <a:t>tsc</a:t>
+            </a:r>
+            <a:r>
+              <a:rPr lang="en-GB" dirty="0" smtClean="0"/>
+              <a:t> command to invoke the type script compiler to compile it.</a:t>
+            </a:r>
+          </a:p>
+          <a:p>
+            <a:r>
+              <a:rPr lang="en-GB" dirty="0" smtClean="0"/>
+              <a:t>This approach is fine for a small </a:t>
+            </a:r>
+            <a:r>
+              <a:rPr lang="en-GB" dirty="0" err="1" smtClean="0"/>
+              <a:t>poc</a:t>
+            </a:r>
+            <a:r>
+              <a:rPr lang="en-GB" dirty="0" smtClean="0"/>
+              <a:t> but it is not feasible for a large scale project with a lot of files.</a:t>
+            </a:r>
+          </a:p>
+          <a:p>
+            <a:r>
+              <a:rPr lang="en-GB" dirty="0" smtClean="0"/>
+              <a:t>Also for enterprise level project we might need to change a lot of options as to how compilation should happen what things should be checked, how strict the checking should be , what should be allowed etc.</a:t>
+            </a:r>
+          </a:p>
+          <a:p>
+            <a:r>
+              <a:rPr lang="en-GB" dirty="0" smtClean="0"/>
+              <a:t>In this section we will take a closer look at some of these configurations</a:t>
+            </a:r>
+            <a:endParaRPr lang="en-GB" dirty="0"/>
+          </a:p>
+        </p:txBody>
+      </p:sp>
+    </p:spTree>
+    <p:extLst>
+      <p:ext uri="{BB962C8B-B14F-4D97-AF65-F5344CB8AC3E}">
+        <p14:creationId xmlns:p14="http://schemas.microsoft.com/office/powerpoint/2010/main" val="4248544190"/>
+      </p:ext>
+    </p:extLst>
+  </p:cSld>
+  <p:clrMapOvr>
+    <a:masterClrMapping/>
+  </p:clrMapOvr>
+  <p:timing>
+    <p:tnLst>
+      <p:par>
+        <p:cTn id="1" dur="indefinite" restart="never" nodeType="tmRoot"/>
+      </p:par>
+    </p:tnLst>
+  </p:timing>
+</p:sld>
+</file>
+
+<file path=ppt/slides/slide26.xml><?xml version="1.0" encoding="utf-8"?>
+<p:sld xmlns:a="http://schemas.openxmlformats.org/drawingml/2006/main" xmlns:r="http://schemas.openxmlformats.org/officeDocument/2006/relationships" xmlns:p="http://schemas.openxmlformats.org/presentationml/2006/main">
+  <p:cSld>
+    <p:spTree>
+      <p:nvGrpSpPr>
+        <p:cNvPr id="1" name=""/>
+        <p:cNvGrpSpPr/>
+        <p:nvPr/>
+      </p:nvGrpSpPr>
+      <p:grpSpPr>
+        <a:xfrm>
+          <a:off x="0" y="0"/>
+          <a:ext cx="0" cy="0"/>
+          <a:chOff x="0" y="0"/>
+          <a:chExt cx="0" cy="0"/>
+        </a:xfrm>
+      </p:grpSpPr>
+      <p:sp>
+        <p:nvSpPr>
+          <p:cNvPr id="2" name="Title 1"/>
+          <p:cNvSpPr>
+            <a:spLocks noGrp="1"/>
+          </p:cNvSpPr>
+          <p:nvPr>
+            <p:ph type="title"/>
+          </p:nvPr>
+        </p:nvSpPr>
+        <p:spPr>
+          <a:xfrm>
+            <a:off x="587023" y="180622"/>
+            <a:ext cx="8596668" cy="745067"/>
+          </a:xfrm>
+        </p:spPr>
+        <p:txBody>
+          <a:bodyPr/>
+          <a:lstStyle/>
+          <a:p>
+            <a:r>
+              <a:rPr lang="en-GB" dirty="0" err="1" smtClean="0"/>
+              <a:t>Tsc</a:t>
+            </a:r>
+            <a:r>
+              <a:rPr lang="en-GB" dirty="0" smtClean="0"/>
+              <a:t> </a:t>
+            </a:r>
+            <a:r>
+              <a:rPr lang="en-GB" dirty="0" err="1" smtClean="0"/>
+              <a:t>Conf</a:t>
+            </a:r>
+            <a:r>
+              <a:rPr lang="en-GB" dirty="0" smtClean="0"/>
+              <a:t> -Watch Mode</a:t>
+            </a:r>
+            <a:endParaRPr lang="en-GB" dirty="0"/>
+          </a:p>
+        </p:txBody>
+      </p:sp>
+      <p:sp>
+        <p:nvSpPr>
+          <p:cNvPr id="3" name="Content Placeholder 2"/>
+          <p:cNvSpPr>
+            <a:spLocks noGrp="1"/>
+          </p:cNvSpPr>
+          <p:nvPr>
+            <p:ph idx="1"/>
+          </p:nvPr>
+        </p:nvSpPr>
+        <p:spPr>
+          <a:xfrm>
+            <a:off x="677334" y="925689"/>
+            <a:ext cx="8596668" cy="5115673"/>
+          </a:xfrm>
+        </p:spPr>
+        <p:txBody>
+          <a:bodyPr/>
+          <a:lstStyle/>
+          <a:p>
+            <a:r>
+              <a:rPr lang="en-GB" dirty="0" smtClean="0"/>
+              <a:t>Usually to compile a file we use the command </a:t>
+            </a:r>
+            <a:r>
+              <a:rPr lang="en-GB" dirty="0" err="1" smtClean="0"/>
+              <a:t>tsc</a:t>
+            </a:r>
+            <a:r>
+              <a:rPr lang="en-GB" dirty="0" smtClean="0"/>
+              <a:t> </a:t>
+            </a:r>
+            <a:r>
+              <a:rPr lang="en-GB" dirty="0" err="1" smtClean="0"/>
+              <a:t>filename.ts</a:t>
+            </a:r>
+            <a:endParaRPr lang="en-GB" dirty="0" smtClean="0"/>
+          </a:p>
+          <a:p>
+            <a:r>
+              <a:rPr lang="en-GB" dirty="0" smtClean="0"/>
+              <a:t>We need to do this again and again whenever we change something in a file.</a:t>
+            </a:r>
+          </a:p>
+          <a:p>
+            <a:r>
+              <a:rPr lang="en-GB" dirty="0" smtClean="0"/>
+              <a:t>To avoid doing this we can start the </a:t>
+            </a:r>
+            <a:r>
+              <a:rPr lang="en-GB" dirty="0" err="1" smtClean="0"/>
+              <a:t>tsc</a:t>
+            </a:r>
+            <a:r>
+              <a:rPr lang="en-GB" dirty="0" smtClean="0"/>
+              <a:t> in watch mode to make </a:t>
+            </a:r>
+            <a:r>
+              <a:rPr lang="en-GB" dirty="0" err="1" smtClean="0"/>
+              <a:t>tsc</a:t>
+            </a:r>
+            <a:r>
+              <a:rPr lang="en-GB" dirty="0" smtClean="0"/>
+              <a:t> to keep on watching changes for a particular file(s)</a:t>
+            </a:r>
+          </a:p>
+          <a:p>
+            <a:r>
+              <a:rPr lang="en-GB" dirty="0" smtClean="0"/>
+              <a:t>The command is </a:t>
+            </a:r>
+            <a:r>
+              <a:rPr lang="en-GB" dirty="0" err="1" smtClean="0"/>
+              <a:t>tsc</a:t>
+            </a:r>
+            <a:r>
+              <a:rPr lang="en-GB" dirty="0" smtClean="0"/>
+              <a:t> filename –w or </a:t>
+            </a:r>
+            <a:r>
+              <a:rPr lang="en-GB" dirty="0" err="1" smtClean="0"/>
+              <a:t>tsc</a:t>
+            </a:r>
+            <a:r>
+              <a:rPr lang="en-GB" dirty="0" smtClean="0"/>
+              <a:t> filename –watch</a:t>
+            </a:r>
+          </a:p>
+          <a:p>
+            <a:r>
+              <a:rPr lang="en-GB" dirty="0" smtClean="0"/>
+              <a:t>This will start </a:t>
+            </a:r>
+            <a:r>
+              <a:rPr lang="en-GB" dirty="0" err="1" smtClean="0"/>
+              <a:t>tsc</a:t>
+            </a:r>
+            <a:r>
+              <a:rPr lang="en-GB" dirty="0" smtClean="0"/>
+              <a:t> in watch mode and whenever we change something in the watched file as soon as we save it </a:t>
+            </a:r>
+            <a:r>
+              <a:rPr lang="en-GB" dirty="0" err="1" smtClean="0"/>
+              <a:t>tsc</a:t>
+            </a:r>
+            <a:r>
+              <a:rPr lang="en-GB" dirty="0" smtClean="0"/>
+              <a:t> will recompile it and generate a new </a:t>
+            </a:r>
+            <a:r>
+              <a:rPr lang="en-GB" dirty="0" err="1" smtClean="0"/>
+              <a:t>js</a:t>
+            </a:r>
+            <a:r>
+              <a:rPr lang="en-GB" dirty="0" smtClean="0"/>
+              <a:t> file for the same</a:t>
+            </a:r>
+          </a:p>
+          <a:p>
+            <a:endParaRPr lang="en-GB" dirty="0"/>
+          </a:p>
+        </p:txBody>
+      </p:sp>
+    </p:spTree>
+    <p:extLst>
+      <p:ext uri="{BB962C8B-B14F-4D97-AF65-F5344CB8AC3E}">
+        <p14:creationId xmlns:p14="http://schemas.microsoft.com/office/powerpoint/2010/main" val="309344624"/>
+      </p:ext>
+    </p:extLst>
+  </p:cSld>
+  <p:clrMapOvr>
+    <a:masterClrMapping/>
+  </p:clrMapOvr>
+  <p:timing>
+    <p:tnLst>
+      <p:par>
+        <p:cTn id="1" dur="indefinite" restart="never" nodeType="tmRoot"/>
+      </p:par>
+    </p:tnLst>
+  </p:timing>
+</p:sld>
+</file>
+
+<file path=ppt/slides/slide27.xml><?xml version="1.0" encoding="utf-8"?>
+<p:sld xmlns:a="http://schemas.openxmlformats.org/drawingml/2006/main" xmlns:r="http://schemas.openxmlformats.org/officeDocument/2006/relationships" xmlns:p="http://schemas.openxmlformats.org/presentationml/2006/main">
+  <p:cSld>
+    <p:spTree>
+      <p:nvGrpSpPr>
+        <p:cNvPr id="1" name=""/>
+        <p:cNvGrpSpPr/>
+        <p:nvPr/>
+      </p:nvGrpSpPr>
+      <p:grpSpPr>
+        <a:xfrm>
+          <a:off x="0" y="0"/>
+          <a:ext cx="0" cy="0"/>
+          <a:chOff x="0" y="0"/>
+          <a:chExt cx="0" cy="0"/>
+        </a:xfrm>
+      </p:grpSpPr>
+      <p:sp>
+        <p:nvSpPr>
+          <p:cNvPr id="2" name="Title 1"/>
+          <p:cNvSpPr>
+            <a:spLocks noGrp="1"/>
+          </p:cNvSpPr>
+          <p:nvPr>
+            <p:ph type="title"/>
+          </p:nvPr>
+        </p:nvSpPr>
+        <p:spPr>
+          <a:xfrm>
+            <a:off x="39692" y="90310"/>
+            <a:ext cx="9234310" cy="745067"/>
+          </a:xfrm>
+        </p:spPr>
+        <p:txBody>
+          <a:bodyPr>
+            <a:normAutofit fontScale="90000"/>
+          </a:bodyPr>
+          <a:lstStyle/>
+          <a:p>
+            <a:r>
+              <a:rPr lang="en-GB" dirty="0" err="1" smtClean="0"/>
+              <a:t>Tsc</a:t>
+            </a:r>
+            <a:r>
+              <a:rPr lang="en-GB" dirty="0" smtClean="0"/>
+              <a:t> </a:t>
+            </a:r>
+            <a:r>
+              <a:rPr lang="en-GB" dirty="0" err="1" smtClean="0"/>
+              <a:t>Conf</a:t>
+            </a:r>
+            <a:r>
+              <a:rPr lang="en-GB" dirty="0" smtClean="0"/>
+              <a:t> –Compiling Multiple files/Entire Project</a:t>
+            </a:r>
+            <a:endParaRPr lang="en-GB" dirty="0"/>
+          </a:p>
+        </p:txBody>
+      </p:sp>
+      <p:sp>
+        <p:nvSpPr>
+          <p:cNvPr id="3" name="Content Placeholder 2"/>
+          <p:cNvSpPr>
+            <a:spLocks noGrp="1"/>
+          </p:cNvSpPr>
+          <p:nvPr>
+            <p:ph idx="1"/>
+          </p:nvPr>
+        </p:nvSpPr>
+        <p:spPr>
+          <a:xfrm>
+            <a:off x="282222" y="835377"/>
+            <a:ext cx="8991780" cy="5205985"/>
+          </a:xfrm>
+        </p:spPr>
+        <p:txBody>
+          <a:bodyPr/>
+          <a:lstStyle/>
+          <a:p>
+            <a:r>
+              <a:rPr lang="en-GB" dirty="0" smtClean="0"/>
+              <a:t>If we want </a:t>
+            </a:r>
+            <a:r>
+              <a:rPr lang="en-GB" dirty="0" err="1" smtClean="0"/>
+              <a:t>tsc</a:t>
+            </a:r>
+            <a:r>
+              <a:rPr lang="en-GB" dirty="0" smtClean="0"/>
+              <a:t> to compile all files we have to first tell </a:t>
+            </a:r>
+            <a:r>
+              <a:rPr lang="en-GB" dirty="0" err="1" smtClean="0"/>
+              <a:t>tsc</a:t>
+            </a:r>
+            <a:r>
+              <a:rPr lang="en-GB" dirty="0" smtClean="0"/>
+              <a:t> that all the files are a part of single project and should be managed by </a:t>
+            </a:r>
+            <a:r>
+              <a:rPr lang="en-GB" dirty="0" err="1" smtClean="0"/>
+              <a:t>ts</a:t>
+            </a:r>
+            <a:endParaRPr lang="en-GB" dirty="0" smtClean="0"/>
+          </a:p>
+          <a:p>
+            <a:r>
+              <a:rPr lang="en-GB" dirty="0" smtClean="0"/>
+              <a:t>To do this we run command </a:t>
+            </a:r>
+            <a:r>
+              <a:rPr lang="en-GB" dirty="0" err="1" smtClean="0"/>
+              <a:t>ts</a:t>
+            </a:r>
+            <a:r>
+              <a:rPr lang="en-GB" dirty="0" smtClean="0"/>
+              <a:t> –</a:t>
+            </a:r>
+            <a:r>
+              <a:rPr lang="en-GB" dirty="0" err="1" smtClean="0"/>
+              <a:t>init</a:t>
+            </a:r>
+            <a:r>
+              <a:rPr lang="en-GB" dirty="0" smtClean="0"/>
+              <a:t> in the parent directory of the project</a:t>
+            </a:r>
+          </a:p>
+          <a:p>
+            <a:r>
+              <a:rPr lang="en-GB" dirty="0" smtClean="0"/>
+              <a:t>This command does following things:</a:t>
+            </a:r>
+          </a:p>
+          <a:p>
+            <a:pPr lvl="1"/>
+            <a:r>
+              <a:rPr lang="en-GB" dirty="0" smtClean="0"/>
+              <a:t>Tells </a:t>
+            </a:r>
+            <a:r>
+              <a:rPr lang="en-GB" dirty="0" err="1" smtClean="0"/>
+              <a:t>tsc</a:t>
+            </a:r>
+            <a:r>
+              <a:rPr lang="en-GB" dirty="0" smtClean="0"/>
+              <a:t> that this folder is the </a:t>
+            </a:r>
+            <a:r>
+              <a:rPr lang="en-GB" dirty="0" err="1" smtClean="0"/>
+              <a:t>parentfolder</a:t>
+            </a:r>
+            <a:r>
+              <a:rPr lang="en-GB" dirty="0" smtClean="0"/>
+              <a:t> for a project</a:t>
+            </a:r>
+          </a:p>
+          <a:p>
+            <a:pPr lvl="1"/>
+            <a:r>
+              <a:rPr lang="en-GB" dirty="0" smtClean="0"/>
+              <a:t>All </a:t>
+            </a:r>
+            <a:r>
+              <a:rPr lang="en-GB" dirty="0" err="1" smtClean="0"/>
+              <a:t>ts</a:t>
+            </a:r>
+            <a:r>
+              <a:rPr lang="en-GB" dirty="0" smtClean="0"/>
+              <a:t> files inside including all files in all subfolders should be managed by </a:t>
+            </a:r>
+            <a:r>
+              <a:rPr lang="en-GB" dirty="0" err="1" smtClean="0"/>
+              <a:t>ts</a:t>
+            </a:r>
+            <a:endParaRPr lang="en-GB" dirty="0" smtClean="0"/>
+          </a:p>
+          <a:p>
+            <a:pPr lvl="1"/>
+            <a:r>
+              <a:rPr lang="en-GB" dirty="0" smtClean="0"/>
+              <a:t>All files should be compiled</a:t>
+            </a:r>
+          </a:p>
+          <a:p>
+            <a:pPr lvl="1"/>
+            <a:r>
+              <a:rPr lang="en-GB" dirty="0" smtClean="0"/>
+              <a:t>It also adds an additional file </a:t>
+            </a:r>
+            <a:r>
+              <a:rPr lang="en-GB" dirty="0" err="1" smtClean="0"/>
+              <a:t>tsconfig.json</a:t>
+            </a:r>
+            <a:r>
+              <a:rPr lang="en-GB" dirty="0" smtClean="0"/>
+              <a:t> in the project root directory which has a bunch of options to configure </a:t>
+            </a:r>
+            <a:r>
+              <a:rPr lang="en-GB" dirty="0" err="1" smtClean="0"/>
+              <a:t>tsc</a:t>
+            </a:r>
+            <a:r>
+              <a:rPr lang="en-GB" dirty="0" smtClean="0"/>
+              <a:t> behaviour for the given project.</a:t>
+            </a:r>
+          </a:p>
+          <a:p>
+            <a:r>
+              <a:rPr lang="en-GB" dirty="0" smtClean="0"/>
+              <a:t>Now if we run </a:t>
+            </a:r>
+            <a:r>
+              <a:rPr lang="en-GB" dirty="0" err="1" smtClean="0"/>
+              <a:t>tsc</a:t>
+            </a:r>
+            <a:r>
+              <a:rPr lang="en-GB" dirty="0" smtClean="0"/>
+              <a:t> command all files will be compiled</a:t>
+            </a:r>
+          </a:p>
+          <a:p>
+            <a:r>
+              <a:rPr lang="en-GB" dirty="0" smtClean="0"/>
+              <a:t>If we run </a:t>
+            </a:r>
+            <a:r>
+              <a:rPr lang="en-GB" dirty="0" err="1" smtClean="0"/>
+              <a:t>tsc</a:t>
+            </a:r>
+            <a:r>
+              <a:rPr lang="en-GB" dirty="0" smtClean="0"/>
+              <a:t> –w or </a:t>
+            </a:r>
+            <a:r>
+              <a:rPr lang="en-GB" dirty="0" err="1" smtClean="0"/>
+              <a:t>tsc</a:t>
+            </a:r>
+            <a:r>
+              <a:rPr lang="en-GB" dirty="0" smtClean="0"/>
+              <a:t> –watch without specifying the filename it will watch for changes in all </a:t>
+            </a:r>
+            <a:r>
+              <a:rPr lang="en-GB" dirty="0" err="1" smtClean="0"/>
+              <a:t>ts</a:t>
+            </a:r>
+            <a:r>
+              <a:rPr lang="en-GB" dirty="0" smtClean="0"/>
+              <a:t> files inside the project</a:t>
+            </a:r>
+          </a:p>
+          <a:p>
+            <a:endParaRPr lang="en-GB" dirty="0"/>
+          </a:p>
+        </p:txBody>
+      </p:sp>
+    </p:spTree>
+    <p:extLst>
+      <p:ext uri="{BB962C8B-B14F-4D97-AF65-F5344CB8AC3E}">
+        <p14:creationId xmlns:p14="http://schemas.microsoft.com/office/powerpoint/2010/main" val="3053020882"/>
+      </p:ext>
+    </p:extLst>
+  </p:cSld>
+  <p:clrMapOvr>
+    <a:masterClrMapping/>
+  </p:clrMapOvr>
+  <p:timing>
+    <p:tnLst>
+      <p:par>
+        <p:cTn id="1" dur="indefinite" restart="never" nodeType="tmRoot"/>
+      </p:par>
+    </p:tnLst>
+  </p:timing>
+</p:sld>
+</file>
+
+<file path=ppt/slides/slide28.xml><?xml version="1.0" encoding="utf-8"?>
+<p:sld xmlns:a="http://schemas.openxmlformats.org/drawingml/2006/main" xmlns:r="http://schemas.openxmlformats.org/officeDocument/2006/relationships" xmlns:p="http://schemas.openxmlformats.org/presentationml/2006/main">
+  <p:cSld>
+    <p:spTree>
+      <p:nvGrpSpPr>
+        <p:cNvPr id="1" name=""/>
+        <p:cNvGrpSpPr/>
+        <p:nvPr/>
+      </p:nvGrpSpPr>
+      <p:grpSpPr>
+        <a:xfrm>
+          <a:off x="0" y="0"/>
+          <a:ext cx="0" cy="0"/>
+          <a:chOff x="0" y="0"/>
+          <a:chExt cx="0" cy="0"/>
+        </a:xfrm>
+      </p:grpSpPr>
+      <p:sp>
+        <p:nvSpPr>
+          <p:cNvPr id="2" name="Title 1"/>
+          <p:cNvSpPr>
+            <a:spLocks noGrp="1"/>
+          </p:cNvSpPr>
+          <p:nvPr>
+            <p:ph type="title"/>
+          </p:nvPr>
+        </p:nvSpPr>
+        <p:spPr>
+          <a:xfrm>
+            <a:off x="39692" y="90310"/>
+            <a:ext cx="9234310" cy="745067"/>
           </a:xfrm>
         </p:spPr>
         <p:txBody>
@@ -21644,21 +24156,474 @@
           </a:bodyPr>
           <a:lstStyle/>
           <a:p>
-            <a:pPr marL="0" indent="0">
-              <a:buNone/>
-            </a:pPr>
-            <a:r>
-              <a:rPr lang="en-IN" sz="5400" b="1" smtClean="0"/>
-              <a:t>Thanks!!!!!</a:t>
-            </a:r>
-            <a:endParaRPr lang="en-GB" sz="5400" b="1" dirty="0"/>
+            <a:r>
+              <a:rPr lang="en-GB" dirty="0" err="1" smtClean="0"/>
+              <a:t>Tsc</a:t>
+            </a:r>
+            <a:r>
+              <a:rPr lang="en-GB" dirty="0" smtClean="0"/>
+              <a:t> </a:t>
+            </a:r>
+            <a:r>
+              <a:rPr lang="en-GB" dirty="0" err="1" smtClean="0"/>
+              <a:t>Conf</a:t>
+            </a:r>
+            <a:r>
+              <a:rPr lang="en-GB" dirty="0" smtClean="0"/>
+              <a:t> –Including/excluding files</a:t>
+            </a:r>
+            <a:endParaRPr lang="en-GB" dirty="0"/>
+          </a:p>
+        </p:txBody>
+      </p:sp>
+      <p:sp>
+        <p:nvSpPr>
+          <p:cNvPr id="3" name="Content Placeholder 2"/>
+          <p:cNvSpPr>
+            <a:spLocks noGrp="1"/>
+          </p:cNvSpPr>
+          <p:nvPr>
+            <p:ph idx="1"/>
+          </p:nvPr>
+        </p:nvSpPr>
+        <p:spPr>
+          <a:xfrm>
+            <a:off x="282222" y="835377"/>
+            <a:ext cx="8991780" cy="6022623"/>
+          </a:xfrm>
+        </p:spPr>
+        <p:txBody>
+          <a:bodyPr/>
+          <a:lstStyle/>
+          <a:p>
+            <a:r>
+              <a:rPr lang="en-GB" dirty="0" smtClean="0"/>
+              <a:t>If we open the </a:t>
+            </a:r>
+            <a:r>
+              <a:rPr lang="en-GB" dirty="0" err="1" smtClean="0"/>
+              <a:t>tsconfig.json</a:t>
+            </a:r>
+            <a:r>
+              <a:rPr lang="en-GB" dirty="0" smtClean="0"/>
+              <a:t> file we can add/configure certain project management options like including/excluding files from compilation process</a:t>
+            </a:r>
+          </a:p>
+          <a:p>
+            <a:r>
+              <a:rPr lang="en-GB" dirty="0" smtClean="0"/>
+              <a:t>In our </a:t>
+            </a:r>
+            <a:r>
+              <a:rPr lang="en-GB" dirty="0" err="1" smtClean="0"/>
+              <a:t>tsconfig.json</a:t>
+            </a:r>
+            <a:r>
+              <a:rPr lang="en-GB" dirty="0" smtClean="0"/>
+              <a:t> we have  a </a:t>
+            </a:r>
+            <a:r>
+              <a:rPr lang="en-GB" dirty="0" err="1" smtClean="0"/>
+              <a:t>compilerOptions</a:t>
+            </a:r>
+            <a:r>
+              <a:rPr lang="en-GB" dirty="0" smtClean="0"/>
+              <a:t> </a:t>
+            </a:r>
+            <a:r>
+              <a:rPr lang="en-GB" dirty="0" err="1" smtClean="0"/>
+              <a:t>json</a:t>
+            </a:r>
+            <a:r>
+              <a:rPr lang="en-GB" dirty="0" smtClean="0"/>
+              <a:t> object right after that we can add a comma and add a </a:t>
+            </a:r>
+            <a:r>
+              <a:rPr lang="en-GB" dirty="0" err="1" smtClean="0"/>
+              <a:t>json</a:t>
+            </a:r>
+            <a:r>
+              <a:rPr lang="en-GB" dirty="0" smtClean="0"/>
+              <a:t> array with name exclude to specify the files to exclude when compiling</a:t>
+            </a:r>
+          </a:p>
+          <a:p>
+            <a:r>
+              <a:rPr lang="en-GB" dirty="0" smtClean="0"/>
+              <a:t>We can specify file </a:t>
+            </a:r>
+            <a:r>
+              <a:rPr lang="en-GB" dirty="0" err="1" smtClean="0"/>
+              <a:t>names,folder</a:t>
+            </a:r>
+            <a:r>
+              <a:rPr lang="en-GB" dirty="0" smtClean="0"/>
+              <a:t> names, a pattern with * wildcard like:</a:t>
+            </a:r>
+          </a:p>
+          <a:p>
+            <a:pPr lvl="1"/>
+            <a:r>
+              <a:rPr lang="en-GB" dirty="0" err="1" smtClean="0"/>
+              <a:t>App.ts</a:t>
+            </a:r>
+            <a:r>
+              <a:rPr lang="en-GB" dirty="0" smtClean="0"/>
+              <a:t> //exclude a file with name </a:t>
+            </a:r>
+            <a:r>
+              <a:rPr lang="en-GB" dirty="0" err="1" smtClean="0"/>
+              <a:t>app.ts</a:t>
+            </a:r>
+            <a:endParaRPr lang="en-GB" dirty="0" smtClean="0"/>
+          </a:p>
+          <a:p>
+            <a:pPr lvl="1"/>
+            <a:r>
+              <a:rPr lang="en-GB" dirty="0" smtClean="0"/>
+              <a:t>*.</a:t>
+            </a:r>
+            <a:r>
+              <a:rPr lang="en-GB" dirty="0" err="1" smtClean="0"/>
+              <a:t>dev.ts</a:t>
+            </a:r>
+            <a:r>
+              <a:rPr lang="en-GB" dirty="0" smtClean="0"/>
+              <a:t> //exclude all files that end with </a:t>
+            </a:r>
+            <a:r>
+              <a:rPr lang="en-GB" dirty="0" err="1" smtClean="0"/>
+              <a:t>dev.ts</a:t>
+            </a:r>
+            <a:endParaRPr lang="en-GB" dirty="0" smtClean="0"/>
+          </a:p>
+          <a:p>
+            <a:pPr lvl="1"/>
+            <a:r>
+              <a:rPr lang="en-GB" dirty="0" smtClean="0"/>
+              <a:t>**/*.</a:t>
+            </a:r>
+            <a:r>
+              <a:rPr lang="en-GB" dirty="0" err="1" smtClean="0"/>
+              <a:t>dev.ts</a:t>
+            </a:r>
+            <a:r>
+              <a:rPr lang="en-GB" dirty="0" smtClean="0"/>
+              <a:t> //exclude all files in a sub folder ending with *.</a:t>
+            </a:r>
+            <a:r>
+              <a:rPr lang="en-GB" dirty="0" err="1" smtClean="0"/>
+              <a:t>dev.ts</a:t>
+            </a:r>
+            <a:endParaRPr lang="en-GB" dirty="0" smtClean="0"/>
+          </a:p>
+          <a:p>
+            <a:pPr lvl="1"/>
+            <a:r>
+              <a:rPr lang="en-GB" dirty="0" err="1" smtClean="0"/>
+              <a:t>node_modules</a:t>
+            </a:r>
+            <a:r>
+              <a:rPr lang="en-GB" dirty="0" smtClean="0"/>
+              <a:t> //exclude all files under folder </a:t>
+            </a:r>
+            <a:r>
+              <a:rPr lang="en-GB" dirty="0" err="1" smtClean="0"/>
+              <a:t>node_modules</a:t>
+            </a:r>
+            <a:endParaRPr lang="en-GB" dirty="0" smtClean="0"/>
+          </a:p>
+          <a:p>
+            <a:pPr lvl="1"/>
+            <a:r>
+              <a:rPr lang="en-GB" dirty="0" err="1" smtClean="0"/>
+              <a:t>Node_modules</a:t>
+            </a:r>
+            <a:r>
+              <a:rPr lang="en-GB" dirty="0" smtClean="0"/>
+              <a:t> is something that is excluded by default</a:t>
+            </a:r>
+          </a:p>
+          <a:p>
+            <a:r>
+              <a:rPr lang="en-GB" dirty="0" smtClean="0"/>
+              <a:t>We can similarly create an include  array where we can in the same way add files to include for compilation</a:t>
+            </a:r>
+          </a:p>
+          <a:p>
+            <a:r>
+              <a:rPr lang="en-GB" dirty="0" err="1" smtClean="0"/>
+              <a:t>Tsc</a:t>
+            </a:r>
+            <a:r>
+              <a:rPr lang="en-GB" dirty="0" smtClean="0"/>
+              <a:t> usually follows the patters include – exclude so if we specify a file in both include and exclude it will eventually be excluded</a:t>
+            </a:r>
+          </a:p>
+          <a:p>
+            <a:r>
+              <a:rPr lang="en-GB" dirty="0" smtClean="0"/>
+              <a:t>We can also specify an array with name files this works like include with only difference that it only takes file names no paths.</a:t>
+            </a:r>
+            <a:endParaRPr lang="en-GB" dirty="0"/>
+          </a:p>
+          <a:p>
+            <a:endParaRPr lang="en-GB" dirty="0" smtClean="0"/>
+          </a:p>
+          <a:p>
+            <a:endParaRPr lang="en-GB" dirty="0"/>
           </a:p>
         </p:txBody>
       </p:sp>
     </p:spTree>
     <p:extLst>
       <p:ext uri="{BB962C8B-B14F-4D97-AF65-F5344CB8AC3E}">
-        <p14:creationId xmlns:p14="http://schemas.microsoft.com/office/powerpoint/2010/main" val="3977684842"/>
+        <p14:creationId xmlns:p14="http://schemas.microsoft.com/office/powerpoint/2010/main" val="1071913969"/>
+      </p:ext>
+    </p:extLst>
+  </p:cSld>
+  <p:clrMapOvr>
+    <a:masterClrMapping/>
+  </p:clrMapOvr>
+  <p:timing>
+    <p:tnLst>
+      <p:par>
+        <p:cTn id="1" dur="indefinite" restart="never" nodeType="tmRoot"/>
+      </p:par>
+    </p:tnLst>
+  </p:timing>
+</p:sld>
+</file>
+
+<file path=ppt/slides/slide29.xml><?xml version="1.0" encoding="utf-8"?>
+<p:sld xmlns:a="http://schemas.openxmlformats.org/drawingml/2006/main" xmlns:r="http://schemas.openxmlformats.org/officeDocument/2006/relationships" xmlns:p="http://schemas.openxmlformats.org/presentationml/2006/main">
+  <p:cSld>
+    <p:spTree>
+      <p:nvGrpSpPr>
+        <p:cNvPr id="1" name=""/>
+        <p:cNvGrpSpPr/>
+        <p:nvPr/>
+      </p:nvGrpSpPr>
+      <p:grpSpPr>
+        <a:xfrm>
+          <a:off x="0" y="0"/>
+          <a:ext cx="0" cy="0"/>
+          <a:chOff x="0" y="0"/>
+          <a:chExt cx="0" cy="0"/>
+        </a:xfrm>
+      </p:grpSpPr>
+      <p:sp>
+        <p:nvSpPr>
+          <p:cNvPr id="2" name="Title 1"/>
+          <p:cNvSpPr>
+            <a:spLocks noGrp="1"/>
+          </p:cNvSpPr>
+          <p:nvPr>
+            <p:ph type="title"/>
+          </p:nvPr>
+        </p:nvSpPr>
+        <p:spPr>
+          <a:xfrm>
+            <a:off x="39692" y="90310"/>
+            <a:ext cx="9234310" cy="745067"/>
+          </a:xfrm>
+        </p:spPr>
+        <p:txBody>
+          <a:bodyPr>
+            <a:normAutofit/>
+          </a:bodyPr>
+          <a:lstStyle/>
+          <a:p>
+            <a:r>
+              <a:rPr lang="en-GB" dirty="0" err="1" smtClean="0"/>
+              <a:t>Tsc</a:t>
+            </a:r>
+            <a:r>
+              <a:rPr lang="en-GB" dirty="0" smtClean="0"/>
+              <a:t> </a:t>
+            </a:r>
+            <a:r>
+              <a:rPr lang="en-GB" dirty="0" err="1" smtClean="0"/>
+              <a:t>Conf</a:t>
+            </a:r>
+            <a:r>
+              <a:rPr lang="en-GB" dirty="0" smtClean="0"/>
+              <a:t> –Setting a compilation target</a:t>
+            </a:r>
+            <a:endParaRPr lang="en-GB" dirty="0"/>
+          </a:p>
+        </p:txBody>
+      </p:sp>
+      <p:sp>
+        <p:nvSpPr>
+          <p:cNvPr id="3" name="Content Placeholder 2"/>
+          <p:cNvSpPr>
+            <a:spLocks noGrp="1"/>
+          </p:cNvSpPr>
+          <p:nvPr>
+            <p:ph idx="1"/>
+          </p:nvPr>
+        </p:nvSpPr>
+        <p:spPr>
+          <a:xfrm>
+            <a:off x="282222" y="835377"/>
+            <a:ext cx="8991780" cy="5892801"/>
+          </a:xfrm>
+        </p:spPr>
+        <p:txBody>
+          <a:bodyPr/>
+          <a:lstStyle/>
+          <a:p>
+            <a:r>
+              <a:rPr lang="en-GB" dirty="0" smtClean="0"/>
+              <a:t>To specify the </a:t>
+            </a:r>
+            <a:r>
+              <a:rPr lang="en-GB" dirty="0" err="1" smtClean="0"/>
+              <a:t>ecma</a:t>
+            </a:r>
+            <a:r>
+              <a:rPr lang="en-GB" dirty="0" smtClean="0"/>
+              <a:t> script target version </a:t>
+            </a:r>
+            <a:r>
+              <a:rPr lang="en-GB" dirty="0" err="1" smtClean="0"/>
+              <a:t>ie</a:t>
+            </a:r>
+            <a:r>
+              <a:rPr lang="en-GB" dirty="0" smtClean="0"/>
+              <a:t> which version of </a:t>
+            </a:r>
+            <a:r>
+              <a:rPr lang="en-GB" dirty="0" err="1" smtClean="0"/>
+              <a:t>js</a:t>
+            </a:r>
+            <a:r>
+              <a:rPr lang="en-GB" dirty="0" smtClean="0"/>
+              <a:t> the </a:t>
+            </a:r>
+            <a:r>
+              <a:rPr lang="en-GB" dirty="0" err="1" smtClean="0"/>
+              <a:t>ts</a:t>
+            </a:r>
+            <a:r>
+              <a:rPr lang="en-GB" dirty="0" smtClean="0"/>
+              <a:t> file will be compiled to we can use the target property in compiler options</a:t>
+            </a:r>
+          </a:p>
+          <a:p>
+            <a:r>
+              <a:rPr lang="en-GB" dirty="0" smtClean="0"/>
+              <a:t>Ts uses a lot of modern feature which may or may not be supported by all the browsers yet or may not be supported in older browsers </a:t>
+            </a:r>
+          </a:p>
+          <a:p>
+            <a:r>
+              <a:rPr lang="en-GB" dirty="0" smtClean="0"/>
+              <a:t>So we need to provide this option keeping in mind the target audience for our </a:t>
+            </a:r>
+            <a:r>
+              <a:rPr lang="en-GB" dirty="0" err="1" smtClean="0"/>
+              <a:t>app,if</a:t>
+            </a:r>
+            <a:r>
+              <a:rPr lang="en-GB" dirty="0" smtClean="0"/>
+              <a:t> we are sure our app will run on modern browsers we can set it to more recent version and </a:t>
+            </a:r>
+            <a:r>
+              <a:rPr lang="en-GB" dirty="0" err="1" smtClean="0"/>
+              <a:t>tsc</a:t>
+            </a:r>
+            <a:r>
+              <a:rPr lang="en-GB" dirty="0" smtClean="0"/>
+              <a:t> would have to do less compilation as many features will be available and less workarounds for non existing features need to be done.</a:t>
+            </a:r>
+          </a:p>
+          <a:p>
+            <a:r>
+              <a:rPr lang="en-GB" dirty="0" smtClean="0"/>
+              <a:t>For example es5 doesn’t know about let and </a:t>
+            </a:r>
+            <a:r>
+              <a:rPr lang="en-GB" dirty="0" err="1" smtClean="0"/>
+              <a:t>const</a:t>
+            </a:r>
+            <a:r>
+              <a:rPr lang="en-GB" dirty="0" smtClean="0"/>
+              <a:t> so if we compile a </a:t>
+            </a:r>
+            <a:r>
+              <a:rPr lang="en-GB" dirty="0" err="1" smtClean="0"/>
+              <a:t>ts</a:t>
+            </a:r>
+            <a:r>
+              <a:rPr lang="en-GB" dirty="0" smtClean="0"/>
+              <a:t> file with let and </a:t>
+            </a:r>
+            <a:r>
+              <a:rPr lang="en-GB" dirty="0" err="1" smtClean="0"/>
+              <a:t>const</a:t>
+            </a:r>
+            <a:r>
+              <a:rPr lang="en-GB" dirty="0" smtClean="0"/>
+              <a:t> to es6 version it will be replaced by </a:t>
+            </a:r>
+            <a:r>
+              <a:rPr lang="en-GB" dirty="0" err="1" smtClean="0"/>
+              <a:t>var</a:t>
+            </a:r>
+            <a:endParaRPr lang="en-GB" dirty="0" smtClean="0"/>
+          </a:p>
+          <a:p>
+            <a:r>
+              <a:rPr lang="en-GB" dirty="0" smtClean="0"/>
+              <a:t>Es6 on the other hand knows about let and </a:t>
+            </a:r>
+            <a:r>
+              <a:rPr lang="en-GB" dirty="0" err="1" smtClean="0"/>
+              <a:t>const</a:t>
+            </a:r>
+            <a:r>
+              <a:rPr lang="en-GB" dirty="0" smtClean="0"/>
+              <a:t> so if we compile our </a:t>
+            </a:r>
+            <a:r>
+              <a:rPr lang="en-GB" dirty="0" err="1" smtClean="0"/>
+              <a:t>ts</a:t>
+            </a:r>
+            <a:r>
+              <a:rPr lang="en-GB" dirty="0" smtClean="0"/>
+              <a:t> file to es6 code let and </a:t>
+            </a:r>
+            <a:r>
+              <a:rPr lang="en-GB" dirty="0" err="1" smtClean="0"/>
+              <a:t>const</a:t>
+            </a:r>
+            <a:r>
+              <a:rPr lang="en-GB" dirty="0" smtClean="0"/>
+              <a:t> will not be converted to </a:t>
+            </a:r>
+            <a:r>
+              <a:rPr lang="en-GB" dirty="0" err="1" smtClean="0"/>
+              <a:t>var</a:t>
+            </a:r>
+            <a:endParaRPr lang="en-GB" dirty="0" smtClean="0"/>
+          </a:p>
+          <a:p>
+            <a:r>
+              <a:rPr lang="en-GB" dirty="0" smtClean="0"/>
+              <a:t>Note es6 is equivalent to es2015 and es2020 is the current version as on 5/6/2020</a:t>
+            </a:r>
+          </a:p>
+          <a:p>
+            <a:endParaRPr lang="en-GB" dirty="0" smtClean="0"/>
+          </a:p>
+        </p:txBody>
+      </p:sp>
+    </p:spTree>
+    <p:extLst>
+      <p:ext uri="{BB962C8B-B14F-4D97-AF65-F5344CB8AC3E}">
+        <p14:creationId xmlns:p14="http://schemas.microsoft.com/office/powerpoint/2010/main" val="451134690"/>
       </p:ext>
     </p:extLst>
   </p:cSld>
@@ -23160,6 +26125,3127 @@
       <p:bldP spid="13" grpId="0" animBg="1"/>
     </p:bldLst>
   </p:timing>
+</p:sld>
+</file>
+
+<file path=ppt/slides/slide30.xml><?xml version="1.0" encoding="utf-8"?>
+<p:sld xmlns:a="http://schemas.openxmlformats.org/drawingml/2006/main" xmlns:r="http://schemas.openxmlformats.org/officeDocument/2006/relationships" xmlns:p="http://schemas.openxmlformats.org/presentationml/2006/main">
+  <p:cSld>
+    <p:spTree>
+      <p:nvGrpSpPr>
+        <p:cNvPr id="1" name=""/>
+        <p:cNvGrpSpPr/>
+        <p:nvPr/>
+      </p:nvGrpSpPr>
+      <p:grpSpPr>
+        <a:xfrm>
+          <a:off x="0" y="0"/>
+          <a:ext cx="0" cy="0"/>
+          <a:chOff x="0" y="0"/>
+          <a:chExt cx="0" cy="0"/>
+        </a:xfrm>
+      </p:grpSpPr>
+      <p:sp>
+        <p:nvSpPr>
+          <p:cNvPr id="2" name="Title 1"/>
+          <p:cNvSpPr>
+            <a:spLocks noGrp="1"/>
+          </p:cNvSpPr>
+          <p:nvPr>
+            <p:ph type="title"/>
+          </p:nvPr>
+        </p:nvSpPr>
+        <p:spPr>
+          <a:xfrm>
+            <a:off x="39692" y="90310"/>
+            <a:ext cx="9234310" cy="745067"/>
+          </a:xfrm>
+        </p:spPr>
+        <p:txBody>
+          <a:bodyPr>
+            <a:normAutofit/>
+          </a:bodyPr>
+          <a:lstStyle/>
+          <a:p>
+            <a:r>
+              <a:rPr lang="en-GB" dirty="0" err="1" smtClean="0"/>
+              <a:t>Tsc</a:t>
+            </a:r>
+            <a:r>
+              <a:rPr lang="en-GB" dirty="0" smtClean="0"/>
+              <a:t> </a:t>
+            </a:r>
+            <a:r>
+              <a:rPr lang="en-GB" dirty="0" err="1" smtClean="0"/>
+              <a:t>Conf</a:t>
+            </a:r>
+            <a:r>
+              <a:rPr lang="en-GB" dirty="0" smtClean="0"/>
+              <a:t> –Ts core libs</a:t>
+            </a:r>
+            <a:endParaRPr lang="en-GB" dirty="0"/>
+          </a:p>
+        </p:txBody>
+      </p:sp>
+      <p:sp>
+        <p:nvSpPr>
+          <p:cNvPr id="3" name="Content Placeholder 2"/>
+          <p:cNvSpPr>
+            <a:spLocks noGrp="1"/>
+          </p:cNvSpPr>
+          <p:nvPr>
+            <p:ph idx="1"/>
+          </p:nvPr>
+        </p:nvSpPr>
+        <p:spPr>
+          <a:xfrm>
+            <a:off x="282221" y="835377"/>
+            <a:ext cx="10600267" cy="5892801"/>
+          </a:xfrm>
+        </p:spPr>
+        <p:txBody>
+          <a:bodyPr/>
+          <a:lstStyle/>
+          <a:p>
+            <a:r>
+              <a:rPr lang="en-GB" dirty="0" smtClean="0"/>
+              <a:t>Lib option in </a:t>
+            </a:r>
+            <a:r>
+              <a:rPr lang="en-GB" dirty="0" err="1" smtClean="0"/>
+              <a:t>tsconfig</a:t>
+            </a:r>
+            <a:r>
+              <a:rPr lang="en-GB" dirty="0" smtClean="0"/>
+              <a:t> is used to specify which objects </a:t>
+            </a:r>
+            <a:r>
+              <a:rPr lang="en-GB" dirty="0" err="1" smtClean="0"/>
+              <a:t>ts</a:t>
+            </a:r>
+            <a:r>
+              <a:rPr lang="en-GB" dirty="0" smtClean="0"/>
+              <a:t> is already aware of like the dom.</a:t>
+            </a:r>
+          </a:p>
+          <a:p>
+            <a:r>
+              <a:rPr lang="en-GB" dirty="0" smtClean="0"/>
+              <a:t>For example we write </a:t>
+            </a:r>
+          </a:p>
+          <a:p>
+            <a:pPr marL="457200" lvl="1" indent="0">
+              <a:buNone/>
+            </a:pPr>
+            <a:r>
+              <a:rPr lang="en-GB" dirty="0" err="1" smtClean="0"/>
+              <a:t>const</a:t>
+            </a:r>
+            <a:r>
+              <a:rPr lang="en-GB" dirty="0" smtClean="0"/>
+              <a:t> button = </a:t>
+            </a:r>
+            <a:r>
+              <a:rPr lang="en-GB" dirty="0" err="1" smtClean="0"/>
+              <a:t>document.querySelector</a:t>
+            </a:r>
+            <a:r>
+              <a:rPr lang="en-GB" dirty="0" smtClean="0"/>
+              <a:t>(‘button’);</a:t>
+            </a:r>
+          </a:p>
+          <a:p>
+            <a:pPr marL="457200" lvl="1" indent="0">
+              <a:buNone/>
+            </a:pPr>
+            <a:r>
+              <a:rPr lang="en-GB" dirty="0" err="1" smtClean="0"/>
+              <a:t>Button.addEventListener</a:t>
+            </a:r>
+            <a:r>
+              <a:rPr lang="en-GB" dirty="0" smtClean="0"/>
+              <a:t>(‘click’,() =&gt;{</a:t>
+            </a:r>
+          </a:p>
+          <a:p>
+            <a:pPr marL="457200" lvl="1" indent="0">
+              <a:buNone/>
+            </a:pPr>
+            <a:r>
+              <a:rPr lang="en-GB" dirty="0" smtClean="0"/>
+              <a:t>Console.log(‘clicked!!!’)</a:t>
+            </a:r>
+            <a:endParaRPr lang="en-GB" dirty="0"/>
+          </a:p>
+          <a:p>
+            <a:pPr marL="457200" lvl="1" indent="0">
+              <a:buNone/>
+            </a:pPr>
+            <a:r>
+              <a:rPr lang="en-GB" dirty="0" smtClean="0"/>
+              <a:t>})</a:t>
+            </a:r>
+          </a:p>
+          <a:p>
+            <a:r>
+              <a:rPr lang="en-IN" dirty="0"/>
+              <a:t>T</a:t>
+            </a:r>
+            <a:r>
+              <a:rPr lang="en-IN" dirty="0" smtClean="0"/>
+              <a:t>s</a:t>
+            </a:r>
+            <a:r>
+              <a:rPr lang="en-IN" dirty="0"/>
+              <a:t> would give an error here that button might be null to solve it </a:t>
+            </a:r>
+            <a:r>
+              <a:rPr lang="en-IN" dirty="0" smtClean="0"/>
+              <a:t>temporarily we</a:t>
+            </a:r>
+            <a:r>
+              <a:rPr lang="en-IN" dirty="0"/>
+              <a:t> add an ! in </a:t>
+            </a:r>
+            <a:r>
+              <a:rPr lang="en-IN" dirty="0" smtClean="0"/>
+              <a:t>the</a:t>
+            </a:r>
+            <a:r>
+              <a:rPr lang="en-IN" dirty="0"/>
+              <a:t> line </a:t>
+            </a:r>
+            <a:endParaRPr lang="en-IN" dirty="0" smtClean="0"/>
+          </a:p>
+          <a:p>
+            <a:pPr marL="0" indent="0">
+              <a:buNone/>
+            </a:pPr>
+            <a:r>
+              <a:rPr lang="en-GB" dirty="0" smtClean="0"/>
+              <a:t>		</a:t>
+            </a:r>
+            <a:r>
+              <a:rPr lang="en-GB" dirty="0" err="1" smtClean="0"/>
+              <a:t>const</a:t>
+            </a:r>
+            <a:r>
+              <a:rPr lang="en-GB" dirty="0" smtClean="0"/>
+              <a:t> </a:t>
+            </a:r>
+            <a:r>
+              <a:rPr lang="en-GB" dirty="0"/>
+              <a:t>button = </a:t>
+            </a:r>
+            <a:r>
+              <a:rPr lang="en-GB" dirty="0" err="1"/>
+              <a:t>document.querySelector</a:t>
+            </a:r>
+            <a:r>
+              <a:rPr lang="en-GB" dirty="0"/>
+              <a:t>(‘button</a:t>
+            </a:r>
+            <a:r>
+              <a:rPr lang="en-GB" dirty="0" smtClean="0"/>
+              <a:t>’)!; </a:t>
+            </a:r>
+          </a:p>
+          <a:p>
+            <a:pPr marL="0" indent="0">
+              <a:buNone/>
+            </a:pPr>
+            <a:r>
+              <a:rPr lang="en-IN" dirty="0" smtClean="0"/>
+              <a:t>	to</a:t>
+            </a:r>
+            <a:r>
+              <a:rPr lang="en-IN" dirty="0"/>
+              <a:t> tell </a:t>
+            </a:r>
+            <a:r>
+              <a:rPr lang="en-IN" dirty="0" err="1"/>
+              <a:t>ts</a:t>
+            </a:r>
+            <a:r>
+              <a:rPr lang="en-IN" dirty="0"/>
+              <a:t> that a button will exist </a:t>
+            </a:r>
+            <a:endParaRPr lang="en-IN" dirty="0" smtClean="0"/>
+          </a:p>
+          <a:p>
+            <a:r>
+              <a:rPr lang="en-IN" dirty="0" smtClean="0"/>
+              <a:t>But</a:t>
+            </a:r>
+            <a:r>
+              <a:rPr lang="en-IN" dirty="0"/>
+              <a:t> how does </a:t>
+            </a:r>
+            <a:r>
+              <a:rPr lang="en-IN" dirty="0" err="1"/>
+              <a:t>ts</a:t>
+            </a:r>
+            <a:r>
+              <a:rPr lang="en-IN" dirty="0"/>
+              <a:t> know that document will exist  and it has a method </a:t>
+            </a:r>
+            <a:r>
+              <a:rPr lang="en-IN" dirty="0" err="1"/>
+              <a:t>querySelector</a:t>
+            </a:r>
+            <a:r>
+              <a:rPr lang="en-IN" dirty="0"/>
+              <a:t>() we can argue that vanilla </a:t>
+            </a:r>
+            <a:r>
+              <a:rPr lang="en-IN" dirty="0" err="1"/>
+              <a:t>js</a:t>
+            </a:r>
+            <a:r>
+              <a:rPr lang="en-IN" dirty="0"/>
+              <a:t> knows </a:t>
+            </a:r>
+            <a:r>
+              <a:rPr lang="en-IN" dirty="0" smtClean="0"/>
+              <a:t>this but</a:t>
+            </a:r>
+            <a:r>
+              <a:rPr lang="en-IN" dirty="0"/>
+              <a:t> we can write </a:t>
+            </a:r>
+            <a:r>
+              <a:rPr lang="en-IN" dirty="0" err="1"/>
+              <a:t>nodejs</a:t>
+            </a:r>
+            <a:r>
+              <a:rPr lang="en-IN" dirty="0"/>
+              <a:t> code  in </a:t>
+            </a:r>
+            <a:r>
+              <a:rPr lang="en-IN" dirty="0" err="1"/>
+              <a:t>ts</a:t>
+            </a:r>
+            <a:r>
+              <a:rPr lang="en-IN" dirty="0"/>
+              <a:t> and  </a:t>
+            </a:r>
+            <a:r>
+              <a:rPr lang="en-IN" dirty="0" smtClean="0"/>
+              <a:t>document </a:t>
+            </a:r>
+            <a:r>
+              <a:rPr lang="en-IN" dirty="0" err="1" smtClean="0"/>
+              <a:t>doesnt</a:t>
+            </a:r>
+            <a:r>
+              <a:rPr lang="en-IN" dirty="0"/>
+              <a:t> exist there </a:t>
+            </a:r>
+            <a:r>
+              <a:rPr lang="en-IN" dirty="0" err="1"/>
+              <a:t>ts</a:t>
+            </a:r>
+            <a:r>
+              <a:rPr lang="en-IN" dirty="0"/>
+              <a:t> knows about it by the lib option in </a:t>
+            </a:r>
+            <a:r>
+              <a:rPr lang="en-IN" dirty="0" err="1" smtClean="0"/>
+              <a:t>tsconfig</a:t>
+            </a:r>
+            <a:r>
+              <a:rPr lang="en-IN" dirty="0" smtClean="0"/>
+              <a:t>.</a:t>
+            </a:r>
+          </a:p>
+          <a:p>
+            <a:r>
+              <a:rPr lang="en-IN" dirty="0" smtClean="0"/>
+              <a:t>Lib option is by default commented and when it is commented the objects that </a:t>
+            </a:r>
+            <a:r>
+              <a:rPr lang="en-IN" dirty="0" err="1" smtClean="0"/>
+              <a:t>ts</a:t>
+            </a:r>
+            <a:r>
+              <a:rPr lang="en-IN" dirty="0" smtClean="0"/>
+              <a:t> knows about depends on the  target option for example for es6 all the objects that are globally available in es6 are available like document ,Map </a:t>
+            </a:r>
+            <a:r>
+              <a:rPr lang="en-IN" dirty="0" err="1" smtClean="0"/>
+              <a:t>etc</a:t>
+            </a:r>
+            <a:endParaRPr lang="en-IN" dirty="0" smtClean="0"/>
+          </a:p>
+          <a:p>
+            <a:endParaRPr lang="en-GB" dirty="0" smtClean="0"/>
+          </a:p>
+        </p:txBody>
+      </p:sp>
+    </p:spTree>
+    <p:extLst>
+      <p:ext uri="{BB962C8B-B14F-4D97-AF65-F5344CB8AC3E}">
+        <p14:creationId xmlns:p14="http://schemas.microsoft.com/office/powerpoint/2010/main" val="2395135652"/>
+      </p:ext>
+    </p:extLst>
+  </p:cSld>
+  <p:clrMapOvr>
+    <a:masterClrMapping/>
+  </p:clrMapOvr>
+  <p:timing>
+    <p:tnLst>
+      <p:par>
+        <p:cTn id="1" dur="indefinite" restart="never" nodeType="tmRoot"/>
+      </p:par>
+    </p:tnLst>
+  </p:timing>
+</p:sld>
+</file>
+
+<file path=ppt/slides/slide31.xml><?xml version="1.0" encoding="utf-8"?>
+<p:sld xmlns:a="http://schemas.openxmlformats.org/drawingml/2006/main" xmlns:r="http://schemas.openxmlformats.org/officeDocument/2006/relationships" xmlns:p="http://schemas.openxmlformats.org/presentationml/2006/main">
+  <p:cSld>
+    <p:spTree>
+      <p:nvGrpSpPr>
+        <p:cNvPr id="1" name=""/>
+        <p:cNvGrpSpPr/>
+        <p:nvPr/>
+      </p:nvGrpSpPr>
+      <p:grpSpPr>
+        <a:xfrm>
+          <a:off x="0" y="0"/>
+          <a:ext cx="0" cy="0"/>
+          <a:chOff x="0" y="0"/>
+          <a:chExt cx="0" cy="0"/>
+        </a:xfrm>
+      </p:grpSpPr>
+      <p:sp>
+        <p:nvSpPr>
+          <p:cNvPr id="2" name="Title 1"/>
+          <p:cNvSpPr>
+            <a:spLocks noGrp="1"/>
+          </p:cNvSpPr>
+          <p:nvPr>
+            <p:ph type="title"/>
+          </p:nvPr>
+        </p:nvSpPr>
+        <p:spPr>
+          <a:xfrm>
+            <a:off x="39692" y="90310"/>
+            <a:ext cx="9234310" cy="745067"/>
+          </a:xfrm>
+        </p:spPr>
+        <p:txBody>
+          <a:bodyPr>
+            <a:normAutofit/>
+          </a:bodyPr>
+          <a:lstStyle/>
+          <a:p>
+            <a:r>
+              <a:rPr lang="en-GB" dirty="0" err="1" smtClean="0"/>
+              <a:t>Tsc</a:t>
+            </a:r>
+            <a:r>
+              <a:rPr lang="en-GB" dirty="0" smtClean="0"/>
+              <a:t> </a:t>
+            </a:r>
+            <a:r>
+              <a:rPr lang="en-GB" dirty="0" err="1" smtClean="0"/>
+              <a:t>Conf</a:t>
+            </a:r>
+            <a:r>
+              <a:rPr lang="en-GB" dirty="0" smtClean="0"/>
+              <a:t> –Ts core </a:t>
+            </a:r>
+            <a:r>
+              <a:rPr lang="en-GB" dirty="0" smtClean="0"/>
+              <a:t>libs </a:t>
+            </a:r>
+            <a:r>
+              <a:rPr lang="en-GB" dirty="0" err="1" smtClean="0"/>
+              <a:t>cont</a:t>
+            </a:r>
+            <a:r>
+              <a:rPr lang="en-GB" dirty="0" smtClean="0"/>
+              <a:t> …</a:t>
+            </a:r>
+            <a:endParaRPr lang="en-GB" dirty="0"/>
+          </a:p>
+        </p:txBody>
+      </p:sp>
+      <p:sp>
+        <p:nvSpPr>
+          <p:cNvPr id="3" name="Content Placeholder 2"/>
+          <p:cNvSpPr>
+            <a:spLocks noGrp="1"/>
+          </p:cNvSpPr>
+          <p:nvPr>
+            <p:ph idx="1"/>
+          </p:nvPr>
+        </p:nvSpPr>
+        <p:spPr>
+          <a:xfrm>
+            <a:off x="372532" y="835377"/>
+            <a:ext cx="10600267" cy="6022623"/>
+          </a:xfrm>
+        </p:spPr>
+        <p:txBody>
+          <a:bodyPr>
+            <a:normAutofit fontScale="85000" lnSpcReduction="10000"/>
+          </a:bodyPr>
+          <a:lstStyle/>
+          <a:p>
+            <a:r>
+              <a:rPr lang="en-GB" dirty="0" smtClean="0"/>
+              <a:t>If we un comment the lib option we would need to provide the list of available libs else </a:t>
+            </a:r>
+            <a:r>
+              <a:rPr lang="en-GB" dirty="0" err="1" smtClean="0"/>
+              <a:t>ts</a:t>
+            </a:r>
+            <a:r>
+              <a:rPr lang="en-GB" dirty="0" smtClean="0"/>
+              <a:t> will not work</a:t>
+            </a:r>
+          </a:p>
+          <a:p>
+            <a:r>
+              <a:rPr lang="en-GB" dirty="0" smtClean="0"/>
+              <a:t>Lib is an array </a:t>
+            </a:r>
+            <a:r>
+              <a:rPr lang="en-IN" dirty="0" smtClean="0"/>
+              <a:t>Possible values for lib :</a:t>
+            </a:r>
+          </a:p>
+          <a:p>
+            <a:pPr marL="0" indent="0">
+              <a:buNone/>
+            </a:pPr>
+            <a:endParaRPr lang="en-IN" dirty="0" smtClean="0"/>
+          </a:p>
+          <a:p>
+            <a:pPr marL="0" indent="0">
+              <a:buNone/>
+            </a:pPr>
+            <a:endParaRPr lang="en-IN" dirty="0"/>
+          </a:p>
+          <a:p>
+            <a:pPr marL="0" indent="0">
+              <a:buNone/>
+            </a:pPr>
+            <a:endParaRPr lang="en-IN" dirty="0" smtClean="0"/>
+          </a:p>
+          <a:p>
+            <a:pPr marL="0" indent="0">
+              <a:buNone/>
+            </a:pPr>
+            <a:endParaRPr lang="en-IN" dirty="0"/>
+          </a:p>
+          <a:p>
+            <a:pPr marL="0" indent="0">
+              <a:buNone/>
+            </a:pPr>
+            <a:endParaRPr lang="en-IN" dirty="0" smtClean="0"/>
+          </a:p>
+          <a:p>
+            <a:pPr marL="0" indent="0">
+              <a:buNone/>
+            </a:pPr>
+            <a:endParaRPr lang="en-IN" dirty="0"/>
+          </a:p>
+          <a:p>
+            <a:pPr marL="0" indent="0">
+              <a:buNone/>
+            </a:pPr>
+            <a:endParaRPr lang="en-IN" dirty="0" smtClean="0"/>
+          </a:p>
+          <a:p>
+            <a:pPr marL="0" indent="0">
+              <a:buNone/>
+            </a:pPr>
+            <a:endParaRPr lang="en-IN" dirty="0" smtClean="0"/>
+          </a:p>
+          <a:p>
+            <a:pPr marL="0" indent="0">
+              <a:buNone/>
+            </a:pPr>
+            <a:endParaRPr lang="en-IN" dirty="0"/>
+          </a:p>
+          <a:p>
+            <a:pPr marL="0" indent="0">
+              <a:buNone/>
+            </a:pPr>
+            <a:endParaRPr lang="en-IN" dirty="0" smtClean="0"/>
+          </a:p>
+          <a:p>
+            <a:pPr marL="0" indent="0">
+              <a:buNone/>
+            </a:pPr>
+            <a:endParaRPr lang="en-IN" dirty="0"/>
+          </a:p>
+          <a:p>
+            <a:pPr marL="0" indent="0">
+              <a:buNone/>
+            </a:pPr>
+            <a:endParaRPr lang="en-IN" dirty="0" smtClean="0"/>
+          </a:p>
+          <a:p>
+            <a:pPr marL="0" indent="0">
+              <a:buNone/>
+            </a:pPr>
+            <a:r>
+              <a:rPr lang="en-IN" dirty="0"/>
+              <a:t>Note: If --lib is not specified a default list of libraries are injected. The default libraries injected are:</a:t>
+            </a:r>
+          </a:p>
+          <a:p>
+            <a:pPr marL="0" indent="0">
+              <a:buNone/>
+            </a:pPr>
+            <a:r>
+              <a:rPr lang="en-IN" dirty="0"/>
+              <a:t>For --target ES5: DOM,ES5,ScriptHost</a:t>
+            </a:r>
+          </a:p>
+          <a:p>
+            <a:pPr marL="0" indent="0">
+              <a:buNone/>
+            </a:pPr>
+            <a:r>
+              <a:rPr lang="en-IN" dirty="0"/>
+              <a:t>For --target ES6: </a:t>
+            </a:r>
+            <a:r>
+              <a:rPr lang="en-IN" dirty="0" smtClean="0"/>
+              <a:t>DOM,ES6,DOM.Iterable,ScriptHost</a:t>
+            </a:r>
+          </a:p>
+          <a:p>
+            <a:pPr marL="0" indent="0">
+              <a:buNone/>
+            </a:pPr>
+            <a:r>
+              <a:rPr lang="en-IN" dirty="0" smtClean="0"/>
+              <a:t>More details available at </a:t>
+            </a:r>
+            <a:r>
+              <a:rPr lang="en-IN" dirty="0" smtClean="0">
+                <a:hlinkClick r:id="rId3"/>
+              </a:rPr>
+              <a:t>Official docs</a:t>
+            </a:r>
+            <a:endParaRPr lang="en-IN" dirty="0" smtClean="0"/>
+          </a:p>
+          <a:p>
+            <a:pPr marL="0" indent="0">
+              <a:buNone/>
+            </a:pPr>
+            <a:endParaRPr lang="en-GB" dirty="0" smtClean="0"/>
+          </a:p>
+        </p:txBody>
+      </p:sp>
+      <p:sp>
+        <p:nvSpPr>
+          <p:cNvPr id="6" name="Rectangle 5"/>
+          <p:cNvSpPr/>
+          <p:nvPr/>
+        </p:nvSpPr>
+        <p:spPr>
+          <a:xfrm>
+            <a:off x="485421" y="1580444"/>
+            <a:ext cx="2494845" cy="3781778"/>
+          </a:xfrm>
+          <a:prstGeom prst="rect">
+            <a:avLst/>
+          </a:prstGeom>
+          <a:solidFill>
+            <a:srgbClr val="D1B3E7"/>
+          </a:solidFill>
+        </p:spPr>
+        <p:style>
+          <a:lnRef idx="2">
+            <a:schemeClr val="accent1">
+              <a:shade val="50000"/>
+            </a:schemeClr>
+          </a:lnRef>
+          <a:fillRef idx="1">
+            <a:schemeClr val="accent1"/>
+          </a:fillRef>
+          <a:effectRef idx="0">
+            <a:schemeClr val="accent1"/>
+          </a:effectRef>
+          <a:fontRef idx="minor">
+            <a:schemeClr val="lt1"/>
+          </a:fontRef>
+        </p:style>
+        <p:txBody>
+          <a:bodyPr rtlCol="0" anchor="ctr"/>
+          <a:lstStyle/>
+          <a:p>
+            <a:pPr algn="ctr"/>
+            <a:r>
+              <a:rPr lang="es-ES" dirty="0">
+                <a:solidFill>
+                  <a:srgbClr val="7030A0"/>
+                </a:solidFill>
+              </a:rPr>
+              <a:t>ES5</a:t>
+            </a:r>
+          </a:p>
+          <a:p>
+            <a:pPr algn="ctr"/>
+            <a:r>
+              <a:rPr lang="es-ES" dirty="0">
+                <a:solidFill>
+                  <a:srgbClr val="7030A0"/>
+                </a:solidFill>
+              </a:rPr>
+              <a:t>ES6</a:t>
+            </a:r>
+          </a:p>
+          <a:p>
+            <a:pPr algn="ctr"/>
+            <a:r>
+              <a:rPr lang="es-ES" dirty="0">
+                <a:solidFill>
+                  <a:srgbClr val="7030A0"/>
+                </a:solidFill>
+              </a:rPr>
+              <a:t>ES2015</a:t>
+            </a:r>
+          </a:p>
+          <a:p>
+            <a:pPr algn="ctr"/>
+            <a:r>
+              <a:rPr lang="es-ES" dirty="0">
+                <a:solidFill>
+                  <a:srgbClr val="7030A0"/>
+                </a:solidFill>
+              </a:rPr>
+              <a:t>ES7</a:t>
+            </a:r>
+          </a:p>
+          <a:p>
+            <a:pPr algn="ctr"/>
+            <a:r>
+              <a:rPr lang="es-ES" dirty="0">
+                <a:solidFill>
+                  <a:srgbClr val="7030A0"/>
+                </a:solidFill>
+              </a:rPr>
+              <a:t>ES2016</a:t>
+            </a:r>
+          </a:p>
+          <a:p>
+            <a:pPr algn="ctr"/>
+            <a:r>
+              <a:rPr lang="es-ES" dirty="0">
+                <a:solidFill>
+                  <a:srgbClr val="7030A0"/>
+                </a:solidFill>
+              </a:rPr>
+              <a:t>ES2017</a:t>
+            </a:r>
+          </a:p>
+          <a:p>
+            <a:pPr algn="ctr"/>
+            <a:r>
+              <a:rPr lang="es-ES" dirty="0">
+                <a:solidFill>
+                  <a:srgbClr val="7030A0"/>
+                </a:solidFill>
+              </a:rPr>
+              <a:t>ES2018</a:t>
+            </a:r>
+          </a:p>
+          <a:p>
+            <a:pPr algn="ctr"/>
+            <a:r>
+              <a:rPr lang="es-ES" dirty="0" err="1">
+                <a:solidFill>
+                  <a:srgbClr val="7030A0"/>
+                </a:solidFill>
+              </a:rPr>
+              <a:t>ESNext</a:t>
+            </a:r>
+            <a:endParaRPr lang="es-ES" dirty="0">
+              <a:solidFill>
+                <a:srgbClr val="7030A0"/>
+              </a:solidFill>
+            </a:endParaRPr>
+          </a:p>
+          <a:p>
+            <a:pPr algn="ctr"/>
+            <a:r>
+              <a:rPr lang="es-ES" dirty="0">
+                <a:solidFill>
+                  <a:srgbClr val="7030A0"/>
+                </a:solidFill>
+              </a:rPr>
+              <a:t>DOM</a:t>
+            </a:r>
+          </a:p>
+          <a:p>
+            <a:pPr algn="ctr"/>
+            <a:r>
+              <a:rPr lang="es-ES" dirty="0" err="1" smtClean="0">
+                <a:solidFill>
+                  <a:srgbClr val="7030A0"/>
+                </a:solidFill>
+              </a:rPr>
+              <a:t>DOM.Iterable</a:t>
+            </a:r>
+            <a:endParaRPr lang="es-ES" dirty="0" smtClean="0">
+              <a:solidFill>
+                <a:srgbClr val="7030A0"/>
+              </a:solidFill>
+            </a:endParaRPr>
+          </a:p>
+          <a:p>
+            <a:pPr algn="ctr"/>
+            <a:r>
+              <a:rPr lang="en-GB" dirty="0" err="1">
+                <a:solidFill>
+                  <a:srgbClr val="7030A0"/>
+                </a:solidFill>
+              </a:rPr>
+              <a:t>WebWorker</a:t>
+            </a:r>
+            <a:endParaRPr lang="en-GB" dirty="0">
+              <a:solidFill>
+                <a:srgbClr val="7030A0"/>
+              </a:solidFill>
+            </a:endParaRPr>
+          </a:p>
+          <a:p>
+            <a:pPr algn="ctr"/>
+            <a:r>
+              <a:rPr lang="en-GB" dirty="0" err="1">
+                <a:solidFill>
+                  <a:srgbClr val="7030A0"/>
+                </a:solidFill>
+              </a:rPr>
+              <a:t>ScriptHost</a:t>
+            </a:r>
+            <a:endParaRPr lang="en-GB" dirty="0">
+              <a:solidFill>
+                <a:srgbClr val="7030A0"/>
+              </a:solidFill>
+            </a:endParaRPr>
+          </a:p>
+          <a:p>
+            <a:pPr algn="ctr"/>
+            <a:r>
+              <a:rPr lang="en-GB" dirty="0">
+                <a:solidFill>
+                  <a:srgbClr val="7030A0"/>
+                </a:solidFill>
+              </a:rPr>
+              <a:t>ES2015.Core</a:t>
+            </a:r>
+          </a:p>
+        </p:txBody>
+      </p:sp>
+      <p:sp>
+        <p:nvSpPr>
+          <p:cNvPr id="7" name="Rectangle 6"/>
+          <p:cNvSpPr/>
+          <p:nvPr/>
+        </p:nvSpPr>
+        <p:spPr>
+          <a:xfrm>
+            <a:off x="7129111" y="1580444"/>
+            <a:ext cx="2494845" cy="3781778"/>
+          </a:xfrm>
+          <a:prstGeom prst="rect">
+            <a:avLst/>
+          </a:prstGeom>
+          <a:solidFill>
+            <a:srgbClr val="D1B3E7"/>
+          </a:solidFill>
+        </p:spPr>
+        <p:style>
+          <a:lnRef idx="2">
+            <a:schemeClr val="accent1">
+              <a:shade val="50000"/>
+            </a:schemeClr>
+          </a:lnRef>
+          <a:fillRef idx="1">
+            <a:schemeClr val="accent1"/>
+          </a:fillRef>
+          <a:effectRef idx="0">
+            <a:schemeClr val="accent1"/>
+          </a:effectRef>
+          <a:fontRef idx="minor">
+            <a:schemeClr val="lt1"/>
+          </a:fontRef>
+        </p:style>
+        <p:txBody>
+          <a:bodyPr rtlCol="0" anchor="ctr"/>
+          <a:lstStyle/>
+          <a:p>
+            <a:pPr algn="ctr"/>
+            <a:r>
+              <a:rPr lang="en-GB" dirty="0">
+                <a:solidFill>
+                  <a:srgbClr val="7030A0"/>
+                </a:solidFill>
+              </a:rPr>
+              <a:t>ES2017.SharedMemory</a:t>
+            </a:r>
+          </a:p>
+          <a:p>
+            <a:pPr algn="ctr"/>
+            <a:r>
+              <a:rPr lang="en-GB" dirty="0">
+                <a:solidFill>
+                  <a:srgbClr val="7030A0"/>
+                </a:solidFill>
+              </a:rPr>
+              <a:t>ES2017.String</a:t>
+            </a:r>
+          </a:p>
+          <a:p>
+            <a:pPr algn="ctr"/>
+            <a:r>
+              <a:rPr lang="en-GB" dirty="0">
+                <a:solidFill>
+                  <a:srgbClr val="7030A0"/>
+                </a:solidFill>
+              </a:rPr>
+              <a:t>ES2017.TypedArrays</a:t>
+            </a:r>
+          </a:p>
+          <a:p>
+            <a:pPr algn="ctr"/>
+            <a:r>
+              <a:rPr lang="en-GB" dirty="0">
+                <a:solidFill>
+                  <a:srgbClr val="7030A0"/>
+                </a:solidFill>
+              </a:rPr>
+              <a:t>ES2018.Intl</a:t>
+            </a:r>
+          </a:p>
+          <a:p>
+            <a:pPr algn="ctr"/>
+            <a:r>
+              <a:rPr lang="en-GB" dirty="0">
+                <a:solidFill>
+                  <a:srgbClr val="7030A0"/>
+                </a:solidFill>
+              </a:rPr>
+              <a:t>ES2018.Promise</a:t>
+            </a:r>
+          </a:p>
+          <a:p>
+            <a:pPr algn="ctr"/>
+            <a:r>
+              <a:rPr lang="en-GB" dirty="0">
+                <a:solidFill>
+                  <a:srgbClr val="7030A0"/>
+                </a:solidFill>
+              </a:rPr>
+              <a:t>ES2018.RegExp</a:t>
+            </a:r>
+          </a:p>
+          <a:p>
+            <a:pPr algn="ctr"/>
+            <a:r>
+              <a:rPr lang="en-GB" dirty="0" err="1">
+                <a:solidFill>
+                  <a:srgbClr val="7030A0"/>
+                </a:solidFill>
+              </a:rPr>
+              <a:t>ESNext.AsyncIterable</a:t>
+            </a:r>
+            <a:endParaRPr lang="en-GB" dirty="0">
+              <a:solidFill>
+                <a:srgbClr val="7030A0"/>
+              </a:solidFill>
+            </a:endParaRPr>
+          </a:p>
+          <a:p>
+            <a:pPr algn="ctr"/>
+            <a:r>
+              <a:rPr lang="en-GB" dirty="0" err="1">
+                <a:solidFill>
+                  <a:srgbClr val="7030A0"/>
+                </a:solidFill>
+              </a:rPr>
+              <a:t>ESNext.Array</a:t>
+            </a:r>
+            <a:endParaRPr lang="en-GB" dirty="0">
+              <a:solidFill>
+                <a:srgbClr val="7030A0"/>
+              </a:solidFill>
+            </a:endParaRPr>
+          </a:p>
+          <a:p>
+            <a:pPr algn="ctr"/>
+            <a:r>
+              <a:rPr lang="en-GB" dirty="0" err="1">
+                <a:solidFill>
+                  <a:srgbClr val="7030A0"/>
+                </a:solidFill>
+              </a:rPr>
+              <a:t>ESNext.Intl</a:t>
+            </a:r>
+            <a:endParaRPr lang="en-GB" dirty="0">
+              <a:solidFill>
+                <a:srgbClr val="7030A0"/>
+              </a:solidFill>
+            </a:endParaRPr>
+          </a:p>
+          <a:p>
+            <a:pPr algn="ctr"/>
+            <a:r>
+              <a:rPr lang="en-GB" dirty="0" err="1">
+                <a:solidFill>
+                  <a:srgbClr val="7030A0"/>
+                </a:solidFill>
+              </a:rPr>
+              <a:t>ESNext.Symbol</a:t>
+            </a:r>
+            <a:endParaRPr lang="en-GB" dirty="0">
+              <a:solidFill>
+                <a:srgbClr val="7030A0"/>
+              </a:solidFill>
+            </a:endParaRPr>
+          </a:p>
+          <a:p>
+            <a:pPr algn="ctr"/>
+            <a:endParaRPr lang="en-GB" dirty="0"/>
+          </a:p>
+        </p:txBody>
+      </p:sp>
+      <p:sp>
+        <p:nvSpPr>
+          <p:cNvPr id="8" name="Rectangle 7"/>
+          <p:cNvSpPr/>
+          <p:nvPr/>
+        </p:nvSpPr>
+        <p:spPr>
+          <a:xfrm>
+            <a:off x="3807266" y="1580444"/>
+            <a:ext cx="2494845" cy="3781778"/>
+          </a:xfrm>
+          <a:prstGeom prst="rect">
+            <a:avLst/>
+          </a:prstGeom>
+          <a:solidFill>
+            <a:srgbClr val="D1B3E7"/>
+          </a:solidFill>
+        </p:spPr>
+        <p:style>
+          <a:lnRef idx="2">
+            <a:schemeClr val="accent1">
+              <a:shade val="50000"/>
+            </a:schemeClr>
+          </a:lnRef>
+          <a:fillRef idx="1">
+            <a:schemeClr val="accent1"/>
+          </a:fillRef>
+          <a:effectRef idx="0">
+            <a:schemeClr val="accent1"/>
+          </a:effectRef>
+          <a:fontRef idx="minor">
+            <a:schemeClr val="lt1"/>
+          </a:fontRef>
+        </p:style>
+        <p:txBody>
+          <a:bodyPr rtlCol="0" anchor="ctr"/>
+          <a:lstStyle/>
+          <a:p>
+            <a:pPr algn="ctr"/>
+            <a:r>
+              <a:rPr lang="es-ES" dirty="0">
+                <a:solidFill>
+                  <a:srgbClr val="7030A0"/>
+                </a:solidFill>
+              </a:rPr>
+              <a:t>ES2015.Collection</a:t>
+            </a:r>
+          </a:p>
+          <a:p>
+            <a:pPr algn="ctr"/>
+            <a:r>
+              <a:rPr lang="es-ES" dirty="0">
+                <a:solidFill>
+                  <a:srgbClr val="7030A0"/>
+                </a:solidFill>
+              </a:rPr>
+              <a:t>ES2015.Generator</a:t>
+            </a:r>
+          </a:p>
+          <a:p>
+            <a:pPr algn="ctr"/>
+            <a:r>
+              <a:rPr lang="es-ES" dirty="0">
+                <a:solidFill>
+                  <a:srgbClr val="7030A0"/>
+                </a:solidFill>
+              </a:rPr>
+              <a:t>ES2015.Iterable</a:t>
+            </a:r>
+          </a:p>
+          <a:p>
+            <a:pPr algn="ctr"/>
+            <a:r>
+              <a:rPr lang="es-ES" dirty="0">
+                <a:solidFill>
+                  <a:srgbClr val="7030A0"/>
+                </a:solidFill>
+              </a:rPr>
+              <a:t>ES2015.Promise</a:t>
+            </a:r>
+          </a:p>
+          <a:p>
+            <a:pPr algn="ctr"/>
+            <a:r>
+              <a:rPr lang="es-ES" dirty="0">
+                <a:solidFill>
+                  <a:srgbClr val="7030A0"/>
+                </a:solidFill>
+              </a:rPr>
+              <a:t>ES2015.Proxy</a:t>
+            </a:r>
+          </a:p>
+          <a:p>
+            <a:pPr algn="ctr"/>
+            <a:r>
+              <a:rPr lang="es-ES" dirty="0">
+                <a:solidFill>
+                  <a:srgbClr val="7030A0"/>
+                </a:solidFill>
+              </a:rPr>
+              <a:t>ES2015.Reflect</a:t>
+            </a:r>
+          </a:p>
+          <a:p>
+            <a:pPr algn="ctr"/>
+            <a:r>
+              <a:rPr lang="es-ES" dirty="0">
+                <a:solidFill>
+                  <a:srgbClr val="7030A0"/>
+                </a:solidFill>
+              </a:rPr>
+              <a:t>ES2015.Symbol</a:t>
+            </a:r>
+          </a:p>
+          <a:p>
+            <a:pPr algn="ctr"/>
+            <a:r>
+              <a:rPr lang="es-ES" dirty="0">
+                <a:solidFill>
+                  <a:srgbClr val="7030A0"/>
+                </a:solidFill>
+              </a:rPr>
+              <a:t>ES2015.Symbol.WellKnown</a:t>
+            </a:r>
+          </a:p>
+          <a:p>
+            <a:pPr algn="ctr"/>
+            <a:r>
+              <a:rPr lang="es-ES" dirty="0">
+                <a:solidFill>
+                  <a:srgbClr val="7030A0"/>
+                </a:solidFill>
+              </a:rPr>
+              <a:t>ES2016.Array.Include</a:t>
+            </a:r>
+          </a:p>
+          <a:p>
+            <a:pPr algn="ctr"/>
+            <a:r>
+              <a:rPr lang="es-ES" dirty="0">
+                <a:solidFill>
+                  <a:srgbClr val="7030A0"/>
+                </a:solidFill>
+              </a:rPr>
+              <a:t>ES2017.object</a:t>
+            </a:r>
+          </a:p>
+          <a:p>
+            <a:pPr algn="ctr"/>
+            <a:r>
+              <a:rPr lang="es-ES" dirty="0">
+                <a:solidFill>
+                  <a:srgbClr val="7030A0"/>
+                </a:solidFill>
+              </a:rPr>
+              <a:t>ES2017.Intl</a:t>
+            </a:r>
+            <a:endParaRPr lang="en-GB" dirty="0">
+              <a:solidFill>
+                <a:srgbClr val="7030A0"/>
+              </a:solidFill>
+            </a:endParaRPr>
+          </a:p>
+        </p:txBody>
+      </p:sp>
+    </p:spTree>
+    <p:extLst>
+      <p:ext uri="{BB962C8B-B14F-4D97-AF65-F5344CB8AC3E}">
+        <p14:creationId xmlns:p14="http://schemas.microsoft.com/office/powerpoint/2010/main" val="2989409802"/>
+      </p:ext>
+    </p:extLst>
+  </p:cSld>
+  <p:clrMapOvr>
+    <a:masterClrMapping/>
+  </p:clrMapOvr>
+  <p:timing>
+    <p:tnLst>
+      <p:par>
+        <p:cTn id="1" dur="indefinite" restart="never" nodeType="tmRoot"/>
+      </p:par>
+    </p:tnLst>
+  </p:timing>
+</p:sld>
+</file>
+
+<file path=ppt/slides/slide32.xml><?xml version="1.0" encoding="utf-8"?>
+<p:sld xmlns:a="http://schemas.openxmlformats.org/drawingml/2006/main" xmlns:r="http://schemas.openxmlformats.org/officeDocument/2006/relationships" xmlns:p="http://schemas.openxmlformats.org/presentationml/2006/main">
+  <p:cSld>
+    <p:spTree>
+      <p:nvGrpSpPr>
+        <p:cNvPr id="1" name=""/>
+        <p:cNvGrpSpPr/>
+        <p:nvPr/>
+      </p:nvGrpSpPr>
+      <p:grpSpPr>
+        <a:xfrm>
+          <a:off x="0" y="0"/>
+          <a:ext cx="0" cy="0"/>
+          <a:chOff x="0" y="0"/>
+          <a:chExt cx="0" cy="0"/>
+        </a:xfrm>
+      </p:grpSpPr>
+      <p:sp>
+        <p:nvSpPr>
+          <p:cNvPr id="2" name="Title 1"/>
+          <p:cNvSpPr>
+            <a:spLocks noGrp="1"/>
+          </p:cNvSpPr>
+          <p:nvPr>
+            <p:ph type="title"/>
+          </p:nvPr>
+        </p:nvSpPr>
+        <p:spPr>
+          <a:xfrm>
+            <a:off x="39692" y="90310"/>
+            <a:ext cx="9234310" cy="745067"/>
+          </a:xfrm>
+        </p:spPr>
+        <p:txBody>
+          <a:bodyPr>
+            <a:normAutofit/>
+          </a:bodyPr>
+          <a:lstStyle/>
+          <a:p>
+            <a:r>
+              <a:rPr lang="en-GB" dirty="0" err="1" smtClean="0"/>
+              <a:t>Tsc</a:t>
+            </a:r>
+            <a:r>
+              <a:rPr lang="en-GB" dirty="0" smtClean="0"/>
+              <a:t> </a:t>
+            </a:r>
+            <a:r>
+              <a:rPr lang="en-GB" dirty="0" err="1" smtClean="0"/>
+              <a:t>Conf</a:t>
+            </a:r>
+            <a:r>
+              <a:rPr lang="en-GB" dirty="0" smtClean="0"/>
+              <a:t> </a:t>
+            </a:r>
+            <a:r>
+              <a:rPr lang="en-GB" dirty="0" smtClean="0"/>
+              <a:t>–More configuration options</a:t>
+            </a:r>
+            <a:endParaRPr lang="en-GB" dirty="0"/>
+          </a:p>
+        </p:txBody>
+      </p:sp>
+      <p:sp>
+        <p:nvSpPr>
+          <p:cNvPr id="3" name="Content Placeholder 2"/>
+          <p:cNvSpPr>
+            <a:spLocks noGrp="1"/>
+          </p:cNvSpPr>
+          <p:nvPr>
+            <p:ph idx="1"/>
+          </p:nvPr>
+        </p:nvSpPr>
+        <p:spPr>
+          <a:xfrm>
+            <a:off x="282222" y="835377"/>
+            <a:ext cx="8991780" cy="5892801"/>
+          </a:xfrm>
+        </p:spPr>
+        <p:txBody>
+          <a:bodyPr/>
+          <a:lstStyle/>
+          <a:p>
+            <a:r>
+              <a:rPr lang="en-IN" dirty="0" err="1" smtClean="0"/>
+              <a:t>allowJs</a:t>
+            </a:r>
+            <a:r>
+              <a:rPr lang="en-IN" dirty="0" smtClean="0"/>
+              <a:t> : if true compiles the </a:t>
+            </a:r>
+            <a:r>
+              <a:rPr lang="en-IN" dirty="0" err="1" smtClean="0"/>
+              <a:t>js</a:t>
+            </a:r>
+            <a:r>
+              <a:rPr lang="en-IN" dirty="0" smtClean="0"/>
+              <a:t> files too</a:t>
+            </a:r>
+          </a:p>
+          <a:p>
+            <a:r>
+              <a:rPr lang="en-IN" dirty="0" err="1" smtClean="0"/>
+              <a:t>checkJs</a:t>
+            </a:r>
+            <a:r>
+              <a:rPr lang="en-IN" dirty="0" smtClean="0"/>
+              <a:t>: if true checks </a:t>
+            </a:r>
+            <a:r>
+              <a:rPr lang="en-IN" dirty="0" err="1" smtClean="0"/>
+              <a:t>js</a:t>
+            </a:r>
+            <a:r>
+              <a:rPr lang="en-IN" dirty="0" smtClean="0"/>
+              <a:t> files for errors</a:t>
+            </a:r>
+          </a:p>
+          <a:p>
+            <a:r>
+              <a:rPr lang="en-IN" dirty="0" err="1" smtClean="0"/>
+              <a:t>Jsx</a:t>
+            </a:r>
+            <a:r>
+              <a:rPr lang="en-IN" dirty="0" smtClean="0"/>
+              <a:t> : this option helps with </a:t>
+            </a:r>
+            <a:r>
+              <a:rPr lang="en-IN" dirty="0" err="1" smtClean="0"/>
+              <a:t>reactJs</a:t>
+            </a:r>
+            <a:r>
+              <a:rPr lang="en-IN" dirty="0" smtClean="0"/>
+              <a:t> projects</a:t>
+            </a:r>
+          </a:p>
+          <a:p>
+            <a:r>
+              <a:rPr lang="en-IN" dirty="0" err="1" smtClean="0"/>
+              <a:t>Decleration</a:t>
+            </a:r>
+            <a:r>
+              <a:rPr lang="en-IN" dirty="0" smtClean="0"/>
+              <a:t>: this option is used to generate .</a:t>
+            </a:r>
+            <a:r>
+              <a:rPr lang="en-IN" dirty="0" err="1" smtClean="0"/>
+              <a:t>d.ts</a:t>
+            </a:r>
+            <a:r>
+              <a:rPr lang="en-IN" dirty="0" smtClean="0"/>
+              <a:t> files which is used when we ship our project as a library and these files are generated to let people know about the new types that they can use.</a:t>
+            </a:r>
+          </a:p>
+          <a:p>
+            <a:r>
+              <a:rPr lang="en-IN" dirty="0" err="1" smtClean="0"/>
+              <a:t>decleartionMap</a:t>
+            </a:r>
+            <a:r>
+              <a:rPr lang="en-IN" dirty="0" smtClean="0"/>
+              <a:t> : generates </a:t>
+            </a:r>
+            <a:r>
+              <a:rPr lang="en-IN" dirty="0" err="1" smtClean="0"/>
+              <a:t>sourcemap</a:t>
+            </a:r>
+            <a:r>
+              <a:rPr lang="en-IN" dirty="0" smtClean="0"/>
+              <a:t> for </a:t>
+            </a:r>
+            <a:r>
+              <a:rPr lang="en-IN" dirty="0" err="1" smtClean="0"/>
+              <a:t>decleration</a:t>
+            </a:r>
+            <a:r>
+              <a:rPr lang="en-IN" dirty="0" smtClean="0"/>
+              <a:t> file .</a:t>
+            </a:r>
+            <a:r>
+              <a:rPr lang="en-IN" dirty="0" err="1" smtClean="0"/>
+              <a:t>d.ts.map</a:t>
+            </a:r>
+            <a:r>
+              <a:rPr lang="en-IN" dirty="0" smtClean="0"/>
+              <a:t> file used for debugging </a:t>
+            </a:r>
+            <a:r>
+              <a:rPr lang="en-IN" dirty="0" err="1" smtClean="0"/>
+              <a:t>ts</a:t>
+            </a:r>
+            <a:r>
+              <a:rPr lang="en-IN" dirty="0" smtClean="0"/>
+              <a:t> files in browser but this option is specific to .</a:t>
+            </a:r>
+            <a:r>
+              <a:rPr lang="en-IN" dirty="0" err="1" smtClean="0"/>
+              <a:t>d.ts</a:t>
+            </a:r>
+            <a:r>
+              <a:rPr lang="en-IN" dirty="0" smtClean="0"/>
+              <a:t> files</a:t>
+            </a:r>
+            <a:endParaRPr lang="en-GB" dirty="0" smtClean="0"/>
+          </a:p>
+        </p:txBody>
+      </p:sp>
+    </p:spTree>
+    <p:extLst>
+      <p:ext uri="{BB962C8B-B14F-4D97-AF65-F5344CB8AC3E}">
+        <p14:creationId xmlns:p14="http://schemas.microsoft.com/office/powerpoint/2010/main" val="4098575139"/>
+      </p:ext>
+    </p:extLst>
+  </p:cSld>
+  <p:clrMapOvr>
+    <a:masterClrMapping/>
+  </p:clrMapOvr>
+  <p:timing>
+    <p:tnLst>
+      <p:par>
+        <p:cTn id="1" dur="indefinite" restart="never" nodeType="tmRoot"/>
+      </p:par>
+    </p:tnLst>
+  </p:timing>
+</p:sld>
+</file>
+
+<file path=ppt/slides/slide33.xml><?xml version="1.0" encoding="utf-8"?>
+<p:sld xmlns:a="http://schemas.openxmlformats.org/drawingml/2006/main" xmlns:r="http://schemas.openxmlformats.org/officeDocument/2006/relationships" xmlns:p="http://schemas.openxmlformats.org/presentationml/2006/main">
+  <p:cSld>
+    <p:spTree>
+      <p:nvGrpSpPr>
+        <p:cNvPr id="1" name=""/>
+        <p:cNvGrpSpPr/>
+        <p:nvPr/>
+      </p:nvGrpSpPr>
+      <p:grpSpPr>
+        <a:xfrm>
+          <a:off x="0" y="0"/>
+          <a:ext cx="0" cy="0"/>
+          <a:chOff x="0" y="0"/>
+          <a:chExt cx="0" cy="0"/>
+        </a:xfrm>
+      </p:grpSpPr>
+      <p:sp>
+        <p:nvSpPr>
+          <p:cNvPr id="8" name="Rectangle 7"/>
+          <p:cNvSpPr/>
+          <p:nvPr/>
+        </p:nvSpPr>
+        <p:spPr>
+          <a:xfrm>
+            <a:off x="5689600" y="2675467"/>
+            <a:ext cx="5023556" cy="4052711"/>
+          </a:xfrm>
+          <a:prstGeom prst="rect">
+            <a:avLst/>
+          </a:prstGeom>
+          <a:solidFill>
+            <a:srgbClr val="D1B3E7"/>
+          </a:solidFill>
+        </p:spPr>
+        <p:style>
+          <a:lnRef idx="2">
+            <a:schemeClr val="accent1">
+              <a:shade val="50000"/>
+            </a:schemeClr>
+          </a:lnRef>
+          <a:fillRef idx="1">
+            <a:schemeClr val="accent1"/>
+          </a:fillRef>
+          <a:effectRef idx="0">
+            <a:schemeClr val="accent1"/>
+          </a:effectRef>
+          <a:fontRef idx="minor">
+            <a:schemeClr val="lt1"/>
+          </a:fontRef>
+        </p:style>
+        <p:txBody>
+          <a:bodyPr rtlCol="0" anchor="ctr"/>
+          <a:lstStyle/>
+          <a:p>
+            <a:pPr algn="ctr"/>
+            <a:r>
+              <a:rPr lang="en-IN" sz="2000" dirty="0" smtClean="0">
+                <a:solidFill>
+                  <a:srgbClr val="7030A0"/>
+                </a:solidFill>
+              </a:rPr>
+              <a:t>After </a:t>
+            </a:r>
+            <a:r>
+              <a:rPr lang="en-IN" sz="2000" dirty="0" err="1" smtClean="0">
+                <a:solidFill>
+                  <a:srgbClr val="7030A0"/>
+                </a:solidFill>
+              </a:rPr>
+              <a:t>gitignore</a:t>
+            </a:r>
+            <a:r>
+              <a:rPr lang="en-IN" sz="2000" dirty="0" smtClean="0">
+                <a:solidFill>
+                  <a:srgbClr val="7030A0"/>
+                </a:solidFill>
+              </a:rPr>
+              <a:t> changes</a:t>
+            </a:r>
+          </a:p>
+          <a:p>
+            <a:pPr algn="ctr"/>
+            <a:endParaRPr lang="en-IN" dirty="0"/>
+          </a:p>
+          <a:p>
+            <a:pPr algn="ctr"/>
+            <a:endParaRPr lang="en-IN" dirty="0" smtClean="0"/>
+          </a:p>
+          <a:p>
+            <a:pPr algn="ctr"/>
+            <a:endParaRPr lang="en-IN" dirty="0"/>
+          </a:p>
+          <a:p>
+            <a:pPr algn="ctr"/>
+            <a:endParaRPr lang="en-IN" dirty="0" smtClean="0"/>
+          </a:p>
+          <a:p>
+            <a:pPr algn="ctr"/>
+            <a:endParaRPr lang="en-IN" dirty="0"/>
+          </a:p>
+          <a:p>
+            <a:pPr algn="ctr"/>
+            <a:endParaRPr lang="en-IN" dirty="0" smtClean="0"/>
+          </a:p>
+          <a:p>
+            <a:pPr algn="ctr"/>
+            <a:endParaRPr lang="en-IN" dirty="0"/>
+          </a:p>
+          <a:p>
+            <a:pPr algn="ctr"/>
+            <a:endParaRPr lang="en-IN" dirty="0" smtClean="0"/>
+          </a:p>
+          <a:p>
+            <a:pPr algn="ctr"/>
+            <a:endParaRPr lang="en-IN" dirty="0"/>
+          </a:p>
+          <a:p>
+            <a:pPr algn="ctr"/>
+            <a:endParaRPr lang="en-IN" dirty="0" smtClean="0"/>
+          </a:p>
+          <a:p>
+            <a:pPr algn="ctr"/>
+            <a:endParaRPr lang="en-IN" dirty="0"/>
+          </a:p>
+          <a:p>
+            <a:pPr algn="ctr"/>
+            <a:endParaRPr lang="en-IN" dirty="0" smtClean="0"/>
+          </a:p>
+          <a:p>
+            <a:pPr algn="ctr"/>
+            <a:endParaRPr lang="en-GB" dirty="0"/>
+          </a:p>
+        </p:txBody>
+      </p:sp>
+      <p:sp>
+        <p:nvSpPr>
+          <p:cNvPr id="7" name="Rectangle 6"/>
+          <p:cNvSpPr/>
+          <p:nvPr/>
+        </p:nvSpPr>
+        <p:spPr>
+          <a:xfrm>
+            <a:off x="442089" y="2782710"/>
+            <a:ext cx="4724029" cy="3832578"/>
+          </a:xfrm>
+          <a:prstGeom prst="rect">
+            <a:avLst/>
+          </a:prstGeom>
+          <a:solidFill>
+            <a:srgbClr val="D1B3E7"/>
+          </a:solidFill>
+        </p:spPr>
+        <p:style>
+          <a:lnRef idx="2">
+            <a:schemeClr val="accent1">
+              <a:shade val="50000"/>
+            </a:schemeClr>
+          </a:lnRef>
+          <a:fillRef idx="1">
+            <a:schemeClr val="accent1"/>
+          </a:fillRef>
+          <a:effectRef idx="0">
+            <a:schemeClr val="accent1"/>
+          </a:effectRef>
+          <a:fontRef idx="minor">
+            <a:schemeClr val="lt1"/>
+          </a:fontRef>
+        </p:style>
+        <p:txBody>
+          <a:bodyPr rtlCol="0" anchor="ctr"/>
+          <a:lstStyle/>
+          <a:p>
+            <a:pPr algn="ctr"/>
+            <a:r>
+              <a:rPr lang="en-IN" dirty="0" smtClean="0">
+                <a:solidFill>
+                  <a:srgbClr val="7030A0"/>
+                </a:solidFill>
+              </a:rPr>
+              <a:t>Before </a:t>
+            </a:r>
+            <a:r>
+              <a:rPr lang="en-IN" dirty="0" err="1" smtClean="0">
+                <a:solidFill>
+                  <a:srgbClr val="7030A0"/>
+                </a:solidFill>
+              </a:rPr>
+              <a:t>gitignore</a:t>
+            </a:r>
+            <a:r>
+              <a:rPr lang="en-IN" dirty="0" smtClean="0">
+                <a:solidFill>
+                  <a:srgbClr val="7030A0"/>
+                </a:solidFill>
+              </a:rPr>
+              <a:t> changes</a:t>
+            </a:r>
+          </a:p>
+          <a:p>
+            <a:pPr algn="ctr"/>
+            <a:endParaRPr lang="en-IN" dirty="0"/>
+          </a:p>
+          <a:p>
+            <a:pPr algn="ctr"/>
+            <a:endParaRPr lang="en-IN" dirty="0" smtClean="0"/>
+          </a:p>
+          <a:p>
+            <a:pPr algn="ctr"/>
+            <a:endParaRPr lang="en-IN" dirty="0"/>
+          </a:p>
+          <a:p>
+            <a:pPr algn="ctr"/>
+            <a:endParaRPr lang="en-IN" dirty="0" smtClean="0"/>
+          </a:p>
+          <a:p>
+            <a:pPr algn="ctr"/>
+            <a:endParaRPr lang="en-IN" dirty="0"/>
+          </a:p>
+          <a:p>
+            <a:pPr algn="ctr"/>
+            <a:endParaRPr lang="en-IN" dirty="0" smtClean="0"/>
+          </a:p>
+          <a:p>
+            <a:pPr algn="ctr"/>
+            <a:endParaRPr lang="en-IN" dirty="0"/>
+          </a:p>
+          <a:p>
+            <a:pPr algn="ctr"/>
+            <a:endParaRPr lang="en-IN" dirty="0" smtClean="0"/>
+          </a:p>
+          <a:p>
+            <a:pPr algn="ctr"/>
+            <a:endParaRPr lang="en-IN" dirty="0"/>
+          </a:p>
+          <a:p>
+            <a:pPr algn="ctr"/>
+            <a:endParaRPr lang="en-IN" dirty="0" smtClean="0"/>
+          </a:p>
+          <a:p>
+            <a:pPr algn="ctr"/>
+            <a:endParaRPr lang="en-IN" dirty="0"/>
+          </a:p>
+          <a:p>
+            <a:pPr algn="ctr"/>
+            <a:endParaRPr lang="en-GB" dirty="0"/>
+          </a:p>
+        </p:txBody>
+      </p:sp>
+      <p:sp>
+        <p:nvSpPr>
+          <p:cNvPr id="2" name="Title 1"/>
+          <p:cNvSpPr>
+            <a:spLocks noGrp="1"/>
+          </p:cNvSpPr>
+          <p:nvPr>
+            <p:ph type="title"/>
+          </p:nvPr>
+        </p:nvSpPr>
+        <p:spPr>
+          <a:xfrm>
+            <a:off x="39692" y="90310"/>
+            <a:ext cx="9234310" cy="745067"/>
+          </a:xfrm>
+        </p:spPr>
+        <p:txBody>
+          <a:bodyPr>
+            <a:normAutofit/>
+          </a:bodyPr>
+          <a:lstStyle/>
+          <a:p>
+            <a:r>
+              <a:rPr lang="en-GB" dirty="0" err="1" smtClean="0"/>
+              <a:t>Tsc</a:t>
+            </a:r>
+            <a:r>
+              <a:rPr lang="en-GB" dirty="0" smtClean="0"/>
+              <a:t> </a:t>
+            </a:r>
+            <a:r>
+              <a:rPr lang="en-GB" dirty="0" err="1" smtClean="0"/>
+              <a:t>Conf</a:t>
+            </a:r>
+            <a:r>
+              <a:rPr lang="en-GB" dirty="0" smtClean="0"/>
+              <a:t> </a:t>
+            </a:r>
+            <a:r>
+              <a:rPr lang="en-GB" dirty="0" smtClean="0"/>
+              <a:t>–Source maps</a:t>
+            </a:r>
+            <a:endParaRPr lang="en-GB" dirty="0"/>
+          </a:p>
+        </p:txBody>
+      </p:sp>
+      <p:sp>
+        <p:nvSpPr>
+          <p:cNvPr id="3" name="Content Placeholder 2"/>
+          <p:cNvSpPr>
+            <a:spLocks noGrp="1"/>
+          </p:cNvSpPr>
+          <p:nvPr>
+            <p:ph idx="1"/>
+          </p:nvPr>
+        </p:nvSpPr>
+        <p:spPr>
+          <a:xfrm>
+            <a:off x="282222" y="835377"/>
+            <a:ext cx="8991780" cy="5892801"/>
+          </a:xfrm>
+        </p:spPr>
+        <p:txBody>
+          <a:bodyPr/>
+          <a:lstStyle/>
+          <a:p>
+            <a:r>
+              <a:rPr lang="en-IN" dirty="0" err="1" smtClean="0"/>
+              <a:t>sourceMap</a:t>
+            </a:r>
+            <a:r>
+              <a:rPr lang="en-IN" dirty="0" smtClean="0"/>
+              <a:t> : if set to true it generates *.</a:t>
+            </a:r>
+            <a:r>
+              <a:rPr lang="en-IN" dirty="0" err="1" smtClean="0"/>
+              <a:t>js.map</a:t>
+            </a:r>
+            <a:r>
+              <a:rPr lang="en-IN" dirty="0" smtClean="0"/>
+              <a:t> files which are understood by modern browsers and are used to map the </a:t>
+            </a:r>
+            <a:r>
+              <a:rPr lang="en-IN" dirty="0" err="1" smtClean="0"/>
+              <a:t>ts</a:t>
+            </a:r>
+            <a:r>
+              <a:rPr lang="en-IN" dirty="0" smtClean="0"/>
+              <a:t> files to the compiled </a:t>
+            </a:r>
+            <a:r>
+              <a:rPr lang="en-IN" dirty="0" err="1" smtClean="0"/>
+              <a:t>js</a:t>
+            </a:r>
+            <a:r>
+              <a:rPr lang="en-IN" dirty="0" smtClean="0"/>
+              <a:t>  files and </a:t>
+            </a:r>
+            <a:r>
+              <a:rPr lang="en-IN" dirty="0" err="1" smtClean="0"/>
+              <a:t>ts</a:t>
+            </a:r>
+            <a:r>
+              <a:rPr lang="en-IN" dirty="0" smtClean="0"/>
+              <a:t> files are available in the browser and we can even add breakpoints and debug using them.</a:t>
+            </a:r>
+          </a:p>
+          <a:p>
+            <a:r>
+              <a:rPr lang="en-IN" dirty="0" smtClean="0"/>
+              <a:t>*.map.js files should not be checked in and it is recommended to add an exclusion for it in .</a:t>
+            </a:r>
+            <a:r>
+              <a:rPr lang="en-IN" dirty="0" err="1" smtClean="0"/>
+              <a:t>gitignore</a:t>
+            </a:r>
+            <a:r>
+              <a:rPr lang="en-IN" dirty="0" smtClean="0"/>
+              <a:t> file (*.</a:t>
+            </a:r>
+            <a:r>
+              <a:rPr lang="en-IN" dirty="0" err="1" smtClean="0"/>
+              <a:t>js.map</a:t>
+            </a:r>
+            <a:r>
+              <a:rPr lang="en-IN" dirty="0" smtClean="0"/>
+              <a:t>)</a:t>
+            </a:r>
+          </a:p>
+          <a:p>
+            <a:endParaRPr lang="en-GB" dirty="0" smtClean="0"/>
+          </a:p>
+        </p:txBody>
+      </p:sp>
+      <p:pic>
+        <p:nvPicPr>
+          <p:cNvPr id="4" name="Picture 3"/>
+          <p:cNvPicPr>
+            <a:picLocks noChangeAspect="1"/>
+          </p:cNvPicPr>
+          <p:nvPr/>
+        </p:nvPicPr>
+        <p:blipFill>
+          <a:blip r:embed="rId3"/>
+          <a:stretch>
+            <a:fillRect/>
+          </a:stretch>
+        </p:blipFill>
+        <p:spPr>
+          <a:xfrm>
+            <a:off x="563629" y="3239910"/>
+            <a:ext cx="4480948" cy="3285067"/>
+          </a:xfrm>
+          <a:prstGeom prst="rect">
+            <a:avLst/>
+          </a:prstGeom>
+        </p:spPr>
+      </p:pic>
+      <p:pic>
+        <p:nvPicPr>
+          <p:cNvPr id="5" name="Picture 4"/>
+          <p:cNvPicPr>
+            <a:picLocks noChangeAspect="1"/>
+          </p:cNvPicPr>
+          <p:nvPr/>
+        </p:nvPicPr>
+        <p:blipFill>
+          <a:blip r:embed="rId4"/>
+          <a:stretch>
+            <a:fillRect/>
+          </a:stretch>
+        </p:blipFill>
+        <p:spPr>
+          <a:xfrm>
+            <a:off x="5802489" y="3059289"/>
+            <a:ext cx="4771007" cy="3668889"/>
+          </a:xfrm>
+          <a:prstGeom prst="rect">
+            <a:avLst/>
+          </a:prstGeom>
+        </p:spPr>
+      </p:pic>
+    </p:spTree>
+    <p:extLst>
+      <p:ext uri="{BB962C8B-B14F-4D97-AF65-F5344CB8AC3E}">
+        <p14:creationId xmlns:p14="http://schemas.microsoft.com/office/powerpoint/2010/main" val="1149518887"/>
+      </p:ext>
+    </p:extLst>
+  </p:cSld>
+  <p:clrMapOvr>
+    <a:masterClrMapping/>
+  </p:clrMapOvr>
+  <p:timing>
+    <p:tnLst>
+      <p:par>
+        <p:cTn id="1" dur="indefinite" restart="never" nodeType="tmRoot"/>
+      </p:par>
+    </p:tnLst>
+  </p:timing>
+</p:sld>
+</file>
+
+<file path=ppt/slides/slide34.xml><?xml version="1.0" encoding="utf-8"?>
+<p:sld xmlns:a="http://schemas.openxmlformats.org/drawingml/2006/main" xmlns:r="http://schemas.openxmlformats.org/officeDocument/2006/relationships" xmlns:p="http://schemas.openxmlformats.org/presentationml/2006/main">
+  <p:cSld>
+    <p:spTree>
+      <p:nvGrpSpPr>
+        <p:cNvPr id="1" name=""/>
+        <p:cNvGrpSpPr/>
+        <p:nvPr/>
+      </p:nvGrpSpPr>
+      <p:grpSpPr>
+        <a:xfrm>
+          <a:off x="0" y="0"/>
+          <a:ext cx="0" cy="0"/>
+          <a:chOff x="0" y="0"/>
+          <a:chExt cx="0" cy="0"/>
+        </a:xfrm>
+      </p:grpSpPr>
+      <p:sp>
+        <p:nvSpPr>
+          <p:cNvPr id="2" name="Title 1"/>
+          <p:cNvSpPr>
+            <a:spLocks noGrp="1"/>
+          </p:cNvSpPr>
+          <p:nvPr>
+            <p:ph type="title"/>
+          </p:nvPr>
+        </p:nvSpPr>
+        <p:spPr>
+          <a:xfrm>
+            <a:off x="39692" y="90310"/>
+            <a:ext cx="9234310" cy="745067"/>
+          </a:xfrm>
+        </p:spPr>
+        <p:txBody>
+          <a:bodyPr>
+            <a:normAutofit/>
+          </a:bodyPr>
+          <a:lstStyle/>
+          <a:p>
+            <a:r>
+              <a:rPr lang="en-GB" dirty="0" err="1" smtClean="0"/>
+              <a:t>Tsc</a:t>
+            </a:r>
+            <a:r>
+              <a:rPr lang="en-GB" dirty="0" smtClean="0"/>
+              <a:t> </a:t>
+            </a:r>
+            <a:r>
+              <a:rPr lang="en-GB" dirty="0" err="1" smtClean="0"/>
+              <a:t>Conf</a:t>
+            </a:r>
+            <a:r>
+              <a:rPr lang="en-GB" dirty="0" smtClean="0"/>
+              <a:t> </a:t>
+            </a:r>
+            <a:r>
+              <a:rPr lang="en-GB" dirty="0" smtClean="0"/>
+              <a:t>–</a:t>
+            </a:r>
+            <a:r>
+              <a:rPr lang="en-GB" dirty="0" err="1" smtClean="0"/>
+              <a:t>outDir</a:t>
+            </a:r>
+            <a:r>
+              <a:rPr lang="en-GB" dirty="0" smtClean="0"/>
+              <a:t> and </a:t>
+            </a:r>
+            <a:r>
+              <a:rPr lang="en-GB" dirty="0" err="1" smtClean="0"/>
+              <a:t>rootDir</a:t>
+            </a:r>
+            <a:endParaRPr lang="en-GB" dirty="0"/>
+          </a:p>
+        </p:txBody>
+      </p:sp>
+      <p:sp>
+        <p:nvSpPr>
+          <p:cNvPr id="3" name="Content Placeholder 2"/>
+          <p:cNvSpPr>
+            <a:spLocks noGrp="1"/>
+          </p:cNvSpPr>
+          <p:nvPr>
+            <p:ph idx="1"/>
+          </p:nvPr>
+        </p:nvSpPr>
+        <p:spPr>
+          <a:xfrm>
+            <a:off x="282222" y="835377"/>
+            <a:ext cx="9674578" cy="5892801"/>
+          </a:xfrm>
+        </p:spPr>
+        <p:txBody>
+          <a:bodyPr/>
+          <a:lstStyle/>
+          <a:p>
+            <a:r>
+              <a:rPr lang="en-IN" dirty="0" err="1" smtClean="0"/>
+              <a:t>outDir</a:t>
+            </a:r>
+            <a:r>
+              <a:rPr lang="en-IN" dirty="0" smtClean="0"/>
+              <a:t> : this option is used to specify the folder where our output files should go</a:t>
+            </a:r>
+          </a:p>
+          <a:p>
+            <a:r>
+              <a:rPr lang="en-IN" dirty="0" smtClean="0"/>
+              <a:t>If we set it to maybe  </a:t>
+            </a:r>
+            <a:r>
+              <a:rPr lang="en-IN" dirty="0" err="1" smtClean="0"/>
+              <a:t>dist</a:t>
+            </a:r>
+            <a:r>
+              <a:rPr lang="en-IN" dirty="0" smtClean="0"/>
+              <a:t> folder all files will go to </a:t>
+            </a:r>
+            <a:r>
+              <a:rPr lang="en-IN" dirty="0" err="1" smtClean="0"/>
+              <a:t>dist</a:t>
+            </a:r>
+            <a:r>
+              <a:rPr lang="en-IN" dirty="0" smtClean="0"/>
+              <a:t> folder and whatever folder structure we follow for our source files will be replicated here in the </a:t>
+            </a:r>
+            <a:r>
+              <a:rPr lang="en-IN" dirty="0" err="1" smtClean="0"/>
+              <a:t>dist</a:t>
+            </a:r>
+            <a:r>
+              <a:rPr lang="en-IN" dirty="0" smtClean="0"/>
+              <a:t> folder .</a:t>
+            </a:r>
+          </a:p>
+          <a:p>
+            <a:r>
+              <a:rPr lang="en-IN" dirty="0" err="1" smtClean="0"/>
+              <a:t>rootDir</a:t>
+            </a:r>
+            <a:r>
+              <a:rPr lang="en-IN" dirty="0" smtClean="0"/>
+              <a:t> :we can use this to specify where our input files </a:t>
+            </a:r>
+            <a:r>
+              <a:rPr lang="en-IN" dirty="0" err="1" smtClean="0"/>
+              <a:t>lie.Ts</a:t>
+            </a:r>
+            <a:r>
+              <a:rPr lang="en-IN" dirty="0" smtClean="0"/>
+              <a:t> will now complaint if we have a </a:t>
+            </a:r>
+            <a:r>
+              <a:rPr lang="en-IN" dirty="0" err="1" smtClean="0"/>
+              <a:t>ts</a:t>
+            </a:r>
+            <a:r>
+              <a:rPr lang="en-IN" dirty="0" smtClean="0"/>
+              <a:t> file outside this folder.</a:t>
+            </a:r>
+          </a:p>
+          <a:p>
+            <a:r>
+              <a:rPr lang="en-IN" dirty="0" smtClean="0"/>
+              <a:t>Usually if we specify a </a:t>
+            </a:r>
+            <a:r>
+              <a:rPr lang="en-IN" dirty="0" err="1" smtClean="0"/>
+              <a:t>rootDir</a:t>
+            </a:r>
+            <a:r>
+              <a:rPr lang="en-IN" dirty="0" smtClean="0"/>
+              <a:t> we should not have input files outside it but if we have we need to either  exclude  them specifically using the exclude option discussed a few slides back.</a:t>
+            </a:r>
+          </a:p>
+          <a:p>
+            <a:r>
+              <a:rPr lang="en-IN" dirty="0" smtClean="0"/>
+              <a:t>We will also need to adjust our imports to follow our directory structure now for example import of app.js in index.html should now be changed to </a:t>
+            </a:r>
+            <a:r>
+              <a:rPr lang="en-GB" dirty="0" err="1" smtClean="0"/>
+              <a:t>dist</a:t>
+            </a:r>
+            <a:r>
+              <a:rPr lang="en-GB" dirty="0" smtClean="0"/>
+              <a:t>/app.js</a:t>
+            </a:r>
+            <a:endParaRPr lang="en-IN" dirty="0" smtClean="0"/>
+          </a:p>
+          <a:p>
+            <a:r>
+              <a:rPr lang="en-IN" dirty="0" smtClean="0"/>
+              <a:t>Whenever we need to refer to the directory structure it is a good option to use the </a:t>
+            </a:r>
+            <a:r>
+              <a:rPr lang="en-IN" dirty="0" err="1" smtClean="0"/>
+              <a:t>intellisense</a:t>
+            </a:r>
+            <a:r>
+              <a:rPr lang="en-IN" dirty="0" smtClean="0"/>
+              <a:t> feature of </a:t>
+            </a:r>
+            <a:r>
+              <a:rPr lang="en-IN" dirty="0" err="1" smtClean="0"/>
+              <a:t>vscode</a:t>
+            </a:r>
+            <a:r>
+              <a:rPr lang="en-IN" dirty="0" smtClean="0"/>
+              <a:t> to avoid any mistakes</a:t>
+            </a:r>
+          </a:p>
+          <a:p>
+            <a:endParaRPr lang="en-GB" dirty="0" smtClean="0"/>
+          </a:p>
+        </p:txBody>
+      </p:sp>
+    </p:spTree>
+    <p:extLst>
+      <p:ext uri="{BB962C8B-B14F-4D97-AF65-F5344CB8AC3E}">
+        <p14:creationId xmlns:p14="http://schemas.microsoft.com/office/powerpoint/2010/main" val="1393232294"/>
+      </p:ext>
+    </p:extLst>
+  </p:cSld>
+  <p:clrMapOvr>
+    <a:masterClrMapping/>
+  </p:clrMapOvr>
+  <p:timing>
+    <p:tnLst>
+      <p:par>
+        <p:cTn id="1" dur="indefinite" restart="never" nodeType="tmRoot"/>
+      </p:par>
+    </p:tnLst>
+  </p:timing>
+</p:sld>
+</file>
+
+<file path=ppt/slides/slide35.xml><?xml version="1.0" encoding="utf-8"?>
+<p:sld xmlns:a="http://schemas.openxmlformats.org/drawingml/2006/main" xmlns:r="http://schemas.openxmlformats.org/officeDocument/2006/relationships" xmlns:p="http://schemas.openxmlformats.org/presentationml/2006/main">
+  <p:cSld>
+    <p:spTree>
+      <p:nvGrpSpPr>
+        <p:cNvPr id="1" name=""/>
+        <p:cNvGrpSpPr/>
+        <p:nvPr/>
+      </p:nvGrpSpPr>
+      <p:grpSpPr>
+        <a:xfrm>
+          <a:off x="0" y="0"/>
+          <a:ext cx="0" cy="0"/>
+          <a:chOff x="0" y="0"/>
+          <a:chExt cx="0" cy="0"/>
+        </a:xfrm>
+      </p:grpSpPr>
+      <p:sp>
+        <p:nvSpPr>
+          <p:cNvPr id="2" name="Title 1"/>
+          <p:cNvSpPr>
+            <a:spLocks noGrp="1"/>
+          </p:cNvSpPr>
+          <p:nvPr>
+            <p:ph type="title"/>
+          </p:nvPr>
+        </p:nvSpPr>
+        <p:spPr>
+          <a:xfrm>
+            <a:off x="39692" y="90310"/>
+            <a:ext cx="9234310" cy="745067"/>
+          </a:xfrm>
+        </p:spPr>
+        <p:txBody>
+          <a:bodyPr>
+            <a:normAutofit/>
+          </a:bodyPr>
+          <a:lstStyle/>
+          <a:p>
+            <a:r>
+              <a:rPr lang="en-GB" dirty="0" err="1" smtClean="0"/>
+              <a:t>Tsc</a:t>
+            </a:r>
+            <a:r>
+              <a:rPr lang="en-GB" dirty="0" smtClean="0"/>
+              <a:t> </a:t>
+            </a:r>
+            <a:r>
+              <a:rPr lang="en-GB" dirty="0" err="1" smtClean="0"/>
+              <a:t>Conf</a:t>
+            </a:r>
+            <a:r>
+              <a:rPr lang="en-GB" dirty="0" smtClean="0"/>
+              <a:t> </a:t>
+            </a:r>
+            <a:r>
+              <a:rPr lang="en-GB" dirty="0" smtClean="0"/>
+              <a:t>–More </a:t>
+            </a:r>
+            <a:r>
+              <a:rPr lang="en-GB" dirty="0" err="1" smtClean="0"/>
+              <a:t>config</a:t>
+            </a:r>
+            <a:r>
+              <a:rPr lang="en-GB" dirty="0" smtClean="0"/>
+              <a:t> options</a:t>
+            </a:r>
+            <a:endParaRPr lang="en-GB" dirty="0"/>
+          </a:p>
+        </p:txBody>
+      </p:sp>
+      <p:sp>
+        <p:nvSpPr>
+          <p:cNvPr id="3" name="Content Placeholder 2"/>
+          <p:cNvSpPr>
+            <a:spLocks noGrp="1"/>
+          </p:cNvSpPr>
+          <p:nvPr>
+            <p:ph idx="1"/>
+          </p:nvPr>
+        </p:nvSpPr>
+        <p:spPr>
+          <a:xfrm>
+            <a:off x="282222" y="835377"/>
+            <a:ext cx="9674578" cy="5892801"/>
+          </a:xfrm>
+        </p:spPr>
+        <p:txBody>
+          <a:bodyPr/>
+          <a:lstStyle/>
+          <a:p>
+            <a:r>
+              <a:rPr lang="en-GB" dirty="0" err="1" smtClean="0"/>
+              <a:t>removeComments</a:t>
+            </a:r>
+            <a:r>
+              <a:rPr lang="en-GB" dirty="0" smtClean="0"/>
+              <a:t> : if set to true all comments we add to </a:t>
+            </a:r>
+            <a:r>
+              <a:rPr lang="en-GB" dirty="0" err="1" smtClean="0"/>
+              <a:t>ts</a:t>
+            </a:r>
+            <a:r>
+              <a:rPr lang="en-GB" dirty="0" smtClean="0"/>
+              <a:t> files will be removed from the compiled </a:t>
+            </a:r>
+            <a:r>
+              <a:rPr lang="en-GB" dirty="0" err="1" smtClean="0"/>
+              <a:t>js</a:t>
+            </a:r>
+            <a:r>
+              <a:rPr lang="en-GB" dirty="0" smtClean="0"/>
+              <a:t> files.</a:t>
+            </a:r>
+          </a:p>
+          <a:p>
+            <a:r>
+              <a:rPr lang="en-IN" dirty="0" err="1" smtClean="0"/>
+              <a:t>noEmit</a:t>
+            </a:r>
+            <a:r>
+              <a:rPr lang="en-IN" dirty="0" smtClean="0"/>
+              <a:t> : If set to true </a:t>
+            </a:r>
+            <a:r>
+              <a:rPr lang="en-IN" dirty="0" err="1" smtClean="0"/>
+              <a:t>tsc</a:t>
+            </a:r>
+            <a:r>
+              <a:rPr lang="en-IN" dirty="0" smtClean="0"/>
+              <a:t> will just check the </a:t>
+            </a:r>
+            <a:r>
+              <a:rPr lang="en-IN" dirty="0" err="1" smtClean="0"/>
+              <a:t>ts</a:t>
+            </a:r>
+            <a:r>
+              <a:rPr lang="en-IN" dirty="0" smtClean="0"/>
+              <a:t> files for errors but will not generate any </a:t>
+            </a:r>
+            <a:r>
+              <a:rPr lang="en-IN" dirty="0" err="1" smtClean="0"/>
+              <a:t>js</a:t>
+            </a:r>
+            <a:r>
+              <a:rPr lang="en-IN" dirty="0" smtClean="0"/>
+              <a:t> files after compilation</a:t>
+            </a:r>
+            <a:endParaRPr lang="en-GB" dirty="0"/>
+          </a:p>
+          <a:p>
+            <a:r>
+              <a:rPr lang="en-IN" dirty="0" err="1" smtClean="0"/>
+              <a:t>noEmitOnError</a:t>
+            </a:r>
+            <a:r>
+              <a:rPr lang="en-IN" dirty="0" smtClean="0"/>
+              <a:t>: by default this is false, If set to true if we have an error in any </a:t>
+            </a:r>
+            <a:r>
+              <a:rPr lang="en-IN" dirty="0" err="1" smtClean="0"/>
+              <a:t>ts</a:t>
+            </a:r>
+            <a:r>
+              <a:rPr lang="en-IN" dirty="0" smtClean="0"/>
+              <a:t> file no output </a:t>
+            </a:r>
+            <a:r>
+              <a:rPr lang="en-IN" dirty="0" err="1" smtClean="0"/>
+              <a:t>js</a:t>
+            </a:r>
+            <a:r>
+              <a:rPr lang="en-IN" dirty="0" smtClean="0"/>
+              <a:t> file will be generated.</a:t>
+            </a:r>
+            <a:endParaRPr lang="en-GB" dirty="0" smtClean="0"/>
+          </a:p>
+        </p:txBody>
+      </p:sp>
+    </p:spTree>
+    <p:extLst>
+      <p:ext uri="{BB962C8B-B14F-4D97-AF65-F5344CB8AC3E}">
+        <p14:creationId xmlns:p14="http://schemas.microsoft.com/office/powerpoint/2010/main" val="2412137857"/>
+      </p:ext>
+    </p:extLst>
+  </p:cSld>
+  <p:clrMapOvr>
+    <a:masterClrMapping/>
+  </p:clrMapOvr>
+  <p:timing>
+    <p:tnLst>
+      <p:par>
+        <p:cTn id="1" dur="indefinite" restart="never" nodeType="tmRoot"/>
+      </p:par>
+    </p:tnLst>
+  </p:timing>
+</p:sld>
+</file>
+
+<file path=ppt/slides/slide36.xml><?xml version="1.0" encoding="utf-8"?>
+<p:sld xmlns:a="http://schemas.openxmlformats.org/drawingml/2006/main" xmlns:r="http://schemas.openxmlformats.org/officeDocument/2006/relationships" xmlns:p="http://schemas.openxmlformats.org/presentationml/2006/main">
+  <p:cSld>
+    <p:spTree>
+      <p:nvGrpSpPr>
+        <p:cNvPr id="1" name=""/>
+        <p:cNvGrpSpPr/>
+        <p:nvPr/>
+      </p:nvGrpSpPr>
+      <p:grpSpPr>
+        <a:xfrm>
+          <a:off x="0" y="0"/>
+          <a:ext cx="0" cy="0"/>
+          <a:chOff x="0" y="0"/>
+          <a:chExt cx="0" cy="0"/>
+        </a:xfrm>
+      </p:grpSpPr>
+      <p:sp>
+        <p:nvSpPr>
+          <p:cNvPr id="2" name="Title 1"/>
+          <p:cNvSpPr>
+            <a:spLocks noGrp="1"/>
+          </p:cNvSpPr>
+          <p:nvPr>
+            <p:ph type="title"/>
+          </p:nvPr>
+        </p:nvSpPr>
+        <p:spPr>
+          <a:xfrm>
+            <a:off x="39692" y="90310"/>
+            <a:ext cx="9234310" cy="745067"/>
+          </a:xfrm>
+        </p:spPr>
+        <p:txBody>
+          <a:bodyPr>
+            <a:normAutofit fontScale="90000"/>
+          </a:bodyPr>
+          <a:lstStyle/>
+          <a:p>
+            <a:r>
+              <a:rPr lang="en-GB" dirty="0" err="1" smtClean="0"/>
+              <a:t>Tsc</a:t>
+            </a:r>
+            <a:r>
+              <a:rPr lang="en-GB" dirty="0" smtClean="0"/>
+              <a:t> </a:t>
+            </a:r>
+            <a:r>
+              <a:rPr lang="en-GB" dirty="0" err="1" smtClean="0"/>
+              <a:t>Conf</a:t>
+            </a:r>
+            <a:r>
+              <a:rPr lang="en-GB" dirty="0" smtClean="0"/>
+              <a:t> </a:t>
+            </a:r>
+            <a:r>
+              <a:rPr lang="en-GB" dirty="0" smtClean="0"/>
+              <a:t>–</a:t>
+            </a:r>
+            <a:r>
+              <a:rPr lang="en-GB" dirty="0"/>
+              <a:t>Strict Type-Checking Options</a:t>
+            </a:r>
+            <a:br>
+              <a:rPr lang="en-GB" dirty="0"/>
+            </a:br>
+            <a:endParaRPr lang="en-GB" dirty="0"/>
+          </a:p>
+        </p:txBody>
+      </p:sp>
+      <p:sp>
+        <p:nvSpPr>
+          <p:cNvPr id="3" name="Content Placeholder 2"/>
+          <p:cNvSpPr>
+            <a:spLocks noGrp="1"/>
+          </p:cNvSpPr>
+          <p:nvPr>
+            <p:ph idx="1"/>
+          </p:nvPr>
+        </p:nvSpPr>
+        <p:spPr>
+          <a:xfrm>
+            <a:off x="282222" y="835377"/>
+            <a:ext cx="9674578" cy="5892801"/>
+          </a:xfrm>
+        </p:spPr>
+        <p:txBody>
+          <a:bodyPr/>
+          <a:lstStyle/>
+          <a:p>
+            <a:r>
+              <a:rPr lang="en-IN" dirty="0" smtClean="0"/>
+              <a:t>Strict : if set to true all other strict type checking options are set to true automatically if no other option is </a:t>
+            </a:r>
+            <a:r>
+              <a:rPr lang="en-IN" dirty="0" err="1" smtClean="0"/>
+              <a:t>set.If</a:t>
+            </a:r>
+            <a:r>
+              <a:rPr lang="en-IN" dirty="0" smtClean="0"/>
+              <a:t> this is set to true and any other option is set to false all options except that will be set to true.</a:t>
+            </a:r>
+          </a:p>
+          <a:p>
+            <a:r>
+              <a:rPr lang="en-IN" dirty="0" err="1" smtClean="0"/>
+              <a:t>noImplicitAny</a:t>
+            </a:r>
+            <a:r>
+              <a:rPr lang="en-IN" dirty="0" smtClean="0"/>
+              <a:t> : if the type of parameters or return type is </a:t>
+            </a:r>
+            <a:r>
+              <a:rPr lang="en-IN" b="1" dirty="0" smtClean="0"/>
+              <a:t>any</a:t>
+            </a:r>
+            <a:r>
+              <a:rPr lang="en-IN" dirty="0" smtClean="0"/>
+              <a:t> it should be specified explicitly. Implicit type inference for any is disallowed if this option is set to </a:t>
+            </a:r>
+            <a:r>
+              <a:rPr lang="en-IN" dirty="0" err="1" smtClean="0"/>
+              <a:t>true.It</a:t>
+            </a:r>
+            <a:r>
+              <a:rPr lang="en-IN" dirty="0" smtClean="0"/>
+              <a:t> is although allowed for variables.</a:t>
+            </a:r>
+          </a:p>
+          <a:p>
+            <a:r>
+              <a:rPr lang="en-GB" dirty="0" err="1" smtClean="0"/>
+              <a:t>strictNullChecks</a:t>
+            </a:r>
+            <a:r>
+              <a:rPr lang="en-GB" dirty="0" smtClean="0"/>
+              <a:t> : when set to true raises an error </a:t>
+            </a:r>
+            <a:r>
+              <a:rPr lang="en-GB" dirty="0" err="1" smtClean="0"/>
+              <a:t>whwrever</a:t>
+            </a:r>
+            <a:r>
+              <a:rPr lang="en-GB" dirty="0" smtClean="0"/>
+              <a:t> null reference can occur and forces us to handle it by adding a check or by explicitly declaring that the used value will not be null using !</a:t>
+            </a:r>
+          </a:p>
+          <a:p>
+            <a:endParaRPr lang="en-GB" dirty="0"/>
+          </a:p>
+          <a:p>
+            <a:endParaRPr lang="en-IN" dirty="0" smtClean="0"/>
+          </a:p>
+          <a:p>
+            <a:endParaRPr lang="en-IN" dirty="0" smtClean="0"/>
+          </a:p>
+          <a:p>
+            <a:endParaRPr lang="en-GB" dirty="0" smtClean="0"/>
+          </a:p>
+        </p:txBody>
+      </p:sp>
+    </p:spTree>
+    <p:extLst>
+      <p:ext uri="{BB962C8B-B14F-4D97-AF65-F5344CB8AC3E}">
+        <p14:creationId xmlns:p14="http://schemas.microsoft.com/office/powerpoint/2010/main" val="2609405634"/>
+      </p:ext>
+    </p:extLst>
+  </p:cSld>
+  <p:clrMapOvr>
+    <a:masterClrMapping/>
+  </p:clrMapOvr>
+  <p:timing>
+    <p:tnLst>
+      <p:par>
+        <p:cTn id="1" dur="indefinite" restart="never" nodeType="tmRoot"/>
+      </p:par>
+    </p:tnLst>
+  </p:timing>
+</p:sld>
+</file>
+
+<file path=ppt/slides/slide37.xml><?xml version="1.0" encoding="utf-8"?>
+<p:sld xmlns:a="http://schemas.openxmlformats.org/drawingml/2006/main" xmlns:r="http://schemas.openxmlformats.org/officeDocument/2006/relationships" xmlns:p="http://schemas.openxmlformats.org/presentationml/2006/main">
+  <p:cSld>
+    <p:spTree>
+      <p:nvGrpSpPr>
+        <p:cNvPr id="1" name=""/>
+        <p:cNvGrpSpPr/>
+        <p:nvPr/>
+      </p:nvGrpSpPr>
+      <p:grpSpPr>
+        <a:xfrm>
+          <a:off x="0" y="0"/>
+          <a:ext cx="0" cy="0"/>
+          <a:chOff x="0" y="0"/>
+          <a:chExt cx="0" cy="0"/>
+        </a:xfrm>
+      </p:grpSpPr>
+      <p:sp>
+        <p:nvSpPr>
+          <p:cNvPr id="2" name="Title 1"/>
+          <p:cNvSpPr>
+            <a:spLocks noGrp="1"/>
+          </p:cNvSpPr>
+          <p:nvPr>
+            <p:ph type="title"/>
+          </p:nvPr>
+        </p:nvSpPr>
+        <p:spPr>
+          <a:xfrm>
+            <a:off x="39692" y="90310"/>
+            <a:ext cx="9234310" cy="745067"/>
+          </a:xfrm>
+        </p:spPr>
+        <p:txBody>
+          <a:bodyPr>
+            <a:normAutofit fontScale="90000"/>
+          </a:bodyPr>
+          <a:lstStyle/>
+          <a:p>
+            <a:r>
+              <a:rPr lang="en-GB" dirty="0" err="1" smtClean="0"/>
+              <a:t>Tsc</a:t>
+            </a:r>
+            <a:r>
+              <a:rPr lang="en-GB" dirty="0" smtClean="0"/>
+              <a:t> </a:t>
+            </a:r>
+            <a:r>
+              <a:rPr lang="en-GB" dirty="0" err="1" smtClean="0"/>
+              <a:t>Conf</a:t>
+            </a:r>
+            <a:r>
+              <a:rPr lang="en-GB" dirty="0" smtClean="0"/>
+              <a:t> </a:t>
+            </a:r>
+            <a:r>
+              <a:rPr lang="en-GB" dirty="0" smtClean="0"/>
+              <a:t>–</a:t>
+            </a:r>
+            <a:r>
+              <a:rPr lang="en-GB" dirty="0"/>
+              <a:t>Strict Type-Checking </a:t>
+            </a:r>
+            <a:r>
+              <a:rPr lang="en-GB" dirty="0" smtClean="0"/>
+              <a:t>Options </a:t>
+            </a:r>
+            <a:r>
+              <a:rPr lang="en-GB" dirty="0" err="1" smtClean="0"/>
+              <a:t>Cont</a:t>
+            </a:r>
+            <a:r>
+              <a:rPr lang="en-GB" dirty="0" smtClean="0"/>
+              <a:t>…</a:t>
+            </a:r>
+            <a:r>
+              <a:rPr lang="en-GB" dirty="0"/>
+              <a:t/>
+            </a:r>
+            <a:br>
+              <a:rPr lang="en-GB" dirty="0"/>
+            </a:br>
+            <a:endParaRPr lang="en-GB" dirty="0"/>
+          </a:p>
+        </p:txBody>
+      </p:sp>
+      <p:sp>
+        <p:nvSpPr>
+          <p:cNvPr id="3" name="Content Placeholder 2"/>
+          <p:cNvSpPr>
+            <a:spLocks noGrp="1"/>
+          </p:cNvSpPr>
+          <p:nvPr>
+            <p:ph idx="1"/>
+          </p:nvPr>
+        </p:nvSpPr>
+        <p:spPr>
+          <a:xfrm>
+            <a:off x="282222" y="835377"/>
+            <a:ext cx="9674578" cy="5892801"/>
+          </a:xfrm>
+        </p:spPr>
+        <p:txBody>
+          <a:bodyPr/>
+          <a:lstStyle/>
+          <a:p>
+            <a:r>
+              <a:rPr lang="en-GB" dirty="0" err="1" smtClean="0"/>
+              <a:t>strictBindCallApply</a:t>
+            </a:r>
+            <a:r>
+              <a:rPr lang="en-GB" dirty="0"/>
+              <a:t> </a:t>
+            </a:r>
+            <a:r>
+              <a:rPr lang="en-GB" dirty="0" smtClean="0"/>
+              <a:t>: if set to true it checks bind(), call(),apply() calls for errors .To understand this we first need to understand bind() , call() and apply() defined by </a:t>
+            </a:r>
+            <a:r>
+              <a:rPr lang="en-GB" dirty="0" err="1" smtClean="0"/>
+              <a:t>Function.prototype</a:t>
+            </a:r>
+            <a:r>
+              <a:rPr lang="en-GB" dirty="0" smtClean="0"/>
+              <a:t> starting with es5 .Call and apply came in es3 whereas bind came in es5</a:t>
+            </a:r>
+          </a:p>
+          <a:p>
+            <a:endParaRPr lang="en-GB" dirty="0" smtClean="0"/>
+          </a:p>
+          <a:p>
+            <a:r>
+              <a:rPr lang="en-IN" b="1" dirty="0"/>
+              <a:t>Basic rules worth remembering:</a:t>
+            </a:r>
+            <a:endParaRPr lang="en-IN" dirty="0"/>
+          </a:p>
+          <a:p>
+            <a:pPr lvl="1" fontAlgn="t"/>
+            <a:r>
+              <a:rPr lang="en-IN" dirty="0"/>
+              <a:t>“this” always refers to an object.</a:t>
+            </a:r>
+          </a:p>
+          <a:p>
+            <a:pPr lvl="1" fontAlgn="t"/>
+            <a:r>
+              <a:rPr lang="en-IN" dirty="0"/>
+              <a:t>“this” refers to an object which calls the function it contains.</a:t>
+            </a:r>
+          </a:p>
+          <a:p>
+            <a:pPr lvl="1" fontAlgn="t"/>
+            <a:r>
+              <a:rPr lang="en-IN" dirty="0"/>
+              <a:t>In the global context “this” refers to either window object or is undefined if the ‘strict mode’ is used</a:t>
+            </a:r>
+            <a:r>
+              <a:rPr lang="en-IN" dirty="0" smtClean="0"/>
+              <a:t>.</a:t>
+            </a:r>
+          </a:p>
+          <a:p>
+            <a:pPr fontAlgn="t"/>
+            <a:r>
+              <a:rPr lang="en-IN" dirty="0" smtClean="0"/>
+              <a:t>Lets dive into code to understand bind call and apply</a:t>
+            </a:r>
+          </a:p>
+          <a:p>
+            <a:r>
+              <a:rPr lang="en-GB" dirty="0" err="1" smtClean="0"/>
+              <a:t>strictPropertyInitialization</a:t>
+            </a:r>
+            <a:r>
+              <a:rPr lang="en-GB" dirty="0" smtClean="0"/>
+              <a:t> : will be covered once we learn about classes</a:t>
+            </a:r>
+          </a:p>
+          <a:p>
+            <a:r>
+              <a:rPr lang="en-IN" dirty="0" err="1" smtClean="0"/>
+              <a:t>noImplicitThis</a:t>
+            </a:r>
+            <a:r>
+              <a:rPr lang="en-IN" dirty="0" smtClean="0"/>
+              <a:t> : if set to true </a:t>
+            </a:r>
+            <a:r>
+              <a:rPr lang="en-IN" dirty="0" err="1" smtClean="0"/>
+              <a:t>ts</a:t>
+            </a:r>
+            <a:r>
+              <a:rPr lang="en-IN" dirty="0" smtClean="0"/>
+              <a:t> will warn us if we try to refer to this keyword where it is not sure what this refers to.</a:t>
+            </a:r>
+          </a:p>
+          <a:p>
+            <a:r>
+              <a:rPr lang="en-IN" dirty="0" smtClean="0"/>
+              <a:t> </a:t>
+            </a:r>
+            <a:r>
+              <a:rPr lang="en-IN" dirty="0" err="1" smtClean="0"/>
+              <a:t>alwaysStrict</a:t>
+            </a:r>
+            <a:r>
+              <a:rPr lang="en-IN" dirty="0" smtClean="0"/>
+              <a:t> : if set to true will ensure that the generated </a:t>
+            </a:r>
+            <a:r>
+              <a:rPr lang="en-IN" dirty="0" err="1" smtClean="0"/>
+              <a:t>js</a:t>
+            </a:r>
+            <a:r>
+              <a:rPr lang="en-IN" dirty="0" smtClean="0"/>
+              <a:t> files are using strict mode</a:t>
+            </a:r>
+            <a:endParaRPr lang="en-GB" dirty="0"/>
+          </a:p>
+          <a:p>
+            <a:endParaRPr lang="en-IN" dirty="0"/>
+          </a:p>
+          <a:p>
+            <a:endParaRPr lang="en-GB" dirty="0"/>
+          </a:p>
+          <a:p>
+            <a:endParaRPr lang="en-IN" dirty="0" smtClean="0"/>
+          </a:p>
+          <a:p>
+            <a:endParaRPr lang="en-IN" dirty="0" smtClean="0"/>
+          </a:p>
+          <a:p>
+            <a:endParaRPr lang="en-GB" dirty="0" smtClean="0"/>
+          </a:p>
+        </p:txBody>
+      </p:sp>
+    </p:spTree>
+    <p:extLst>
+      <p:ext uri="{BB962C8B-B14F-4D97-AF65-F5344CB8AC3E}">
+        <p14:creationId xmlns:p14="http://schemas.microsoft.com/office/powerpoint/2010/main" val="3205579718"/>
+      </p:ext>
+    </p:extLst>
+  </p:cSld>
+  <p:clrMapOvr>
+    <a:masterClrMapping/>
+  </p:clrMapOvr>
+  <p:timing>
+    <p:tnLst>
+      <p:par>
+        <p:cTn id="1" dur="indefinite" restart="never" nodeType="tmRoot"/>
+      </p:par>
+    </p:tnLst>
+  </p:timing>
+</p:sld>
+</file>
+
+<file path=ppt/slides/slide38.xml><?xml version="1.0" encoding="utf-8"?>
+<p:sld xmlns:a="http://schemas.openxmlformats.org/drawingml/2006/main" xmlns:r="http://schemas.openxmlformats.org/officeDocument/2006/relationships" xmlns:p="http://schemas.openxmlformats.org/presentationml/2006/main">
+  <p:cSld>
+    <p:spTree>
+      <p:nvGrpSpPr>
+        <p:cNvPr id="1" name=""/>
+        <p:cNvGrpSpPr/>
+        <p:nvPr/>
+      </p:nvGrpSpPr>
+      <p:grpSpPr>
+        <a:xfrm>
+          <a:off x="0" y="0"/>
+          <a:ext cx="0" cy="0"/>
+          <a:chOff x="0" y="0"/>
+          <a:chExt cx="0" cy="0"/>
+        </a:xfrm>
+      </p:grpSpPr>
+      <p:sp>
+        <p:nvSpPr>
+          <p:cNvPr id="2" name="Title 1"/>
+          <p:cNvSpPr>
+            <a:spLocks noGrp="1"/>
+          </p:cNvSpPr>
+          <p:nvPr>
+            <p:ph type="title"/>
+          </p:nvPr>
+        </p:nvSpPr>
+        <p:spPr>
+          <a:xfrm>
+            <a:off x="39692" y="90310"/>
+            <a:ext cx="9234310" cy="745067"/>
+          </a:xfrm>
+        </p:spPr>
+        <p:txBody>
+          <a:bodyPr>
+            <a:normAutofit/>
+          </a:bodyPr>
+          <a:lstStyle/>
+          <a:p>
+            <a:r>
+              <a:rPr lang="en-GB" dirty="0" err="1" smtClean="0"/>
+              <a:t>Tsc</a:t>
+            </a:r>
+            <a:r>
+              <a:rPr lang="en-GB" dirty="0" smtClean="0"/>
+              <a:t> </a:t>
+            </a:r>
+            <a:r>
+              <a:rPr lang="en-GB" dirty="0" err="1" smtClean="0"/>
+              <a:t>Conf</a:t>
+            </a:r>
+            <a:r>
+              <a:rPr lang="en-GB" dirty="0" smtClean="0"/>
+              <a:t> </a:t>
+            </a:r>
+            <a:r>
+              <a:rPr lang="en-GB" dirty="0" smtClean="0"/>
+              <a:t>–</a:t>
+            </a:r>
+            <a:r>
+              <a:rPr lang="en-GB" dirty="0" smtClean="0"/>
+              <a:t>Code Quality</a:t>
+            </a:r>
+            <a:r>
+              <a:rPr lang="en-GB" dirty="0"/>
+              <a:t> </a:t>
+            </a:r>
+            <a:r>
+              <a:rPr lang="en-GB" dirty="0" smtClean="0"/>
+              <a:t>Options </a:t>
+            </a:r>
+            <a:endParaRPr lang="en-GB" dirty="0"/>
+          </a:p>
+        </p:txBody>
+      </p:sp>
+      <p:sp>
+        <p:nvSpPr>
+          <p:cNvPr id="3" name="Content Placeholder 2"/>
+          <p:cNvSpPr>
+            <a:spLocks noGrp="1"/>
+          </p:cNvSpPr>
+          <p:nvPr>
+            <p:ph idx="1"/>
+          </p:nvPr>
+        </p:nvSpPr>
+        <p:spPr>
+          <a:xfrm>
+            <a:off x="282222" y="835377"/>
+            <a:ext cx="9674578" cy="5892801"/>
+          </a:xfrm>
+        </p:spPr>
+        <p:txBody>
+          <a:bodyPr/>
+          <a:lstStyle/>
+          <a:p>
+            <a:r>
+              <a:rPr lang="en-IN" dirty="0" err="1" smtClean="0"/>
+              <a:t>noUnusedLocals</a:t>
+            </a:r>
+            <a:r>
+              <a:rPr lang="en-IN" dirty="0" smtClean="0"/>
+              <a:t> : if set to true </a:t>
+            </a:r>
+            <a:r>
+              <a:rPr lang="en-IN" dirty="0" err="1" smtClean="0"/>
+              <a:t>ts</a:t>
+            </a:r>
+            <a:r>
+              <a:rPr lang="en-IN" dirty="0" smtClean="0"/>
+              <a:t> will give an error if we have unused local variables in any method</a:t>
+            </a:r>
+          </a:p>
+          <a:p>
+            <a:r>
+              <a:rPr lang="en-IN" dirty="0" err="1" smtClean="0"/>
+              <a:t>noUnusedParameters:if</a:t>
+            </a:r>
+            <a:r>
+              <a:rPr lang="en-IN" dirty="0" smtClean="0"/>
+              <a:t> true </a:t>
+            </a:r>
+            <a:r>
+              <a:rPr lang="en-IN" dirty="0" err="1" smtClean="0"/>
+              <a:t>ts</a:t>
+            </a:r>
+            <a:r>
+              <a:rPr lang="en-IN" dirty="0" smtClean="0"/>
+              <a:t> will raise an error if we have an unused parameter in a method</a:t>
+            </a:r>
+          </a:p>
+          <a:p>
+            <a:r>
+              <a:rPr lang="en-IN" dirty="0" err="1" smtClean="0"/>
+              <a:t>noImplicitReturns</a:t>
+            </a:r>
+            <a:r>
+              <a:rPr lang="en-IN" dirty="0" smtClean="0"/>
+              <a:t>: if true generates an error when not all branches of a method return </a:t>
+            </a:r>
+            <a:r>
+              <a:rPr lang="en-IN" dirty="0" err="1" smtClean="0"/>
+              <a:t>something.We</a:t>
+            </a:r>
+            <a:r>
+              <a:rPr lang="en-IN" dirty="0" smtClean="0"/>
+              <a:t> can although add a blank return statement to solve this</a:t>
+            </a:r>
+          </a:p>
+          <a:p>
+            <a:r>
+              <a:rPr lang="en-GB" dirty="0" err="1" smtClean="0"/>
+              <a:t>noFallthroughCasesInSwitch</a:t>
+            </a:r>
+            <a:r>
+              <a:rPr lang="en-GB" dirty="0" smtClean="0"/>
+              <a:t>: if true doesn’t allow to skip break statement in switch case </a:t>
+            </a:r>
+            <a:endParaRPr lang="en-GB" dirty="0"/>
+          </a:p>
+          <a:p>
+            <a:endParaRPr lang="en-GB" dirty="0"/>
+          </a:p>
+          <a:p>
+            <a:endParaRPr lang="en-IN" dirty="0"/>
+          </a:p>
+          <a:p>
+            <a:endParaRPr lang="en-GB" dirty="0"/>
+          </a:p>
+          <a:p>
+            <a:endParaRPr lang="en-IN" dirty="0" smtClean="0"/>
+          </a:p>
+          <a:p>
+            <a:endParaRPr lang="en-IN" dirty="0" smtClean="0"/>
+          </a:p>
+          <a:p>
+            <a:endParaRPr lang="en-GB" dirty="0" smtClean="0"/>
+          </a:p>
+        </p:txBody>
+      </p:sp>
+    </p:spTree>
+    <p:extLst>
+      <p:ext uri="{BB962C8B-B14F-4D97-AF65-F5344CB8AC3E}">
+        <p14:creationId xmlns:p14="http://schemas.microsoft.com/office/powerpoint/2010/main" val="2591910517"/>
+      </p:ext>
+    </p:extLst>
+  </p:cSld>
+  <p:clrMapOvr>
+    <a:masterClrMapping/>
+  </p:clrMapOvr>
+  <p:timing>
+    <p:tnLst>
+      <p:par>
+        <p:cTn id="1" dur="indefinite" restart="never" nodeType="tmRoot"/>
+      </p:par>
+    </p:tnLst>
+  </p:timing>
+</p:sld>
+</file>
+
+<file path=ppt/slides/slide39.xml><?xml version="1.0" encoding="utf-8"?>
+<p:sld xmlns:a="http://schemas.openxmlformats.org/drawingml/2006/main" xmlns:r="http://schemas.openxmlformats.org/officeDocument/2006/relationships" xmlns:p="http://schemas.openxmlformats.org/presentationml/2006/main">
+  <p:cSld>
+    <p:spTree>
+      <p:nvGrpSpPr>
+        <p:cNvPr id="1" name=""/>
+        <p:cNvGrpSpPr/>
+        <p:nvPr/>
+      </p:nvGrpSpPr>
+      <p:grpSpPr>
+        <a:xfrm>
+          <a:off x="0" y="0"/>
+          <a:ext cx="0" cy="0"/>
+          <a:chOff x="0" y="0"/>
+          <a:chExt cx="0" cy="0"/>
+        </a:xfrm>
+      </p:grpSpPr>
+      <p:sp>
+        <p:nvSpPr>
+          <p:cNvPr id="2" name="Title 1"/>
+          <p:cNvSpPr>
+            <a:spLocks noGrp="1"/>
+          </p:cNvSpPr>
+          <p:nvPr>
+            <p:ph type="title"/>
+          </p:nvPr>
+        </p:nvSpPr>
+        <p:spPr>
+          <a:xfrm>
+            <a:off x="677334" y="203200"/>
+            <a:ext cx="8596668" cy="654756"/>
+          </a:xfrm>
+        </p:spPr>
+        <p:txBody>
+          <a:bodyPr/>
+          <a:lstStyle/>
+          <a:p>
+            <a:r>
+              <a:rPr lang="en-IN" dirty="0" smtClean="0"/>
+              <a:t>Debugging with Chrome debugger tool</a:t>
+            </a:r>
+            <a:endParaRPr lang="en-GB" dirty="0"/>
+          </a:p>
+        </p:txBody>
+      </p:sp>
+      <p:sp>
+        <p:nvSpPr>
+          <p:cNvPr id="3" name="Content Placeholder 2"/>
+          <p:cNvSpPr>
+            <a:spLocks noGrp="1"/>
+          </p:cNvSpPr>
+          <p:nvPr>
+            <p:ph idx="1"/>
+          </p:nvPr>
+        </p:nvSpPr>
+        <p:spPr>
+          <a:xfrm>
+            <a:off x="677334" y="1196623"/>
+            <a:ext cx="8596668" cy="4844740"/>
+          </a:xfrm>
+        </p:spPr>
+        <p:txBody>
+          <a:bodyPr/>
+          <a:lstStyle/>
+          <a:p>
+            <a:r>
+              <a:rPr lang="en-IN" dirty="0" smtClean="0"/>
+              <a:t>Install the plugin </a:t>
+            </a:r>
+            <a:r>
+              <a:rPr lang="en-IN" dirty="0" smtClean="0">
+                <a:hlinkClick r:id="rId2"/>
+              </a:rPr>
+              <a:t>Debugger for Chrome</a:t>
+            </a:r>
+            <a:endParaRPr lang="en-IN" dirty="0" smtClean="0"/>
+          </a:p>
+          <a:p>
+            <a:r>
+              <a:rPr lang="en-IN" dirty="0" smtClean="0"/>
+              <a:t>Add a breakpoint to the code by clicking on left side of the line number in vs code</a:t>
+            </a:r>
+          </a:p>
+          <a:p>
+            <a:r>
+              <a:rPr lang="en-IN" dirty="0" smtClean="0"/>
+              <a:t>Go to run menu and click start debugging and select chrome</a:t>
+            </a:r>
+          </a:p>
+          <a:p>
+            <a:r>
+              <a:rPr lang="en-IN" dirty="0" smtClean="0"/>
+              <a:t>A </a:t>
+            </a:r>
+            <a:r>
+              <a:rPr lang="en-IN" dirty="0" err="1" smtClean="0"/>
+              <a:t>launch.json</a:t>
+            </a:r>
+            <a:r>
+              <a:rPr lang="en-IN" dirty="0" smtClean="0"/>
+              <a:t> file will open  change the </a:t>
+            </a:r>
+            <a:r>
+              <a:rPr lang="en-IN" dirty="0" err="1" smtClean="0"/>
+              <a:t>url</a:t>
+            </a:r>
+            <a:r>
+              <a:rPr lang="en-IN" dirty="0" smtClean="0"/>
+              <a:t> to </a:t>
+            </a:r>
+            <a:r>
+              <a:rPr lang="en-IN" dirty="0" smtClean="0">
+                <a:hlinkClick r:id="rId3"/>
+              </a:rPr>
+              <a:t>http://localhost:3000</a:t>
+            </a:r>
+            <a:endParaRPr lang="en-IN" dirty="0" smtClean="0"/>
+          </a:p>
+          <a:p>
+            <a:r>
+              <a:rPr lang="en-IN" dirty="0" smtClean="0"/>
+              <a:t>Also change the </a:t>
+            </a:r>
+            <a:r>
+              <a:rPr lang="en-IN" dirty="0" err="1" smtClean="0"/>
+              <a:t>webroot</a:t>
+            </a:r>
+            <a:r>
+              <a:rPr lang="en-IN" dirty="0" smtClean="0"/>
+              <a:t> to the </a:t>
+            </a:r>
+            <a:r>
+              <a:rPr lang="en-IN" dirty="0" err="1" smtClean="0"/>
+              <a:t>outDir</a:t>
+            </a:r>
+            <a:r>
+              <a:rPr lang="en-IN" dirty="0" smtClean="0"/>
+              <a:t> path.</a:t>
+            </a:r>
+          </a:p>
+          <a:p>
+            <a:r>
+              <a:rPr lang="en-IN" dirty="0" smtClean="0"/>
+              <a:t>Then click run-&gt;</a:t>
+            </a:r>
+            <a:r>
+              <a:rPr lang="en-IN" dirty="0"/>
+              <a:t> start debugging</a:t>
+            </a:r>
+            <a:r>
+              <a:rPr lang="en-IN" dirty="0" smtClean="0"/>
+              <a:t> again our program will launch in chrome and stop at the breakpoint in vs code we can add variables/expressions to </a:t>
+            </a:r>
+            <a:r>
+              <a:rPr lang="en-IN" dirty="0" err="1" smtClean="0"/>
+              <a:t>watchlist</a:t>
+            </a:r>
+            <a:r>
+              <a:rPr lang="en-IN" dirty="0" smtClean="0"/>
+              <a:t> check state of local/global variables check call stack </a:t>
+            </a:r>
+            <a:r>
+              <a:rPr lang="en-IN" dirty="0" err="1" smtClean="0"/>
+              <a:t>etc</a:t>
+            </a:r>
+            <a:r>
+              <a:rPr lang="en-IN" dirty="0" smtClean="0"/>
+              <a:t> from within vs code.</a:t>
+            </a:r>
+          </a:p>
+          <a:p>
+            <a:r>
+              <a:rPr lang="en-IN" dirty="0" smtClean="0"/>
+              <a:t>Demo time!!!!!</a:t>
+            </a:r>
+            <a:endParaRPr lang="en-GB" dirty="0"/>
+          </a:p>
+        </p:txBody>
+      </p:sp>
+    </p:spTree>
+    <p:extLst>
+      <p:ext uri="{BB962C8B-B14F-4D97-AF65-F5344CB8AC3E}">
+        <p14:creationId xmlns:p14="http://schemas.microsoft.com/office/powerpoint/2010/main" val="2625431577"/>
+      </p:ext>
+    </p:extLst>
+  </p:cSld>
+  <p:clrMapOvr>
+    <a:masterClrMapping/>
+  </p:clrMapOvr>
 </p:sld>
 </file>
 
@@ -24940,6 +31026,215 @@
 </p:sld>
 </file>
 
+<file path=ppt/slides/slide40.xml><?xml version="1.0" encoding="utf-8"?>
+<p:sld xmlns:a="http://schemas.openxmlformats.org/drawingml/2006/main" xmlns:r="http://schemas.openxmlformats.org/officeDocument/2006/relationships" xmlns:p="http://schemas.openxmlformats.org/presentationml/2006/main">
+  <p:cSld>
+    <p:spTree>
+      <p:nvGrpSpPr>
+        <p:cNvPr id="1" name=""/>
+        <p:cNvGrpSpPr/>
+        <p:nvPr/>
+      </p:nvGrpSpPr>
+      <p:grpSpPr>
+        <a:xfrm>
+          <a:off x="0" y="0"/>
+          <a:ext cx="0" cy="0"/>
+          <a:chOff x="0" y="0"/>
+          <a:chExt cx="0" cy="0"/>
+        </a:xfrm>
+      </p:grpSpPr>
+      <p:sp>
+        <p:nvSpPr>
+          <p:cNvPr id="2" name="Title 1"/>
+          <p:cNvSpPr>
+            <a:spLocks noGrp="1"/>
+          </p:cNvSpPr>
+          <p:nvPr>
+            <p:ph type="title"/>
+          </p:nvPr>
+        </p:nvSpPr>
+        <p:spPr>
+          <a:xfrm>
+            <a:off x="677334" y="609600"/>
+            <a:ext cx="8596668" cy="948267"/>
+          </a:xfrm>
+        </p:spPr>
+        <p:txBody>
+          <a:bodyPr/>
+          <a:lstStyle/>
+          <a:p>
+            <a:r>
+              <a:rPr lang="en-IN" dirty="0" smtClean="0"/>
+              <a:t>Useful links</a:t>
+            </a:r>
+            <a:endParaRPr lang="en-GB" dirty="0"/>
+          </a:p>
+        </p:txBody>
+      </p:sp>
+      <p:sp>
+        <p:nvSpPr>
+          <p:cNvPr id="3" name="Content Placeholder 2"/>
+          <p:cNvSpPr>
+            <a:spLocks noGrp="1"/>
+          </p:cNvSpPr>
+          <p:nvPr>
+            <p:ph idx="1"/>
+          </p:nvPr>
+        </p:nvSpPr>
+        <p:spPr>
+          <a:xfrm>
+            <a:off x="677334" y="1557867"/>
+            <a:ext cx="8596668" cy="4483495"/>
+          </a:xfrm>
+        </p:spPr>
+        <p:txBody>
+          <a:bodyPr/>
+          <a:lstStyle/>
+          <a:p>
+            <a:r>
+              <a:rPr lang="en-IN" dirty="0"/>
+              <a:t>These links might also be interesting:</a:t>
+            </a:r>
+          </a:p>
+          <a:p>
+            <a:r>
+              <a:rPr lang="en-IN" dirty="0" err="1"/>
+              <a:t>tsconfig</a:t>
+            </a:r>
+            <a:r>
+              <a:rPr lang="en-IN" dirty="0"/>
+              <a:t> Docs: </a:t>
+            </a:r>
+            <a:r>
+              <a:rPr lang="en-IN" dirty="0">
+                <a:hlinkClick r:id="rId2"/>
+              </a:rPr>
+              <a:t>https://www.typescriptlang.org/docs/handbook/tsconfig-json.html</a:t>
+            </a:r>
+            <a:endParaRPr lang="en-IN" dirty="0"/>
+          </a:p>
+          <a:p>
+            <a:r>
+              <a:rPr lang="en-IN" dirty="0"/>
+              <a:t>Compiler </a:t>
+            </a:r>
+            <a:r>
+              <a:rPr lang="en-IN" dirty="0" err="1"/>
+              <a:t>Config</a:t>
+            </a:r>
+            <a:r>
+              <a:rPr lang="en-IN" dirty="0"/>
+              <a:t> Docs: </a:t>
+            </a:r>
+            <a:r>
+              <a:rPr lang="en-IN" dirty="0">
+                <a:hlinkClick r:id="rId3"/>
+              </a:rPr>
+              <a:t>https://www.typescriptlang.org/docs/handbook/compiler-options.html</a:t>
+            </a:r>
+            <a:endParaRPr lang="en-IN" dirty="0"/>
+          </a:p>
+          <a:p>
+            <a:r>
+              <a:rPr lang="en-IN" dirty="0"/>
+              <a:t>VS Code TS Debugging: </a:t>
+            </a:r>
+            <a:r>
+              <a:rPr lang="en-IN" dirty="0">
+                <a:hlinkClick r:id="rId4"/>
+              </a:rPr>
+              <a:t>https://code.visualstudio.com/docs/typescript/typescript-debugging</a:t>
+            </a:r>
+            <a:endParaRPr lang="en-IN" dirty="0"/>
+          </a:p>
+          <a:p>
+            <a:endParaRPr lang="en-GB" dirty="0"/>
+          </a:p>
+        </p:txBody>
+      </p:sp>
+    </p:spTree>
+    <p:extLst>
+      <p:ext uri="{BB962C8B-B14F-4D97-AF65-F5344CB8AC3E}">
+        <p14:creationId xmlns:p14="http://schemas.microsoft.com/office/powerpoint/2010/main" val="2892967027"/>
+      </p:ext>
+    </p:extLst>
+  </p:cSld>
+  <p:clrMapOvr>
+    <a:masterClrMapping/>
+  </p:clrMapOvr>
+</p:sld>
+</file>
+
+<file path=ppt/slides/slide41.xml><?xml version="1.0" encoding="utf-8"?>
+<p:sld xmlns:a="http://schemas.openxmlformats.org/drawingml/2006/main" xmlns:r="http://schemas.openxmlformats.org/officeDocument/2006/relationships" xmlns:p="http://schemas.openxmlformats.org/presentationml/2006/main">
+  <p:cSld>
+    <p:spTree>
+      <p:nvGrpSpPr>
+        <p:cNvPr id="1" name=""/>
+        <p:cNvGrpSpPr/>
+        <p:nvPr/>
+      </p:nvGrpSpPr>
+      <p:grpSpPr>
+        <a:xfrm>
+          <a:off x="0" y="0"/>
+          <a:ext cx="0" cy="0"/>
+          <a:chOff x="0" y="0"/>
+          <a:chExt cx="0" cy="0"/>
+        </a:xfrm>
+      </p:grpSpPr>
+      <p:sp>
+        <p:nvSpPr>
+          <p:cNvPr id="3" name="Content Placeholder 2"/>
+          <p:cNvSpPr>
+            <a:spLocks noGrp="1"/>
+          </p:cNvSpPr>
+          <p:nvPr>
+            <p:ph idx="1"/>
+          </p:nvPr>
+        </p:nvSpPr>
+        <p:spPr>
+          <a:xfrm>
+            <a:off x="3163860" y="2754147"/>
+            <a:ext cx="8596668" cy="3880773"/>
+          </a:xfrm>
+        </p:spPr>
+        <p:txBody>
+          <a:bodyPr>
+            <a:normAutofit/>
+          </a:bodyPr>
+          <a:lstStyle/>
+          <a:p>
+            <a:pPr marL="0" indent="0">
+              <a:buNone/>
+            </a:pPr>
+            <a:r>
+              <a:rPr lang="en-IN" sz="5400" b="1" smtClean="0"/>
+              <a:t>Thanks!!!!!</a:t>
+            </a:r>
+            <a:endParaRPr lang="en-GB" sz="5400" b="1" dirty="0"/>
+          </a:p>
+        </p:txBody>
+      </p:sp>
+    </p:spTree>
+    <p:extLst>
+      <p:ext uri="{BB962C8B-B14F-4D97-AF65-F5344CB8AC3E}">
+        <p14:creationId xmlns:p14="http://schemas.microsoft.com/office/powerpoint/2010/main" val="3977684842"/>
+      </p:ext>
+    </p:extLst>
+  </p:cSld>
+  <p:clrMapOvr>
+    <a:masterClrMapping/>
+  </p:clrMapOvr>
+  <p:timing>
+    <p:tnLst>
+      <p:par>
+        <p:cTn id="1" dur="indefinite" restart="never" nodeType="tmRoot"/>
+      </p:par>
+    </p:tnLst>
+  </p:timing>
+</p:sld>
+</file>
+
 <file path=ppt/slides/slide5.xml><?xml version="1.0" encoding="utf-8"?>
 <p:sld xmlns:a="http://schemas.openxmlformats.org/drawingml/2006/main" xmlns:r="http://schemas.openxmlformats.org/officeDocument/2006/relationships" xmlns:p="http://schemas.openxmlformats.org/presentationml/2006/main">
   <p:cSld>
@@ -26708,9 +33003,37 @@
             </a:r>
             <a:r>
               <a:rPr lang="en-GB" b="1" dirty="0" smtClean="0"/>
-              <a:t> – Adds eclipse shortcuts to vs code</a:t>
-            </a:r>
-            <a:endParaRPr lang="en-GB" sz="2400" dirty="0"/>
+              <a:t> – Adds eclipse shortcuts to vs </a:t>
+            </a:r>
+            <a:r>
+              <a:rPr lang="en-GB" b="1" dirty="0" smtClean="0"/>
+              <a:t>code</a:t>
+            </a:r>
+          </a:p>
+          <a:p>
+            <a:r>
+              <a:rPr lang="en-IN" b="1" dirty="0">
+                <a:hlinkClick r:id="rId8"/>
+              </a:rPr>
+              <a:t>Debugger For Ch</a:t>
+            </a:r>
+            <a:r>
+              <a:rPr lang="en-IN" b="1" dirty="0">
+                <a:hlinkClick r:id="rId8"/>
+              </a:rPr>
+              <a:t>rom</a:t>
+            </a:r>
+            <a:r>
+              <a:rPr lang="en-IN" b="1" dirty="0">
+                <a:hlinkClick r:id="rId8"/>
+              </a:rPr>
+              <a:t>e</a:t>
+            </a:r>
+            <a:r>
+              <a:rPr lang="en-IN" b="1" dirty="0"/>
+              <a:t> –Adds debugging capabilities</a:t>
+            </a:r>
+            <a:endParaRPr lang="en-GB" b="1" dirty="0"/>
           </a:p>
           <a:p>
             <a:pPr marL="0" indent="0">
